--- a/Paper Presentation/Presentation_part3.pptx
+++ b/Paper Presentation/Presentation_part3.pptx
@@ -5,15 +5,16 @@
     <p:sldMasterId id="2147483648" r:id="rId1"/>
   </p:sldMasterIdLst>
   <p:notesMasterIdLst>
-    <p:notesMasterId r:id="rId8"/>
+    <p:notesMasterId r:id="rId9"/>
   </p:notesMasterIdLst>
   <p:sldIdLst>
-    <p:sldId id="261" r:id="rId2"/>
-    <p:sldId id="262" r:id="rId3"/>
-    <p:sldId id="258" r:id="rId4"/>
-    <p:sldId id="263" r:id="rId5"/>
-    <p:sldId id="257" r:id="rId6"/>
-    <p:sldId id="266" r:id="rId7"/>
+    <p:sldId id="267" r:id="rId2"/>
+    <p:sldId id="261" r:id="rId3"/>
+    <p:sldId id="262" r:id="rId4"/>
+    <p:sldId id="258" r:id="rId5"/>
+    <p:sldId id="263" r:id="rId6"/>
+    <p:sldId id="257" r:id="rId7"/>
+    <p:sldId id="266" r:id="rId8"/>
   </p:sldIdLst>
   <p:sldSz cx="9144000" cy="6858000" type="screen4x3"/>
   <p:notesSz cx="6858000" cy="9144000"/>
@@ -530,7 +531,7 @@
             <a:fld id="{8B263312-38AA-4E1E-B2B5-0F8F122B24FE}" type="slidenum">
               <a:rPr lang="en-US" smtClean="0"/>
               <a:pPr/>
-              <a:t>1</a:t>
+              <a:t>2</a:t>
             </a:fld>
             <a:endParaRPr lang="en-US" dirty="0"/>
           </a:p>
@@ -612,7 +613,7 @@
             <a:fld id="{8B263312-38AA-4E1E-B2B5-0F8F122B24FE}" type="slidenum">
               <a:rPr lang="en-US" smtClean="0"/>
               <a:pPr/>
-              <a:t>2</a:t>
+              <a:t>3</a:t>
             </a:fld>
             <a:endParaRPr lang="en-US" dirty="0"/>
           </a:p>
@@ -694,7 +695,7 @@
             <a:fld id="{8B263312-38AA-4E1E-B2B5-0F8F122B24FE}" type="slidenum">
               <a:rPr lang="en-US" smtClean="0"/>
               <a:pPr/>
-              <a:t>3</a:t>
+              <a:t>4</a:t>
             </a:fld>
             <a:endParaRPr lang="en-US" dirty="0"/>
           </a:p>
@@ -776,7 +777,7 @@
             <a:fld id="{8B263312-38AA-4E1E-B2B5-0F8F122B24FE}" type="slidenum">
               <a:rPr lang="en-US" smtClean="0"/>
               <a:pPr/>
-              <a:t>4</a:t>
+              <a:t>5</a:t>
             </a:fld>
             <a:endParaRPr lang="en-US" dirty="0"/>
           </a:p>
@@ -3702,6 +3703,66 @@
 </file>
 
 <file path=ppt/slides/slide1.xml><?xml version="1.0" encoding="utf-8"?>
+<p:sld xmlns:a="http://schemas.openxmlformats.org/drawingml/2006/main" xmlns:r="http://schemas.openxmlformats.org/officeDocument/2006/relationships" xmlns:p="http://schemas.openxmlformats.org/presentationml/2006/main">
+  <p:cSld>
+    <p:spTree>
+      <p:nvGrpSpPr>
+        <p:cNvPr id="1" name=""/>
+        <p:cNvGrpSpPr/>
+        <p:nvPr/>
+      </p:nvGrpSpPr>
+      <p:grpSpPr>
+        <a:xfrm>
+          <a:off x="0" y="0"/>
+          <a:ext cx="0" cy="0"/>
+          <a:chOff x="0" y="0"/>
+          <a:chExt cx="0" cy="0"/>
+        </a:xfrm>
+      </p:grpSpPr>
+      <p:sp>
+        <p:nvSpPr>
+          <p:cNvPr id="2" name="Title 1"/>
+          <p:cNvSpPr>
+            <a:spLocks noGrp="1"/>
+          </p:cNvSpPr>
+          <p:nvPr>
+            <p:ph type="title"/>
+          </p:nvPr>
+        </p:nvSpPr>
+        <p:spPr>
+          <a:xfrm>
+            <a:off x="381000" y="3276600"/>
+            <a:ext cx="8229600" cy="1143000"/>
+          </a:xfrm>
+        </p:spPr>
+        <p:txBody>
+          <a:bodyPr/>
+          <a:lstStyle/>
+          <a:p>
+            <a:r>
+              <a:rPr lang="en-US" dirty="0" smtClean="0"/>
+              <a:t>Network Partition</a:t>
+            </a:r>
+            <a:endParaRPr lang="en-US" dirty="0"/>
+          </a:p>
+        </p:txBody>
+      </p:sp>
+    </p:spTree>
+  </p:cSld>
+  <p:clrMapOvr>
+    <a:masterClrMapping/>
+  </p:clrMapOvr>
+  <p:timing>
+    <p:tnLst>
+      <p:par>
+        <p:cTn id="1" dur="indefinite" restart="never" nodeType="tmRoot"/>
+      </p:par>
+    </p:tnLst>
+  </p:timing>
+</p:sld>
+</file>
+
+<file path=ppt/slides/slide2.xml><?xml version="1.0" encoding="utf-8"?>
 <p:sld xmlns:a="http://schemas.openxmlformats.org/drawingml/2006/main" xmlns:r="http://schemas.openxmlformats.org/officeDocument/2006/relationships" xmlns:p="http://schemas.openxmlformats.org/presentationml/2006/main">
   <p:cSld>
     <p:spTree>
@@ -6817,7 +6878,7 @@
 </p:sld>
 </file>
 
-<file path=ppt/slides/slide2.xml><?xml version="1.0" encoding="utf-8"?>
+<file path=ppt/slides/slide3.xml><?xml version="1.0" encoding="utf-8"?>
 <p:sld xmlns:a="http://schemas.openxmlformats.org/drawingml/2006/main" xmlns:r="http://schemas.openxmlformats.org/officeDocument/2006/relationships" xmlns:p="http://schemas.openxmlformats.org/presentationml/2006/main">
   <p:cSld>
     <p:spTree>
@@ -11233,7 +11294,7 @@
 </p:sld>
 </file>
 
-<file path=ppt/slides/slide3.xml><?xml version="1.0" encoding="utf-8"?>
+<file path=ppt/slides/slide4.xml><?xml version="1.0" encoding="utf-8"?>
 <p:sld xmlns:a="http://schemas.openxmlformats.org/drawingml/2006/main" xmlns:r="http://schemas.openxmlformats.org/officeDocument/2006/relationships" xmlns:p="http://schemas.openxmlformats.org/presentationml/2006/main">
   <p:cSld>
     <p:spTree>
@@ -11607,7 +11668,7 @@
 </p:sld>
 </file>
 
-<file path=ppt/slides/slide4.xml><?xml version="1.0" encoding="utf-8"?>
+<file path=ppt/slides/slide5.xml><?xml version="1.0" encoding="utf-8"?>
 <p:sld xmlns:a="http://schemas.openxmlformats.org/drawingml/2006/main" xmlns:r="http://schemas.openxmlformats.org/officeDocument/2006/relationships" xmlns:p="http://schemas.openxmlformats.org/presentationml/2006/main">
   <p:cSld>
     <p:spTree>
@@ -12110,7 +12171,7 @@
 </p:sld>
 </file>
 
-<file path=ppt/slides/slide5.xml><?xml version="1.0" encoding="utf-8"?>
+<file path=ppt/slides/slide6.xml><?xml version="1.0" encoding="utf-8"?>
 <p:sld xmlns:a="http://schemas.openxmlformats.org/drawingml/2006/main" xmlns:r="http://schemas.openxmlformats.org/officeDocument/2006/relationships" xmlns:p="http://schemas.openxmlformats.org/presentationml/2006/main">
   <p:cSld>
     <p:spTree>
@@ -12312,7 +12373,7 @@
 </p:sld>
 </file>
 
-<file path=ppt/slides/slide6.xml><?xml version="1.0" encoding="utf-8"?>
+<file path=ppt/slides/slide7.xml><?xml version="1.0" encoding="utf-8"?>
 <p:sld xmlns:a="http://schemas.openxmlformats.org/drawingml/2006/main" xmlns:r="http://schemas.openxmlformats.org/officeDocument/2006/relationships" xmlns:p="http://schemas.openxmlformats.org/presentationml/2006/main">
   <p:cSld>
     <p:spTree>

--- a/Paper Presentation/Presentation_part3.pptx
+++ b/Paper Presentation/Presentation_part3.pptx
@@ -12164,7 +12164,744 @@
   <p:timing>
     <p:tnLst>
       <p:par>
-        <p:cTn id="1" dur="indefinite" restart="never" nodeType="tmRoot"/>
+        <p:cTn id="1" dur="indefinite" restart="never" nodeType="tmRoot">
+          <p:childTnLst>
+            <p:seq concurrent="1" nextAc="seek">
+              <p:cTn id="2" dur="indefinite" nodeType="mainSeq">
+                <p:childTnLst>
+                  <p:par>
+                    <p:cTn id="3" fill="hold">
+                      <p:stCondLst>
+                        <p:cond delay="indefinite"/>
+                      </p:stCondLst>
+                      <p:childTnLst>
+                        <p:par>
+                          <p:cTn id="4" fill="hold">
+                            <p:stCondLst>
+                              <p:cond delay="0"/>
+                            </p:stCondLst>
+                            <p:childTnLst>
+                              <p:par>
+                                <p:cTn id="5" presetID="4" presetClass="entr" presetSubtype="16" fill="hold" nodeType="clickEffect">
+                                  <p:stCondLst>
+                                    <p:cond delay="0"/>
+                                  </p:stCondLst>
+                                  <p:childTnLst>
+                                    <p:set>
+                                      <p:cBhvr>
+                                        <p:cTn id="6" dur="1" fill="hold">
+                                          <p:stCondLst>
+                                            <p:cond delay="0"/>
+                                          </p:stCondLst>
+                                        </p:cTn>
+                                        <p:tgtEl>
+                                          <p:spTgt spid="3">
+                                            <p:txEl>
+                                              <p:pRg st="3" end="3"/>
+                                            </p:txEl>
+                                          </p:spTgt>
+                                        </p:tgtEl>
+                                        <p:attrNameLst>
+                                          <p:attrName>style.visibility</p:attrName>
+                                        </p:attrNameLst>
+                                      </p:cBhvr>
+                                      <p:to>
+                                        <p:strVal val="visible"/>
+                                      </p:to>
+                                    </p:set>
+                                    <p:animEffect transition="in" filter="box(in)">
+                                      <p:cBhvr>
+                                        <p:cTn id="7" dur="500"/>
+                                        <p:tgtEl>
+                                          <p:spTgt spid="3">
+                                            <p:txEl>
+                                              <p:pRg st="3" end="3"/>
+                                            </p:txEl>
+                                          </p:spTgt>
+                                        </p:tgtEl>
+                                      </p:cBhvr>
+                                    </p:animEffect>
+                                  </p:childTnLst>
+                                </p:cTn>
+                              </p:par>
+                              <p:par>
+                                <p:cTn id="8" presetID="4" presetClass="entr" presetSubtype="16" fill="hold" nodeType="withEffect">
+                                  <p:stCondLst>
+                                    <p:cond delay="0"/>
+                                  </p:stCondLst>
+                                  <p:childTnLst>
+                                    <p:set>
+                                      <p:cBhvr>
+                                        <p:cTn id="9" dur="1" fill="hold">
+                                          <p:stCondLst>
+                                            <p:cond delay="0"/>
+                                          </p:stCondLst>
+                                        </p:cTn>
+                                        <p:tgtEl>
+                                          <p:spTgt spid="3">
+                                            <p:txEl>
+                                              <p:pRg st="4" end="4"/>
+                                            </p:txEl>
+                                          </p:spTgt>
+                                        </p:tgtEl>
+                                        <p:attrNameLst>
+                                          <p:attrName>style.visibility</p:attrName>
+                                        </p:attrNameLst>
+                                      </p:cBhvr>
+                                      <p:to>
+                                        <p:strVal val="visible"/>
+                                      </p:to>
+                                    </p:set>
+                                    <p:animEffect transition="in" filter="box(in)">
+                                      <p:cBhvr>
+                                        <p:cTn id="10" dur="500"/>
+                                        <p:tgtEl>
+                                          <p:spTgt spid="3">
+                                            <p:txEl>
+                                              <p:pRg st="4" end="4"/>
+                                            </p:txEl>
+                                          </p:spTgt>
+                                        </p:tgtEl>
+                                      </p:cBhvr>
+                                    </p:animEffect>
+                                  </p:childTnLst>
+                                </p:cTn>
+                              </p:par>
+                              <p:par>
+                                <p:cTn id="11" presetID="4" presetClass="entr" presetSubtype="16" fill="hold" nodeType="withEffect">
+                                  <p:stCondLst>
+                                    <p:cond delay="0"/>
+                                  </p:stCondLst>
+                                  <p:childTnLst>
+                                    <p:set>
+                                      <p:cBhvr>
+                                        <p:cTn id="12" dur="1" fill="hold">
+                                          <p:stCondLst>
+                                            <p:cond delay="0"/>
+                                          </p:stCondLst>
+                                        </p:cTn>
+                                        <p:tgtEl>
+                                          <p:spTgt spid="3">
+                                            <p:txEl>
+                                              <p:pRg st="5" end="5"/>
+                                            </p:txEl>
+                                          </p:spTgt>
+                                        </p:tgtEl>
+                                        <p:attrNameLst>
+                                          <p:attrName>style.visibility</p:attrName>
+                                        </p:attrNameLst>
+                                      </p:cBhvr>
+                                      <p:to>
+                                        <p:strVal val="visible"/>
+                                      </p:to>
+                                    </p:set>
+                                    <p:animEffect transition="in" filter="box(in)">
+                                      <p:cBhvr>
+                                        <p:cTn id="13" dur="500"/>
+                                        <p:tgtEl>
+                                          <p:spTgt spid="3">
+                                            <p:txEl>
+                                              <p:pRg st="5" end="5"/>
+                                            </p:txEl>
+                                          </p:spTgt>
+                                        </p:tgtEl>
+                                      </p:cBhvr>
+                                    </p:animEffect>
+                                  </p:childTnLst>
+                                </p:cTn>
+                              </p:par>
+                            </p:childTnLst>
+                          </p:cTn>
+                        </p:par>
+                      </p:childTnLst>
+                    </p:cTn>
+                  </p:par>
+                  <p:par>
+                    <p:cTn id="14" fill="hold">
+                      <p:stCondLst>
+                        <p:cond delay="indefinite"/>
+                      </p:stCondLst>
+                      <p:childTnLst>
+                        <p:par>
+                          <p:cTn id="15" fill="hold">
+                            <p:stCondLst>
+                              <p:cond delay="0"/>
+                            </p:stCondLst>
+                            <p:childTnLst>
+                              <p:par>
+                                <p:cTn id="16" presetID="8" presetClass="entr" presetSubtype="16" fill="hold" nodeType="clickEffect">
+                                  <p:stCondLst>
+                                    <p:cond delay="0"/>
+                                  </p:stCondLst>
+                                  <p:childTnLst>
+                                    <p:set>
+                                      <p:cBhvr>
+                                        <p:cTn id="17" dur="1" fill="hold">
+                                          <p:stCondLst>
+                                            <p:cond delay="0"/>
+                                          </p:stCondLst>
+                                        </p:cTn>
+                                        <p:tgtEl>
+                                          <p:spTgt spid="3">
+                                            <p:txEl>
+                                              <p:pRg st="6" end="6"/>
+                                            </p:txEl>
+                                          </p:spTgt>
+                                        </p:tgtEl>
+                                        <p:attrNameLst>
+                                          <p:attrName>style.visibility</p:attrName>
+                                        </p:attrNameLst>
+                                      </p:cBhvr>
+                                      <p:to>
+                                        <p:strVal val="visible"/>
+                                      </p:to>
+                                    </p:set>
+                                    <p:animEffect transition="in" filter="diamond(in)">
+                                      <p:cBhvr>
+                                        <p:cTn id="18" dur="2000"/>
+                                        <p:tgtEl>
+                                          <p:spTgt spid="3">
+                                            <p:txEl>
+                                              <p:pRg st="6" end="6"/>
+                                            </p:txEl>
+                                          </p:spTgt>
+                                        </p:tgtEl>
+                                      </p:cBhvr>
+                                    </p:animEffect>
+                                  </p:childTnLst>
+                                </p:cTn>
+                              </p:par>
+                              <p:par>
+                                <p:cTn id="19" presetID="8" presetClass="entr" presetSubtype="16" fill="hold" nodeType="withEffect">
+                                  <p:stCondLst>
+                                    <p:cond delay="0"/>
+                                  </p:stCondLst>
+                                  <p:childTnLst>
+                                    <p:set>
+                                      <p:cBhvr>
+                                        <p:cTn id="20" dur="1" fill="hold">
+                                          <p:stCondLst>
+                                            <p:cond delay="0"/>
+                                          </p:stCondLst>
+                                        </p:cTn>
+                                        <p:tgtEl>
+                                          <p:spTgt spid="3">
+                                            <p:txEl>
+                                              <p:pRg st="7" end="7"/>
+                                            </p:txEl>
+                                          </p:spTgt>
+                                        </p:tgtEl>
+                                        <p:attrNameLst>
+                                          <p:attrName>style.visibility</p:attrName>
+                                        </p:attrNameLst>
+                                      </p:cBhvr>
+                                      <p:to>
+                                        <p:strVal val="visible"/>
+                                      </p:to>
+                                    </p:set>
+                                    <p:animEffect transition="in" filter="diamond(in)">
+                                      <p:cBhvr>
+                                        <p:cTn id="21" dur="2000"/>
+                                        <p:tgtEl>
+                                          <p:spTgt spid="3">
+                                            <p:txEl>
+                                              <p:pRg st="7" end="7"/>
+                                            </p:txEl>
+                                          </p:spTgt>
+                                        </p:tgtEl>
+                                      </p:cBhvr>
+                                    </p:animEffect>
+                                  </p:childTnLst>
+                                </p:cTn>
+                              </p:par>
+                              <p:par>
+                                <p:cTn id="22" presetID="8" presetClass="entr" presetSubtype="16" fill="hold" nodeType="withEffect">
+                                  <p:stCondLst>
+                                    <p:cond delay="0"/>
+                                  </p:stCondLst>
+                                  <p:childTnLst>
+                                    <p:set>
+                                      <p:cBhvr>
+                                        <p:cTn id="23" dur="1" fill="hold">
+                                          <p:stCondLst>
+                                            <p:cond delay="0"/>
+                                          </p:stCondLst>
+                                        </p:cTn>
+                                        <p:tgtEl>
+                                          <p:spTgt spid="3">
+                                            <p:txEl>
+                                              <p:pRg st="8" end="8"/>
+                                            </p:txEl>
+                                          </p:spTgt>
+                                        </p:tgtEl>
+                                        <p:attrNameLst>
+                                          <p:attrName>style.visibility</p:attrName>
+                                        </p:attrNameLst>
+                                      </p:cBhvr>
+                                      <p:to>
+                                        <p:strVal val="visible"/>
+                                      </p:to>
+                                    </p:set>
+                                    <p:animEffect transition="in" filter="diamond(in)">
+                                      <p:cBhvr>
+                                        <p:cTn id="24" dur="2000"/>
+                                        <p:tgtEl>
+                                          <p:spTgt spid="3">
+                                            <p:txEl>
+                                              <p:pRg st="8" end="8"/>
+                                            </p:txEl>
+                                          </p:spTgt>
+                                        </p:tgtEl>
+                                      </p:cBhvr>
+                                    </p:animEffect>
+                                  </p:childTnLst>
+                                </p:cTn>
+                              </p:par>
+                            </p:childTnLst>
+                          </p:cTn>
+                        </p:par>
+                      </p:childTnLst>
+                    </p:cTn>
+                  </p:par>
+                  <p:par>
+                    <p:cTn id="25" fill="hold">
+                      <p:stCondLst>
+                        <p:cond delay="indefinite"/>
+                      </p:stCondLst>
+                      <p:childTnLst>
+                        <p:par>
+                          <p:cTn id="26" fill="hold">
+                            <p:stCondLst>
+                              <p:cond delay="0"/>
+                            </p:stCondLst>
+                            <p:childTnLst>
+                              <p:par>
+                                <p:cTn id="27" presetID="2" presetClass="entr" presetSubtype="4" fill="hold" nodeType="clickEffect">
+                                  <p:stCondLst>
+                                    <p:cond delay="0"/>
+                                  </p:stCondLst>
+                                  <p:childTnLst>
+                                    <p:set>
+                                      <p:cBhvr>
+                                        <p:cTn id="28" dur="1" fill="hold">
+                                          <p:stCondLst>
+                                            <p:cond delay="0"/>
+                                          </p:stCondLst>
+                                        </p:cTn>
+                                        <p:tgtEl>
+                                          <p:spTgt spid="4">
+                                            <p:txEl>
+                                              <p:pRg st="0" end="0"/>
+                                            </p:txEl>
+                                          </p:spTgt>
+                                        </p:tgtEl>
+                                        <p:attrNameLst>
+                                          <p:attrName>style.visibility</p:attrName>
+                                        </p:attrNameLst>
+                                      </p:cBhvr>
+                                      <p:to>
+                                        <p:strVal val="visible"/>
+                                      </p:to>
+                                    </p:set>
+                                    <p:anim calcmode="lin" valueType="num">
+                                      <p:cBhvr additive="base">
+                                        <p:cTn id="29" dur="500" fill="hold"/>
+                                        <p:tgtEl>
+                                          <p:spTgt spid="4">
+                                            <p:txEl>
+                                              <p:pRg st="0" end="0"/>
+                                            </p:txEl>
+                                          </p:spTgt>
+                                        </p:tgtEl>
+                                        <p:attrNameLst>
+                                          <p:attrName>ppt_x</p:attrName>
+                                        </p:attrNameLst>
+                                      </p:cBhvr>
+                                      <p:tavLst>
+                                        <p:tav tm="0">
+                                          <p:val>
+                                            <p:strVal val="#ppt_x"/>
+                                          </p:val>
+                                        </p:tav>
+                                        <p:tav tm="100000">
+                                          <p:val>
+                                            <p:strVal val="#ppt_x"/>
+                                          </p:val>
+                                        </p:tav>
+                                      </p:tavLst>
+                                    </p:anim>
+                                    <p:anim calcmode="lin" valueType="num">
+                                      <p:cBhvr additive="base">
+                                        <p:cTn id="30" dur="500" fill="hold"/>
+                                        <p:tgtEl>
+                                          <p:spTgt spid="4">
+                                            <p:txEl>
+                                              <p:pRg st="0" end="0"/>
+                                            </p:txEl>
+                                          </p:spTgt>
+                                        </p:tgtEl>
+                                        <p:attrNameLst>
+                                          <p:attrName>ppt_y</p:attrName>
+                                        </p:attrNameLst>
+                                      </p:cBhvr>
+                                      <p:tavLst>
+                                        <p:tav tm="0">
+                                          <p:val>
+                                            <p:strVal val="1+#ppt_h/2"/>
+                                          </p:val>
+                                        </p:tav>
+                                        <p:tav tm="100000">
+                                          <p:val>
+                                            <p:strVal val="#ppt_y"/>
+                                          </p:val>
+                                        </p:tav>
+                                      </p:tavLst>
+                                    </p:anim>
+                                  </p:childTnLst>
+                                </p:cTn>
+                              </p:par>
+                              <p:par>
+                                <p:cTn id="31" presetID="2" presetClass="entr" presetSubtype="4" fill="hold" nodeType="withEffect">
+                                  <p:stCondLst>
+                                    <p:cond delay="0"/>
+                                  </p:stCondLst>
+                                  <p:childTnLst>
+                                    <p:set>
+                                      <p:cBhvr>
+                                        <p:cTn id="32" dur="1" fill="hold">
+                                          <p:stCondLst>
+                                            <p:cond delay="0"/>
+                                          </p:stCondLst>
+                                        </p:cTn>
+                                        <p:tgtEl>
+                                          <p:spTgt spid="4">
+                                            <p:txEl>
+                                              <p:pRg st="1" end="1"/>
+                                            </p:txEl>
+                                          </p:spTgt>
+                                        </p:tgtEl>
+                                        <p:attrNameLst>
+                                          <p:attrName>style.visibility</p:attrName>
+                                        </p:attrNameLst>
+                                      </p:cBhvr>
+                                      <p:to>
+                                        <p:strVal val="visible"/>
+                                      </p:to>
+                                    </p:set>
+                                    <p:anim calcmode="lin" valueType="num">
+                                      <p:cBhvr additive="base">
+                                        <p:cTn id="33" dur="500" fill="hold"/>
+                                        <p:tgtEl>
+                                          <p:spTgt spid="4">
+                                            <p:txEl>
+                                              <p:pRg st="1" end="1"/>
+                                            </p:txEl>
+                                          </p:spTgt>
+                                        </p:tgtEl>
+                                        <p:attrNameLst>
+                                          <p:attrName>ppt_x</p:attrName>
+                                        </p:attrNameLst>
+                                      </p:cBhvr>
+                                      <p:tavLst>
+                                        <p:tav tm="0">
+                                          <p:val>
+                                            <p:strVal val="#ppt_x"/>
+                                          </p:val>
+                                        </p:tav>
+                                        <p:tav tm="100000">
+                                          <p:val>
+                                            <p:strVal val="#ppt_x"/>
+                                          </p:val>
+                                        </p:tav>
+                                      </p:tavLst>
+                                    </p:anim>
+                                    <p:anim calcmode="lin" valueType="num">
+                                      <p:cBhvr additive="base">
+                                        <p:cTn id="34" dur="500" fill="hold"/>
+                                        <p:tgtEl>
+                                          <p:spTgt spid="4">
+                                            <p:txEl>
+                                              <p:pRg st="1" end="1"/>
+                                            </p:txEl>
+                                          </p:spTgt>
+                                        </p:tgtEl>
+                                        <p:attrNameLst>
+                                          <p:attrName>ppt_y</p:attrName>
+                                        </p:attrNameLst>
+                                      </p:cBhvr>
+                                      <p:tavLst>
+                                        <p:tav tm="0">
+                                          <p:val>
+                                            <p:strVal val="1+#ppt_h/2"/>
+                                          </p:val>
+                                        </p:tav>
+                                        <p:tav tm="100000">
+                                          <p:val>
+                                            <p:strVal val="#ppt_y"/>
+                                          </p:val>
+                                        </p:tav>
+                                      </p:tavLst>
+                                    </p:anim>
+                                  </p:childTnLst>
+                                </p:cTn>
+                              </p:par>
+                              <p:par>
+                                <p:cTn id="35" presetID="2" presetClass="entr" presetSubtype="4" fill="hold" nodeType="withEffect">
+                                  <p:stCondLst>
+                                    <p:cond delay="0"/>
+                                  </p:stCondLst>
+                                  <p:childTnLst>
+                                    <p:set>
+                                      <p:cBhvr>
+                                        <p:cTn id="36" dur="1" fill="hold">
+                                          <p:stCondLst>
+                                            <p:cond delay="0"/>
+                                          </p:stCondLst>
+                                        </p:cTn>
+                                        <p:tgtEl>
+                                          <p:spTgt spid="4">
+                                            <p:txEl>
+                                              <p:pRg st="2" end="2"/>
+                                            </p:txEl>
+                                          </p:spTgt>
+                                        </p:tgtEl>
+                                        <p:attrNameLst>
+                                          <p:attrName>style.visibility</p:attrName>
+                                        </p:attrNameLst>
+                                      </p:cBhvr>
+                                      <p:to>
+                                        <p:strVal val="visible"/>
+                                      </p:to>
+                                    </p:set>
+                                    <p:anim calcmode="lin" valueType="num">
+                                      <p:cBhvr additive="base">
+                                        <p:cTn id="37" dur="500" fill="hold"/>
+                                        <p:tgtEl>
+                                          <p:spTgt spid="4">
+                                            <p:txEl>
+                                              <p:pRg st="2" end="2"/>
+                                            </p:txEl>
+                                          </p:spTgt>
+                                        </p:tgtEl>
+                                        <p:attrNameLst>
+                                          <p:attrName>ppt_x</p:attrName>
+                                        </p:attrNameLst>
+                                      </p:cBhvr>
+                                      <p:tavLst>
+                                        <p:tav tm="0">
+                                          <p:val>
+                                            <p:strVal val="#ppt_x"/>
+                                          </p:val>
+                                        </p:tav>
+                                        <p:tav tm="100000">
+                                          <p:val>
+                                            <p:strVal val="#ppt_x"/>
+                                          </p:val>
+                                        </p:tav>
+                                      </p:tavLst>
+                                    </p:anim>
+                                    <p:anim calcmode="lin" valueType="num">
+                                      <p:cBhvr additive="base">
+                                        <p:cTn id="38" dur="500" fill="hold"/>
+                                        <p:tgtEl>
+                                          <p:spTgt spid="4">
+                                            <p:txEl>
+                                              <p:pRg st="2" end="2"/>
+                                            </p:txEl>
+                                          </p:spTgt>
+                                        </p:tgtEl>
+                                        <p:attrNameLst>
+                                          <p:attrName>ppt_y</p:attrName>
+                                        </p:attrNameLst>
+                                      </p:cBhvr>
+                                      <p:tavLst>
+                                        <p:tav tm="0">
+                                          <p:val>
+                                            <p:strVal val="1+#ppt_h/2"/>
+                                          </p:val>
+                                        </p:tav>
+                                        <p:tav tm="100000">
+                                          <p:val>
+                                            <p:strVal val="#ppt_y"/>
+                                          </p:val>
+                                        </p:tav>
+                                      </p:tavLst>
+                                    </p:anim>
+                                  </p:childTnLst>
+                                </p:cTn>
+                              </p:par>
+                            </p:childTnLst>
+                          </p:cTn>
+                        </p:par>
+                      </p:childTnLst>
+                    </p:cTn>
+                  </p:par>
+                  <p:par>
+                    <p:cTn id="39" fill="hold">
+                      <p:stCondLst>
+                        <p:cond delay="indefinite"/>
+                      </p:stCondLst>
+                      <p:childTnLst>
+                        <p:par>
+                          <p:cTn id="40" fill="hold">
+                            <p:stCondLst>
+                              <p:cond delay="0"/>
+                            </p:stCondLst>
+                            <p:childTnLst>
+                              <p:par>
+                                <p:cTn id="41" presetID="4" presetClass="entr" presetSubtype="16" fill="hold" nodeType="clickEffect">
+                                  <p:stCondLst>
+                                    <p:cond delay="0"/>
+                                  </p:stCondLst>
+                                  <p:childTnLst>
+                                    <p:set>
+                                      <p:cBhvr>
+                                        <p:cTn id="42" dur="1" fill="hold">
+                                          <p:stCondLst>
+                                            <p:cond delay="0"/>
+                                          </p:stCondLst>
+                                        </p:cTn>
+                                        <p:tgtEl>
+                                          <p:spTgt spid="4">
+                                            <p:txEl>
+                                              <p:pRg st="3" end="3"/>
+                                            </p:txEl>
+                                          </p:spTgt>
+                                        </p:tgtEl>
+                                        <p:attrNameLst>
+                                          <p:attrName>style.visibility</p:attrName>
+                                        </p:attrNameLst>
+                                      </p:cBhvr>
+                                      <p:to>
+                                        <p:strVal val="visible"/>
+                                      </p:to>
+                                    </p:set>
+                                    <p:animEffect transition="in" filter="box(in)">
+                                      <p:cBhvr>
+                                        <p:cTn id="43" dur="500"/>
+                                        <p:tgtEl>
+                                          <p:spTgt spid="4">
+                                            <p:txEl>
+                                              <p:pRg st="3" end="3"/>
+                                            </p:txEl>
+                                          </p:spTgt>
+                                        </p:tgtEl>
+                                      </p:cBhvr>
+                                    </p:animEffect>
+                                  </p:childTnLst>
+                                </p:cTn>
+                              </p:par>
+                              <p:par>
+                                <p:cTn id="44" presetID="4" presetClass="entr" presetSubtype="16" fill="hold" nodeType="withEffect">
+                                  <p:stCondLst>
+                                    <p:cond delay="0"/>
+                                  </p:stCondLst>
+                                  <p:childTnLst>
+                                    <p:set>
+                                      <p:cBhvr>
+                                        <p:cTn id="45" dur="1" fill="hold">
+                                          <p:stCondLst>
+                                            <p:cond delay="0"/>
+                                          </p:stCondLst>
+                                        </p:cTn>
+                                        <p:tgtEl>
+                                          <p:spTgt spid="4">
+                                            <p:txEl>
+                                              <p:pRg st="4" end="4"/>
+                                            </p:txEl>
+                                          </p:spTgt>
+                                        </p:tgtEl>
+                                        <p:attrNameLst>
+                                          <p:attrName>style.visibility</p:attrName>
+                                        </p:attrNameLst>
+                                      </p:cBhvr>
+                                      <p:to>
+                                        <p:strVal val="visible"/>
+                                      </p:to>
+                                    </p:set>
+                                    <p:animEffect transition="in" filter="box(in)">
+                                      <p:cBhvr>
+                                        <p:cTn id="46" dur="500"/>
+                                        <p:tgtEl>
+                                          <p:spTgt spid="4">
+                                            <p:txEl>
+                                              <p:pRg st="4" end="4"/>
+                                            </p:txEl>
+                                          </p:spTgt>
+                                        </p:tgtEl>
+                                      </p:cBhvr>
+                                    </p:animEffect>
+                                  </p:childTnLst>
+                                </p:cTn>
+                              </p:par>
+                              <p:par>
+                                <p:cTn id="47" presetID="4" presetClass="entr" presetSubtype="16" fill="hold" nodeType="withEffect">
+                                  <p:stCondLst>
+                                    <p:cond delay="0"/>
+                                  </p:stCondLst>
+                                  <p:childTnLst>
+                                    <p:set>
+                                      <p:cBhvr>
+                                        <p:cTn id="48" dur="1" fill="hold">
+                                          <p:stCondLst>
+                                            <p:cond delay="0"/>
+                                          </p:stCondLst>
+                                        </p:cTn>
+                                        <p:tgtEl>
+                                          <p:spTgt spid="4">
+                                            <p:txEl>
+                                              <p:pRg st="5" end="5"/>
+                                            </p:txEl>
+                                          </p:spTgt>
+                                        </p:tgtEl>
+                                        <p:attrNameLst>
+                                          <p:attrName>style.visibility</p:attrName>
+                                        </p:attrNameLst>
+                                      </p:cBhvr>
+                                      <p:to>
+                                        <p:strVal val="visible"/>
+                                      </p:to>
+                                    </p:set>
+                                    <p:animEffect transition="in" filter="box(in)">
+                                      <p:cBhvr>
+                                        <p:cTn id="49" dur="500"/>
+                                        <p:tgtEl>
+                                          <p:spTgt spid="4">
+                                            <p:txEl>
+                                              <p:pRg st="5" end="5"/>
+                                            </p:txEl>
+                                          </p:spTgt>
+                                        </p:tgtEl>
+                                      </p:cBhvr>
+                                    </p:animEffect>
+                                  </p:childTnLst>
+                                </p:cTn>
+                              </p:par>
+                            </p:childTnLst>
+                          </p:cTn>
+                        </p:par>
+                      </p:childTnLst>
+                    </p:cTn>
+                  </p:par>
+                </p:childTnLst>
+              </p:cTn>
+              <p:prevCondLst>
+                <p:cond evt="onPrev" delay="0">
+                  <p:tgtEl>
+                    <p:sldTgt/>
+                  </p:tgtEl>
+                </p:cond>
+              </p:prevCondLst>
+              <p:nextCondLst>
+                <p:cond evt="onNext" delay="0">
+                  <p:tgtEl>
+                    <p:sldTgt/>
+                  </p:tgtEl>
+                </p:cond>
+              </p:nextCondLst>
+            </p:seq>
+          </p:childTnLst>
+        </p:cTn>
       </p:par>
     </p:tnLst>
   </p:timing>

--- a/Paper Presentation/Presentation_part3.pptx
+++ b/Paper Presentation/Presentation_part3.pptx
@@ -198,7 +198,8 @@
           <a:p>
             <a:fld id="{403515F8-3232-4F59-8F75-02B487CB84C0}" type="datetimeFigureOut">
               <a:rPr lang="en-US" smtClean="0"/>
-              <a:t>10/21/2012</a:t>
+              <a:pPr/>
+              <a:t>10/22/2012</a:t>
             </a:fld>
             <a:endParaRPr lang="en-US"/>
           </a:p>
@@ -359,6 +360,7 @@
           <a:p>
             <a:fld id="{479A77ED-69A3-485D-B9AA-58622F8B08F2}" type="slidenum">
               <a:rPr lang="en-US" smtClean="0"/>
+              <a:pPr/>
               <a:t>‹#›</a:t>
             </a:fld>
             <a:endParaRPr lang="en-US"/>
@@ -972,7 +974,8 @@
           <a:p>
             <a:fld id="{A117B477-4D9D-4940-9A96-52ECF542B817}" type="datetimeFigureOut">
               <a:rPr lang="en-US" smtClean="0"/>
-              <a:t>10/21/2012</a:t>
+              <a:pPr/>
+              <a:t>10/22/2012</a:t>
             </a:fld>
             <a:endParaRPr lang="en-US"/>
           </a:p>
@@ -1014,6 +1017,7 @@
           <a:p>
             <a:fld id="{25AC252E-CF0E-4170-8B47-DB0BDA9FE2B7}" type="slidenum">
               <a:rPr lang="en-US" smtClean="0"/>
+              <a:pPr/>
               <a:t>‹#›</a:t>
             </a:fld>
             <a:endParaRPr lang="en-US"/>
@@ -1137,7 +1141,8 @@
           <a:p>
             <a:fld id="{A117B477-4D9D-4940-9A96-52ECF542B817}" type="datetimeFigureOut">
               <a:rPr lang="en-US" smtClean="0"/>
-              <a:t>10/21/2012</a:t>
+              <a:pPr/>
+              <a:t>10/22/2012</a:t>
             </a:fld>
             <a:endParaRPr lang="en-US"/>
           </a:p>
@@ -1179,6 +1184,7 @@
           <a:p>
             <a:fld id="{25AC252E-CF0E-4170-8B47-DB0BDA9FE2B7}" type="slidenum">
               <a:rPr lang="en-US" smtClean="0"/>
+              <a:pPr/>
               <a:t>‹#›</a:t>
             </a:fld>
             <a:endParaRPr lang="en-US"/>
@@ -1312,7 +1318,8 @@
           <a:p>
             <a:fld id="{A117B477-4D9D-4940-9A96-52ECF542B817}" type="datetimeFigureOut">
               <a:rPr lang="en-US" smtClean="0"/>
-              <a:t>10/21/2012</a:t>
+              <a:pPr/>
+              <a:t>10/22/2012</a:t>
             </a:fld>
             <a:endParaRPr lang="en-US"/>
           </a:p>
@@ -1354,6 +1361,7 @@
           <a:p>
             <a:fld id="{25AC252E-CF0E-4170-8B47-DB0BDA9FE2B7}" type="slidenum">
               <a:rPr lang="en-US" smtClean="0"/>
+              <a:pPr/>
               <a:t>‹#›</a:t>
             </a:fld>
             <a:endParaRPr lang="en-US"/>
@@ -1477,7 +1485,8 @@
           <a:p>
             <a:fld id="{A117B477-4D9D-4940-9A96-52ECF542B817}" type="datetimeFigureOut">
               <a:rPr lang="en-US" smtClean="0"/>
-              <a:t>10/21/2012</a:t>
+              <a:pPr/>
+              <a:t>10/22/2012</a:t>
             </a:fld>
             <a:endParaRPr lang="en-US"/>
           </a:p>
@@ -1519,6 +1528,7 @@
           <a:p>
             <a:fld id="{25AC252E-CF0E-4170-8B47-DB0BDA9FE2B7}" type="slidenum">
               <a:rPr lang="en-US" smtClean="0"/>
+              <a:pPr/>
               <a:t>‹#›</a:t>
             </a:fld>
             <a:endParaRPr lang="en-US"/>
@@ -1718,7 +1728,8 @@
           <a:p>
             <a:fld id="{A117B477-4D9D-4940-9A96-52ECF542B817}" type="datetimeFigureOut">
               <a:rPr lang="en-US" smtClean="0"/>
-              <a:t>10/21/2012</a:t>
+              <a:pPr/>
+              <a:t>10/22/2012</a:t>
             </a:fld>
             <a:endParaRPr lang="en-US"/>
           </a:p>
@@ -1760,6 +1771,7 @@
           <a:p>
             <a:fld id="{25AC252E-CF0E-4170-8B47-DB0BDA9FE2B7}" type="slidenum">
               <a:rPr lang="en-US" smtClean="0"/>
+              <a:pPr/>
               <a:t>‹#›</a:t>
             </a:fld>
             <a:endParaRPr lang="en-US"/>
@@ -2001,7 +2013,8 @@
           <a:p>
             <a:fld id="{A117B477-4D9D-4940-9A96-52ECF542B817}" type="datetimeFigureOut">
               <a:rPr lang="en-US" smtClean="0"/>
-              <a:t>10/21/2012</a:t>
+              <a:pPr/>
+              <a:t>10/22/2012</a:t>
             </a:fld>
             <a:endParaRPr lang="en-US"/>
           </a:p>
@@ -2043,6 +2056,7 @@
           <a:p>
             <a:fld id="{25AC252E-CF0E-4170-8B47-DB0BDA9FE2B7}" type="slidenum">
               <a:rPr lang="en-US" smtClean="0"/>
+              <a:pPr/>
               <a:t>‹#›</a:t>
             </a:fld>
             <a:endParaRPr lang="en-US"/>
@@ -2418,7 +2432,8 @@
           <a:p>
             <a:fld id="{A117B477-4D9D-4940-9A96-52ECF542B817}" type="datetimeFigureOut">
               <a:rPr lang="en-US" smtClean="0"/>
-              <a:t>10/21/2012</a:t>
+              <a:pPr/>
+              <a:t>10/22/2012</a:t>
             </a:fld>
             <a:endParaRPr lang="en-US"/>
           </a:p>
@@ -2460,6 +2475,7 @@
           <a:p>
             <a:fld id="{25AC252E-CF0E-4170-8B47-DB0BDA9FE2B7}" type="slidenum">
               <a:rPr lang="en-US" smtClean="0"/>
+              <a:pPr/>
               <a:t>‹#›</a:t>
             </a:fld>
             <a:endParaRPr lang="en-US"/>
@@ -2531,7 +2547,8 @@
           <a:p>
             <a:fld id="{A117B477-4D9D-4940-9A96-52ECF542B817}" type="datetimeFigureOut">
               <a:rPr lang="en-US" smtClean="0"/>
-              <a:t>10/21/2012</a:t>
+              <a:pPr/>
+              <a:t>10/22/2012</a:t>
             </a:fld>
             <a:endParaRPr lang="en-US"/>
           </a:p>
@@ -2573,6 +2590,7 @@
           <a:p>
             <a:fld id="{25AC252E-CF0E-4170-8B47-DB0BDA9FE2B7}" type="slidenum">
               <a:rPr lang="en-US" smtClean="0"/>
+              <a:pPr/>
               <a:t>‹#›</a:t>
             </a:fld>
             <a:endParaRPr lang="en-US"/>
@@ -2621,7 +2639,8 @@
           <a:p>
             <a:fld id="{A117B477-4D9D-4940-9A96-52ECF542B817}" type="datetimeFigureOut">
               <a:rPr lang="en-US" smtClean="0"/>
-              <a:t>10/21/2012</a:t>
+              <a:pPr/>
+              <a:t>10/22/2012</a:t>
             </a:fld>
             <a:endParaRPr lang="en-US"/>
           </a:p>
@@ -2663,6 +2682,7 @@
           <a:p>
             <a:fld id="{25AC252E-CF0E-4170-8B47-DB0BDA9FE2B7}" type="slidenum">
               <a:rPr lang="en-US" smtClean="0"/>
+              <a:pPr/>
               <a:t>‹#›</a:t>
             </a:fld>
             <a:endParaRPr lang="en-US"/>
@@ -2893,7 +2913,8 @@
           <a:p>
             <a:fld id="{A117B477-4D9D-4940-9A96-52ECF542B817}" type="datetimeFigureOut">
               <a:rPr lang="en-US" smtClean="0"/>
-              <a:t>10/21/2012</a:t>
+              <a:pPr/>
+              <a:t>10/22/2012</a:t>
             </a:fld>
             <a:endParaRPr lang="en-US"/>
           </a:p>
@@ -2935,6 +2956,7 @@
           <a:p>
             <a:fld id="{25AC252E-CF0E-4170-8B47-DB0BDA9FE2B7}" type="slidenum">
               <a:rPr lang="en-US" smtClean="0"/>
+              <a:pPr/>
               <a:t>‹#›</a:t>
             </a:fld>
             <a:endParaRPr lang="en-US"/>
@@ -3141,7 +3163,8 @@
           <a:p>
             <a:fld id="{A117B477-4D9D-4940-9A96-52ECF542B817}" type="datetimeFigureOut">
               <a:rPr lang="en-US" smtClean="0"/>
-              <a:t>10/21/2012</a:t>
+              <a:pPr/>
+              <a:t>10/22/2012</a:t>
             </a:fld>
             <a:endParaRPr lang="en-US"/>
           </a:p>
@@ -3183,6 +3206,7 @@
           <a:p>
             <a:fld id="{25AC252E-CF0E-4170-8B47-DB0BDA9FE2B7}" type="slidenum">
               <a:rPr lang="en-US" smtClean="0"/>
+              <a:pPr/>
               <a:t>‹#›</a:t>
             </a:fld>
             <a:endParaRPr lang="en-US"/>
@@ -3349,7 +3373,8 @@
           <a:p>
             <a:fld id="{A117B477-4D9D-4940-9A96-52ECF542B817}" type="datetimeFigureOut">
               <a:rPr lang="en-US" smtClean="0"/>
-              <a:t>10/21/2012</a:t>
+              <a:pPr/>
+              <a:t>10/22/2012</a:t>
             </a:fld>
             <a:endParaRPr lang="en-US"/>
           </a:p>
@@ -3427,6 +3452,7 @@
           <a:p>
             <a:fld id="{25AC252E-CF0E-4170-8B47-DB0BDA9FE2B7}" type="slidenum">
               <a:rPr lang="en-US" smtClean="0"/>
+              <a:pPr/>
               <a:t>‹#›</a:t>
             </a:fld>
             <a:endParaRPr lang="en-US"/>
@@ -5531,15 +5557,6 @@
               </a:rPr>
               <a:t>Offset valid on any replica</a:t>
             </a:r>
-            <a:endParaRPr lang="en-US" sz="1600" b="1" dirty="0" smtClean="0">
-              <a:solidFill>
-                <a:schemeClr val="accent1">
-                  <a:lumMod val="75000"/>
-                </a:schemeClr>
-              </a:solidFill>
-              <a:ea typeface="Segoe UI" pitchFamily="34" charset="0"/>
-              <a:cs typeface="Segoe UI" pitchFamily="34" charset="0"/>
-            </a:endParaRPr>
           </a:p>
         </p:txBody>
       </p:sp>
@@ -6024,7 +6041,7 @@
     </p:spTree>
     <p:extLst>
       <p:ext uri="{BB962C8B-B14F-4D97-AF65-F5344CB8AC3E}">
-        <p14:creationId xmlns="" xmlns:p14="http://schemas.microsoft.com/office/powerpoint/2010/main" val="4171962860"/>
+        <p14:creationId xmlns:p14="http://schemas.microsoft.com/office/powerpoint/2010/main" xmlns="" val="4171962860"/>
       </p:ext>
     </p:extLst>
   </p:cSld>
@@ -9478,7 +9495,7 @@
     </p:spTree>
     <p:extLst>
       <p:ext uri="{BB962C8B-B14F-4D97-AF65-F5344CB8AC3E}">
-        <p14:creationId xmlns="" xmlns:p14="http://schemas.microsoft.com/office/powerpoint/2010/main" val="639367041"/>
+        <p14:creationId xmlns:p14="http://schemas.microsoft.com/office/powerpoint/2010/main" xmlns="" val="639367041"/>
       </p:ext>
     </p:extLst>
   </p:cSld>
@@ -11335,11 +11352,7 @@
           <a:p>
             <a:r>
               <a:rPr lang="en-US" dirty="0" smtClean="0"/>
-              <a:t>Approach </a:t>
-            </a:r>
-            <a:r>
-              <a:rPr lang="en-US" dirty="0" smtClean="0"/>
-              <a:t>to the </a:t>
+              <a:t>Approach to the </a:t>
             </a:r>
             <a:r>
               <a:rPr lang="en-US" dirty="0"/>
@@ -11480,7 +11493,7 @@
     </p:spTree>
     <p:extLst>
       <p:ext uri="{BB962C8B-B14F-4D97-AF65-F5344CB8AC3E}">
-        <p14:creationId xmlns="" xmlns:p14="http://schemas.microsoft.com/office/powerpoint/2010/main" val="2807808241"/>
+        <p14:creationId xmlns:p14="http://schemas.microsoft.com/office/powerpoint/2010/main" xmlns="" val="2807808241"/>
       </p:ext>
     </p:extLst>
   </p:cSld>
@@ -11870,7 +11883,23 @@
                   <a:srgbClr val="C00000"/>
                 </a:solidFill>
               </a:rPr>
-              <a:t>Tradeoff: Latency/BW to/from storage</a:t>
+              <a:t>Tradeoff: </a:t>
+            </a:r>
+            <a:r>
+              <a:rPr lang="en-US" sz="1800" dirty="0" smtClean="0">
+                <a:solidFill>
+                  <a:srgbClr val="C00000"/>
+                </a:solidFill>
+              </a:rPr>
+              <a:t>Latency </a:t>
+            </a:r>
+            <a:r>
+              <a:rPr lang="en-US" sz="1800" dirty="0" smtClean="0">
+                <a:solidFill>
+                  <a:srgbClr val="C00000"/>
+                </a:solidFill>
+              </a:rPr>
+              <a:t>to/from storage</a:t>
             </a:r>
           </a:p>
           <a:p>
@@ -12153,7 +12182,7 @@
     </p:spTree>
     <p:extLst>
       <p:ext uri="{BB962C8B-B14F-4D97-AF65-F5344CB8AC3E}">
-        <p14:creationId xmlns="" xmlns:p14="http://schemas.microsoft.com/office/powerpoint/2010/main" val="2807808241"/>
+        <p14:creationId xmlns:p14="http://schemas.microsoft.com/office/powerpoint/2010/main" xmlns="" val="2807808241"/>
       </p:ext>
     </p:extLst>
   </p:cSld>
@@ -13202,7 +13231,7 @@
           <a:blip r:embed="rId2" cstate="print">
             <a:extLst>
               <a:ext uri="{28A0092B-C50C-407E-A947-70E740481C1C}">
-                <a14:useLocalDpi xmlns:a14="http://schemas.microsoft.com/office/drawing/2010/main" xmlns="" val="0"/>
+                <a14:useLocalDpi xmlns="" xmlns:a14="http://schemas.microsoft.com/office/drawing/2010/main" val="0"/>
               </a:ext>
             </a:extLst>
           </a:blip>
@@ -13222,7 +13251,7 @@
           <a:noFill/>
           <a:extLst>
             <a:ext uri="{909E8E84-426E-40DD-AFC4-6F175D3DCCD1}">
-              <a14:hiddenFill xmlns:a14="http://schemas.microsoft.com/office/drawing/2010/main" xmlns="">
+              <a14:hiddenFill xmlns="" xmlns:a14="http://schemas.microsoft.com/office/drawing/2010/main">
                 <a:solidFill>
                   <a:srgbClr val="FFFFFF"/>
                 </a:solidFill>
@@ -13308,7 +13337,7 @@
     </p:spTree>
     <p:extLst>
       <p:ext uri="{BB962C8B-B14F-4D97-AF65-F5344CB8AC3E}">
-        <p14:creationId xmlns:p14="http://schemas.microsoft.com/office/powerpoint/2010/main" xmlns="" val="1715050486"/>
+        <p14:creationId xmlns="" xmlns:p14="http://schemas.microsoft.com/office/powerpoint/2010/main" val="1715050486"/>
       </p:ext>
     </p:extLst>
   </p:cSld>
@@ -13316,7 +13345,7 @@
     <a:masterClrMapping/>
   </p:clrMapOvr>
   <mc:AlternateContent xmlns:mc="http://schemas.openxmlformats.org/markup-compatibility/2006">
-    <mc:Choice xmlns:p14="http://schemas.microsoft.com/office/powerpoint/2010/main" xmlns="" Requires="p14">
+    <mc:Choice xmlns="" xmlns:p14="http://schemas.microsoft.com/office/powerpoint/2010/main" Requires="p14">
       <p:transition spd="slow" p14:dur="2000"/>
     </mc:Choice>
     <mc:Fallback>

--- a/Paper Presentation/Presentation_part3.pptx
+++ b/Paper Presentation/Presentation_part3.pptx
@@ -5,16 +5,15 @@
     <p:sldMasterId id="2147483648" r:id="rId1"/>
   </p:sldMasterIdLst>
   <p:notesMasterIdLst>
-    <p:notesMasterId r:id="rId9"/>
+    <p:notesMasterId r:id="rId8"/>
   </p:notesMasterIdLst>
   <p:sldIdLst>
-    <p:sldId id="267" r:id="rId2"/>
-    <p:sldId id="261" r:id="rId3"/>
-    <p:sldId id="262" r:id="rId4"/>
-    <p:sldId id="258" r:id="rId5"/>
-    <p:sldId id="263" r:id="rId6"/>
-    <p:sldId id="257" r:id="rId7"/>
-    <p:sldId id="266" r:id="rId8"/>
+    <p:sldId id="261" r:id="rId2"/>
+    <p:sldId id="258" r:id="rId3"/>
+    <p:sldId id="263" r:id="rId4"/>
+    <p:sldId id="257" r:id="rId5"/>
+    <p:sldId id="266" r:id="rId6"/>
+    <p:sldId id="268" r:id="rId7"/>
   </p:sldIdLst>
   <p:sldSz cx="9144000" cy="6858000" type="screen4x3"/>
   <p:notesSz cx="6858000" cy="9144000"/>
@@ -533,7 +532,7 @@
             <a:fld id="{8B263312-38AA-4E1E-B2B5-0F8F122B24FE}" type="slidenum">
               <a:rPr lang="en-US" smtClean="0"/>
               <a:pPr/>
-              <a:t>2</a:t>
+              <a:t>1</a:t>
             </a:fld>
             <a:endParaRPr lang="en-US" dirty="0"/>
           </a:p>
@@ -615,7 +614,7 @@
             <a:fld id="{8B263312-38AA-4E1E-B2B5-0F8F122B24FE}" type="slidenum">
               <a:rPr lang="en-US" smtClean="0"/>
               <a:pPr/>
-              <a:t>3</a:t>
+              <a:t>2</a:t>
             </a:fld>
             <a:endParaRPr lang="en-US" dirty="0"/>
           </a:p>
@@ -697,7 +696,7 @@
             <a:fld id="{8B263312-38AA-4E1E-B2B5-0F8F122B24FE}" type="slidenum">
               <a:rPr lang="en-US" smtClean="0"/>
               <a:pPr/>
-              <a:t>4</a:t>
+              <a:t>3</a:t>
             </a:fld>
             <a:endParaRPr lang="en-US" dirty="0"/>
           </a:p>
@@ -779,7 +778,7 @@
             <a:fld id="{8B263312-38AA-4E1E-B2B5-0F8F122B24FE}" type="slidenum">
               <a:rPr lang="en-US" smtClean="0"/>
               <a:pPr/>
-              <a:t>5</a:t>
+              <a:t>6</a:t>
             </a:fld>
             <a:endParaRPr lang="en-US" dirty="0"/>
           </a:p>
@@ -3757,66 +3756,6 @@
         </p:nvSpPr>
         <p:spPr>
           <a:xfrm>
-            <a:off x="381000" y="3276600"/>
-            <a:ext cx="8229600" cy="1143000"/>
-          </a:xfrm>
-        </p:spPr>
-        <p:txBody>
-          <a:bodyPr/>
-          <a:lstStyle/>
-          <a:p>
-            <a:r>
-              <a:rPr lang="en-US" dirty="0" smtClean="0"/>
-              <a:t>Network Partition</a:t>
-            </a:r>
-            <a:endParaRPr lang="en-US" dirty="0"/>
-          </a:p>
-        </p:txBody>
-      </p:sp>
-    </p:spTree>
-  </p:cSld>
-  <p:clrMapOvr>
-    <a:masterClrMapping/>
-  </p:clrMapOvr>
-  <p:timing>
-    <p:tnLst>
-      <p:par>
-        <p:cTn id="1" dur="indefinite" restart="never" nodeType="tmRoot"/>
-      </p:par>
-    </p:tnLst>
-  </p:timing>
-</p:sld>
-</file>
-
-<file path=ppt/slides/slide2.xml><?xml version="1.0" encoding="utf-8"?>
-<p:sld xmlns:a="http://schemas.openxmlformats.org/drawingml/2006/main" xmlns:r="http://schemas.openxmlformats.org/officeDocument/2006/relationships" xmlns:p="http://schemas.openxmlformats.org/presentationml/2006/main">
-  <p:cSld>
-    <p:spTree>
-      <p:nvGrpSpPr>
-        <p:cNvPr id="1" name=""/>
-        <p:cNvGrpSpPr/>
-        <p:nvPr/>
-      </p:nvGrpSpPr>
-      <p:grpSpPr>
-        <a:xfrm>
-          <a:off x="0" y="0"/>
-          <a:ext cx="0" cy="0"/>
-          <a:chOff x="0" y="0"/>
-          <a:chExt cx="0" cy="0"/>
-        </a:xfrm>
-      </p:grpSpPr>
-      <p:sp>
-        <p:nvSpPr>
-          <p:cNvPr id="2" name="Title 1"/>
-          <p:cNvSpPr>
-            <a:spLocks noGrp="1"/>
-          </p:cNvSpPr>
-          <p:nvPr>
-            <p:ph type="title"/>
-          </p:nvPr>
-        </p:nvSpPr>
-        <p:spPr>
-          <a:xfrm>
             <a:off x="457200" y="274638"/>
             <a:ext cx="8229600" cy="639762"/>
           </a:xfrm>
@@ -3829,11 +3768,19 @@
           <a:p>
             <a:r>
               <a:rPr lang="en-US" sz="3600" dirty="0" smtClean="0"/>
-              <a:t>Providing Consistency for </a:t>
-            </a:r>
-            <a:r>
-              <a:rPr lang="en-US" sz="3600" b="1" dirty="0" smtClean="0"/>
-              <a:t>Data Streams</a:t>
+              <a:t>Providing Consistency </a:t>
+            </a:r>
+            <a:r>
+              <a:rPr lang="en-US" altLang="zh-CN" sz="3600" dirty="0" smtClean="0"/>
+              <a:t>during </a:t>
+            </a:r>
+            <a:r>
+              <a:rPr lang="en-US" sz="3200" dirty="0" smtClean="0"/>
+              <a:t>Network </a:t>
+            </a:r>
+            <a:r>
+              <a:rPr lang="en-US" sz="3200" dirty="0" smtClean="0"/>
+              <a:t>Partition</a:t>
             </a:r>
             <a:endParaRPr lang="en-US" sz="3600" b="1" dirty="0"/>
           </a:p>
@@ -5511,7 +5458,19 @@
                 <a:ea typeface="Segoe UI" pitchFamily="34" charset="0"/>
                 <a:cs typeface="Segoe UI" pitchFamily="34" charset="0"/>
               </a:rPr>
-              <a:t>For Data Streams, Partition Layer only reads from offsets returned from successful appends </a:t>
+              <a:t>Partition </a:t>
+            </a:r>
+            <a:r>
+              <a:rPr lang="en-US" sz="1600" b="1" dirty="0" smtClean="0">
+                <a:solidFill>
+                  <a:schemeClr val="accent1">
+                    <a:lumMod val="75000"/>
+                  </a:schemeClr>
+                </a:solidFill>
+                <a:ea typeface="Segoe UI" pitchFamily="34" charset="0"/>
+                <a:cs typeface="Segoe UI" pitchFamily="34" charset="0"/>
+              </a:rPr>
+              <a:t>Layer only reads from offsets returned from successful appends </a:t>
             </a:r>
           </a:p>
           <a:p>
@@ -5948,17 +5907,9 @@
               </a:spcAft>
             </a:pPr>
             <a:endParaRPr lang="en-US" sz="2200" dirty="0" smtClean="0">
-              <a:gradFill>
-                <a:gsLst>
-                  <a:gs pos="0">
-                    <a:schemeClr val="tx1"/>
-                  </a:gs>
-                  <a:gs pos="100000">
-                    <a:schemeClr val="tx1"/>
-                  </a:gs>
-                </a:gsLst>
-                <a:lin ang="5400000" scaled="0"/>
-              </a:gradFill>
+              <a:solidFill>
+                <a:srgbClr val="FF0000"/>
+              </a:solidFill>
             </a:endParaRPr>
           </a:p>
         </p:txBody>
@@ -6041,7 +5992,7 @@
     </p:spTree>
     <p:extLst>
       <p:ext uri="{BB962C8B-B14F-4D97-AF65-F5344CB8AC3E}">
-        <p14:creationId xmlns:p14="http://schemas.microsoft.com/office/powerpoint/2010/main" xmlns="" val="4171962860"/>
+        <p14:creationId xmlns="" xmlns:p14="http://schemas.microsoft.com/office/powerpoint/2010/main" val="4171962860"/>
       </p:ext>
     </p:extLst>
   </p:cSld>
@@ -6895,7 +6846,2253 @@
 </p:sld>
 </file>
 
+<file path=ppt/slides/slide2.xml><?xml version="1.0" encoding="utf-8"?>
+<p:sld xmlns:a="http://schemas.openxmlformats.org/drawingml/2006/main" xmlns:r="http://schemas.openxmlformats.org/officeDocument/2006/relationships" xmlns:p="http://schemas.openxmlformats.org/presentationml/2006/main">
+  <p:cSld>
+    <p:spTree>
+      <p:nvGrpSpPr>
+        <p:cNvPr id="1" name=""/>
+        <p:cNvGrpSpPr/>
+        <p:nvPr/>
+      </p:nvGrpSpPr>
+      <p:grpSpPr>
+        <a:xfrm>
+          <a:off x="0" y="0"/>
+          <a:ext cx="0" cy="0"/>
+          <a:chOff x="0" y="0"/>
+          <a:chExt cx="0" cy="0"/>
+        </a:xfrm>
+      </p:grpSpPr>
+      <p:sp>
+        <p:nvSpPr>
+          <p:cNvPr id="2" name="Title 1"/>
+          <p:cNvSpPr>
+            <a:spLocks noGrp="1"/>
+          </p:cNvSpPr>
+          <p:nvPr>
+            <p:ph type="title"/>
+          </p:nvPr>
+        </p:nvSpPr>
+        <p:spPr>
+          <a:xfrm>
+            <a:off x="389436" y="228600"/>
+            <a:ext cx="8363938" cy="609398"/>
+          </a:xfrm>
+        </p:spPr>
+        <p:txBody>
+          <a:bodyPr>
+            <a:normAutofit fontScale="90000"/>
+          </a:bodyPr>
+          <a:lstStyle/>
+          <a:p>
+            <a:r>
+              <a:rPr lang="en-US" dirty="0" smtClean="0"/>
+              <a:t>Approach to the </a:t>
+            </a:r>
+            <a:r>
+              <a:rPr lang="en-US" dirty="0"/>
+              <a:t>CAP </a:t>
+            </a:r>
+            <a:r>
+              <a:rPr lang="en-US" dirty="0" smtClean="0"/>
+              <a:t>Theorem</a:t>
+            </a:r>
+            <a:endParaRPr lang="en-US" dirty="0"/>
+          </a:p>
+        </p:txBody>
+      </p:sp>
+      <p:sp>
+        <p:nvSpPr>
+          <p:cNvPr id="3" name="Content Placeholder 2"/>
+          <p:cNvSpPr>
+            <a:spLocks noGrp="1"/>
+          </p:cNvSpPr>
+          <p:nvPr>
+            <p:ph idx="1"/>
+          </p:nvPr>
+        </p:nvSpPr>
+        <p:spPr>
+          <a:xfrm>
+            <a:off x="213210" y="1204609"/>
+            <a:ext cx="8874587" cy="5261739"/>
+          </a:xfrm>
+        </p:spPr>
+        <p:txBody>
+          <a:bodyPr>
+            <a:normAutofit fontScale="92500" lnSpcReduction="20000"/>
+          </a:bodyPr>
+          <a:lstStyle/>
+          <a:p>
+            <a:r>
+              <a:rPr lang="en-US" sz="2400" dirty="0" smtClean="0"/>
+              <a:t>Layering and co-design provides </a:t>
+            </a:r>
+            <a:r>
+              <a:rPr lang="en-US" sz="2400" dirty="0"/>
+              <a:t>extra </a:t>
+            </a:r>
+            <a:r>
+              <a:rPr lang="en-US" sz="2400" dirty="0" smtClean="0"/>
+              <a:t>flexibility to achieve “C” and “A” at same time while being partition/failure tolerant for our fault model</a:t>
+            </a:r>
+            <a:endParaRPr lang="en-US" sz="2400" dirty="0"/>
+          </a:p>
+          <a:p>
+            <a:pPr lvl="1"/>
+            <a:r>
+              <a:rPr lang="en-US" sz="2400" dirty="0" smtClean="0"/>
+              <a:t>Stream Layer</a:t>
+            </a:r>
+          </a:p>
+          <a:p>
+            <a:pPr lvl="2"/>
+            <a:r>
+              <a:rPr lang="en-US" dirty="0" smtClean="0"/>
+              <a:t>Availability</a:t>
+            </a:r>
+          </a:p>
+          <a:p>
+            <a:pPr lvl="3"/>
+            <a:r>
+              <a:rPr lang="en-US" dirty="0" smtClean="0"/>
+              <a:t>In case of write failure</a:t>
+            </a:r>
+            <a:r>
+              <a:rPr lang="en-US" altLang="zh-CN" dirty="0" smtClean="0"/>
+              <a:t>, just create new extent</a:t>
+            </a:r>
+            <a:endParaRPr lang="en-US" dirty="0" smtClean="0"/>
+          </a:p>
+          <a:p>
+            <a:pPr lvl="2"/>
+            <a:r>
+              <a:rPr lang="en-US" dirty="0" smtClean="0"/>
+              <a:t>Consistency</a:t>
+            </a:r>
+          </a:p>
+          <a:p>
+            <a:pPr lvl="3"/>
+            <a:r>
+              <a:rPr lang="en-US" dirty="0" smtClean="0"/>
+              <a:t>replicas </a:t>
+            </a:r>
+            <a:r>
+              <a:rPr lang="en-US" dirty="0" smtClean="0"/>
+              <a:t>are bit-wise identical up to the commit length</a:t>
+            </a:r>
+          </a:p>
+          <a:p>
+            <a:pPr lvl="1"/>
+            <a:r>
+              <a:rPr lang="en-US" sz="2400" dirty="0" smtClean="0"/>
+              <a:t>Partition Layer</a:t>
+            </a:r>
+          </a:p>
+          <a:p>
+            <a:pPr lvl="2"/>
+            <a:r>
+              <a:rPr lang="en-US" dirty="0" smtClean="0"/>
+              <a:t>Consistency</a:t>
+            </a:r>
+          </a:p>
+          <a:p>
+            <a:pPr lvl="3"/>
+            <a:r>
+              <a:rPr lang="en-US" dirty="0" smtClean="0"/>
+              <a:t> make sure object read</a:t>
+            </a:r>
+            <a:r>
+              <a:rPr lang="en-US" altLang="zh-CN" dirty="0" smtClean="0"/>
+              <a:t>/write consistent in case of write failure &amp; partition failure</a:t>
+            </a:r>
+          </a:p>
+          <a:p>
+            <a:pPr lvl="3"/>
+            <a:r>
+              <a:rPr lang="en-US" altLang="zh-CN" dirty="0" smtClean="0"/>
+              <a:t>Log replaying records for partition server load</a:t>
+            </a:r>
+            <a:endParaRPr lang="en-US" altLang="zh-CN" dirty="0" smtClean="0"/>
+          </a:p>
+          <a:p>
+            <a:pPr lvl="2"/>
+            <a:r>
+              <a:rPr lang="en-US" dirty="0" smtClean="0"/>
+              <a:t>Availability </a:t>
+            </a:r>
+          </a:p>
+          <a:p>
+            <a:pPr lvl="3"/>
+            <a:r>
+              <a:rPr lang="en-US" dirty="0" err="1" smtClean="0"/>
+              <a:t>RangePartitions</a:t>
+            </a:r>
+            <a:r>
+              <a:rPr lang="en-US" dirty="0" smtClean="0"/>
+              <a:t> </a:t>
+            </a:r>
+            <a:r>
+              <a:rPr lang="en-US" dirty="0" smtClean="0"/>
+              <a:t>can be served by any partition server and are moved to available servers if a partition server fails</a:t>
+            </a:r>
+          </a:p>
+          <a:p>
+            <a:pPr lvl="1"/>
+            <a:endParaRPr lang="en-US" sz="2400" dirty="0"/>
+          </a:p>
+          <a:p>
+            <a:r>
+              <a:rPr lang="en-US" sz="2400" dirty="0"/>
+              <a:t>Designed </a:t>
+            </a:r>
+            <a:r>
+              <a:rPr lang="en-US" sz="2400" dirty="0" smtClean="0"/>
+              <a:t>for specific </a:t>
+            </a:r>
+            <a:r>
+              <a:rPr lang="en-US" sz="2400" dirty="0"/>
+              <a:t>classes of </a:t>
+            </a:r>
+            <a:r>
+              <a:rPr lang="en-US" sz="2400" dirty="0" smtClean="0"/>
+              <a:t>partitioning/failures </a:t>
+            </a:r>
+            <a:r>
+              <a:rPr lang="en-US" sz="2400" dirty="0"/>
+              <a:t>seen in </a:t>
+            </a:r>
+            <a:r>
+              <a:rPr lang="en-US" sz="2400" dirty="0" smtClean="0"/>
+              <a:t>practice</a:t>
+            </a:r>
+          </a:p>
+        </p:txBody>
+      </p:sp>
+    </p:spTree>
+    <p:extLst>
+      <p:ext uri="{BB962C8B-B14F-4D97-AF65-F5344CB8AC3E}">
+        <p14:creationId xmlns="" xmlns:p14="http://schemas.microsoft.com/office/powerpoint/2010/main" val="2807808241"/>
+      </p:ext>
+    </p:extLst>
+  </p:cSld>
+  <p:clrMapOvr>
+    <a:masterClrMapping/>
+  </p:clrMapOvr>
+  <p:transition/>
+  <p:timing>
+    <p:tnLst>
+      <p:par>
+        <p:cTn id="1" dur="indefinite" restart="never" nodeType="tmRoot">
+          <p:childTnLst>
+            <p:seq concurrent="1" nextAc="seek">
+              <p:cTn id="2" dur="indefinite" nodeType="mainSeq">
+                <p:childTnLst>
+                  <p:par>
+                    <p:cTn id="3" fill="hold">
+                      <p:stCondLst>
+                        <p:cond delay="indefinite"/>
+                      </p:stCondLst>
+                      <p:childTnLst>
+                        <p:par>
+                          <p:cTn id="4" fill="hold">
+                            <p:stCondLst>
+                              <p:cond delay="0"/>
+                            </p:stCondLst>
+                            <p:childTnLst>
+                              <p:par>
+                                <p:cTn id="5" presetID="3" presetClass="entr" presetSubtype="10" fill="hold" nodeType="clickEffect">
+                                  <p:stCondLst>
+                                    <p:cond delay="0"/>
+                                  </p:stCondLst>
+                                  <p:childTnLst>
+                                    <p:set>
+                                      <p:cBhvr>
+                                        <p:cTn id="6" dur="1" fill="hold">
+                                          <p:stCondLst>
+                                            <p:cond delay="0"/>
+                                          </p:stCondLst>
+                                        </p:cTn>
+                                        <p:tgtEl>
+                                          <p:spTgt spid="3">
+                                            <p:txEl>
+                                              <p:pRg st="13" end="13"/>
+                                            </p:txEl>
+                                          </p:spTgt>
+                                        </p:tgtEl>
+                                        <p:attrNameLst>
+                                          <p:attrName>style.visibility</p:attrName>
+                                        </p:attrNameLst>
+                                      </p:cBhvr>
+                                      <p:to>
+                                        <p:strVal val="visible"/>
+                                      </p:to>
+                                    </p:set>
+                                    <p:animEffect transition="in" filter="blinds(horizontal)">
+                                      <p:cBhvr>
+                                        <p:cTn id="7" dur="500"/>
+                                        <p:tgtEl>
+                                          <p:spTgt spid="3">
+                                            <p:txEl>
+                                              <p:pRg st="13" end="13"/>
+                                            </p:txEl>
+                                          </p:spTgt>
+                                        </p:tgtEl>
+                                      </p:cBhvr>
+                                    </p:animEffect>
+                                  </p:childTnLst>
+                                </p:cTn>
+                              </p:par>
+                            </p:childTnLst>
+                          </p:cTn>
+                        </p:par>
+                      </p:childTnLst>
+                    </p:cTn>
+                  </p:par>
+                </p:childTnLst>
+              </p:cTn>
+              <p:prevCondLst>
+                <p:cond evt="onPrev" delay="0">
+                  <p:tgtEl>
+                    <p:sldTgt/>
+                  </p:tgtEl>
+                </p:cond>
+              </p:prevCondLst>
+              <p:nextCondLst>
+                <p:cond evt="onNext" delay="0">
+                  <p:tgtEl>
+                    <p:sldTgt/>
+                  </p:tgtEl>
+                </p:cond>
+              </p:nextCondLst>
+            </p:seq>
+          </p:childTnLst>
+        </p:cTn>
+      </p:par>
+    </p:tnLst>
+  </p:timing>
+</p:sld>
+</file>
+
 <file path=ppt/slides/slide3.xml><?xml version="1.0" encoding="utf-8"?>
+<p:sld xmlns:a="http://schemas.openxmlformats.org/drawingml/2006/main" xmlns:r="http://schemas.openxmlformats.org/officeDocument/2006/relationships" xmlns:p="http://schemas.openxmlformats.org/presentationml/2006/main">
+  <p:cSld>
+    <p:spTree>
+      <p:nvGrpSpPr>
+        <p:cNvPr id="1" name=""/>
+        <p:cNvGrpSpPr/>
+        <p:nvPr/>
+      </p:nvGrpSpPr>
+      <p:grpSpPr>
+        <a:xfrm>
+          <a:off x="0" y="0"/>
+          <a:ext cx="0" cy="0"/>
+          <a:chOff x="0" y="0"/>
+          <a:chExt cx="0" cy="0"/>
+        </a:xfrm>
+      </p:grpSpPr>
+      <p:sp>
+        <p:nvSpPr>
+          <p:cNvPr id="2" name="Title 1"/>
+          <p:cNvSpPr>
+            <a:spLocks noGrp="1"/>
+          </p:cNvSpPr>
+          <p:nvPr>
+            <p:ph type="title"/>
+          </p:nvPr>
+        </p:nvSpPr>
+        <p:spPr>
+          <a:xfrm>
+            <a:off x="389436" y="228600"/>
+            <a:ext cx="8363938" cy="609398"/>
+          </a:xfrm>
+        </p:spPr>
+        <p:txBody>
+          <a:bodyPr>
+            <a:normAutofit fontScale="90000"/>
+          </a:bodyPr>
+          <a:lstStyle/>
+          <a:p>
+            <a:r>
+              <a:rPr lang="en-US" dirty="0"/>
+              <a:t>Design Choices and Lessons Learned</a:t>
+            </a:r>
+          </a:p>
+        </p:txBody>
+      </p:sp>
+      <p:sp>
+        <p:nvSpPr>
+          <p:cNvPr id="3" name="Content Placeholder 2"/>
+          <p:cNvSpPr>
+            <a:spLocks noGrp="1"/>
+          </p:cNvSpPr>
+          <p:nvPr>
+            <p:ph idx="1"/>
+          </p:nvPr>
+        </p:nvSpPr>
+        <p:spPr>
+          <a:xfrm>
+            <a:off x="213210" y="1204609"/>
+            <a:ext cx="4282590" cy="5261739"/>
+          </a:xfrm>
+        </p:spPr>
+        <p:txBody>
+          <a:bodyPr>
+            <a:normAutofit/>
+          </a:bodyPr>
+          <a:lstStyle/>
+          <a:p>
+            <a:r>
+              <a:rPr lang="en-US" sz="1800" b="1" dirty="0" smtClean="0"/>
+              <a:t>Append-only System</a:t>
+            </a:r>
+          </a:p>
+          <a:p>
+            <a:pPr lvl="1"/>
+            <a:r>
+              <a:rPr lang="en-US" sz="1800" dirty="0" smtClean="0">
+                <a:solidFill>
+                  <a:schemeClr val="accent1">
+                    <a:lumMod val="75000"/>
+                  </a:schemeClr>
+                </a:solidFill>
+              </a:rPr>
+              <a:t>Greatly simplifies replication protocol</a:t>
+            </a:r>
+            <a:r>
+              <a:rPr lang="en-US" altLang="zh-CN" sz="1800" dirty="0" smtClean="0">
+                <a:solidFill>
+                  <a:schemeClr val="accent1">
+                    <a:lumMod val="75000"/>
+                  </a:schemeClr>
+                </a:solidFill>
+              </a:rPr>
+              <a:t>, </a:t>
+            </a:r>
+            <a:r>
+              <a:rPr lang="en-US" sz="1800" dirty="0" smtClean="0">
+                <a:solidFill>
+                  <a:schemeClr val="accent1">
+                    <a:lumMod val="75000"/>
+                  </a:schemeClr>
+                </a:solidFill>
+              </a:rPr>
+              <a:t>failure handling</a:t>
+            </a:r>
+            <a:r>
+              <a:rPr lang="en-US" altLang="zh-CN" sz="1800" dirty="0" smtClean="0">
+                <a:solidFill>
+                  <a:schemeClr val="accent1">
+                    <a:lumMod val="75000"/>
+                  </a:schemeClr>
+                </a:solidFill>
+              </a:rPr>
+              <a:t>, repairing </a:t>
+            </a:r>
+          </a:p>
+          <a:p>
+            <a:pPr lvl="1"/>
+            <a:r>
+              <a:rPr lang="en-US" sz="1800" dirty="0" smtClean="0">
+                <a:solidFill>
+                  <a:srgbClr val="C00000"/>
+                </a:solidFill>
+              </a:rPr>
+              <a:t>Tradeoff: GC overhead</a:t>
+            </a:r>
+            <a:endParaRPr lang="en-US" sz="1800" dirty="0" smtClean="0"/>
+          </a:p>
+          <a:p>
+            <a:r>
+              <a:rPr lang="en-US" sz="1800" b="1" dirty="0" smtClean="0">
+                <a:solidFill>
+                  <a:schemeClr val="tx1"/>
+                </a:solidFill>
+              </a:rPr>
+              <a:t>Multi</a:t>
+            </a:r>
+            <a:r>
+              <a:rPr lang="en-US" altLang="zh-CN" sz="1800" b="1" dirty="0" smtClean="0">
+                <a:solidFill>
+                  <a:schemeClr val="tx1"/>
+                </a:solidFill>
+              </a:rPr>
+              <a:t>-Data </a:t>
+            </a:r>
+            <a:r>
+              <a:rPr lang="en-US" altLang="zh-CN" sz="1800" b="1" dirty="0" smtClean="0"/>
+              <a:t>abstraction from single stack</a:t>
+            </a:r>
+            <a:endParaRPr lang="en-US" altLang="zh-CN" sz="1800" b="1" dirty="0"/>
+          </a:p>
+          <a:p>
+            <a:pPr lvl="1"/>
+            <a:r>
+              <a:rPr lang="en-US" sz="1800" dirty="0" smtClean="0">
+                <a:solidFill>
+                  <a:schemeClr val="accent1">
+                    <a:lumMod val="75000"/>
+                  </a:schemeClr>
+                </a:solidFill>
+              </a:rPr>
+              <a:t>Simplifies hardware management</a:t>
+            </a:r>
+          </a:p>
+          <a:p>
+            <a:pPr lvl="1"/>
+            <a:r>
+              <a:rPr lang="en-US" sz="1800" dirty="0" smtClean="0">
+                <a:solidFill>
+                  <a:srgbClr val="C00000"/>
+                </a:solidFill>
+              </a:rPr>
+              <a:t>Tradeoff: single stack is not optimized for specific workload pattern</a:t>
+            </a:r>
+          </a:p>
+          <a:p>
+            <a:r>
+              <a:rPr lang="en-US" sz="1800" b="1" dirty="0" smtClean="0"/>
+              <a:t>Scaling Compute Separate from Storage</a:t>
+            </a:r>
+          </a:p>
+          <a:p>
+            <a:pPr lvl="1"/>
+            <a:r>
+              <a:rPr lang="en-US" sz="1800" dirty="0" smtClean="0">
+                <a:solidFill>
+                  <a:schemeClr val="accent1">
+                    <a:lumMod val="75000"/>
+                  </a:schemeClr>
+                </a:solidFill>
+              </a:rPr>
+              <a:t>Allows each to be scaled separately</a:t>
+            </a:r>
+          </a:p>
+          <a:p>
+            <a:pPr lvl="1"/>
+            <a:r>
+              <a:rPr lang="en-US" sz="1800" dirty="0" smtClean="0">
+                <a:solidFill>
+                  <a:srgbClr val="C00000"/>
+                </a:solidFill>
+              </a:rPr>
+              <a:t>Tradeoff: Latency to/from storage</a:t>
+            </a:r>
+          </a:p>
+          <a:p>
+            <a:endParaRPr lang="en-US" sz="1800" b="1" dirty="0"/>
+          </a:p>
+          <a:p>
+            <a:endParaRPr lang="en-US" sz="1200" b="1" dirty="0" smtClean="0"/>
+          </a:p>
+        </p:txBody>
+      </p:sp>
+      <p:sp>
+        <p:nvSpPr>
+          <p:cNvPr id="4" name="Content Placeholder 2"/>
+          <p:cNvSpPr txBox="1">
+            <a:spLocks/>
+          </p:cNvSpPr>
+          <p:nvPr/>
+        </p:nvSpPr>
+        <p:spPr>
+          <a:xfrm>
+            <a:off x="4572000" y="1143000"/>
+            <a:ext cx="4267200" cy="5261739"/>
+          </a:xfrm>
+          <a:prstGeom prst="rect">
+            <a:avLst/>
+          </a:prstGeom>
+        </p:spPr>
+        <p:txBody>
+          <a:bodyPr vert="horz" lIns="91440" tIns="45720" rIns="91440" bIns="45720" rtlCol="0">
+            <a:normAutofit/>
+          </a:bodyPr>
+          <a:lstStyle/>
+          <a:p>
+            <a:pPr marL="342900" lvl="0" indent="-342900">
+              <a:spcBef>
+                <a:spcPct val="20000"/>
+              </a:spcBef>
+              <a:buFont typeface="Arial" pitchFamily="34" charset="0"/>
+              <a:buChar char="•"/>
+            </a:pPr>
+            <a:r>
+              <a:rPr lang="en-US" sz="2000" b="1" dirty="0"/>
+              <a:t>Automatic load balancing</a:t>
+            </a:r>
+          </a:p>
+          <a:p>
+            <a:pPr marL="742950" lvl="1" indent="-285750">
+              <a:spcBef>
+                <a:spcPct val="20000"/>
+              </a:spcBef>
+              <a:buFont typeface="Arial" pitchFamily="34" charset="0"/>
+              <a:buChar char="–"/>
+            </a:pPr>
+            <a:r>
+              <a:rPr lang="en-US" sz="2000" dirty="0">
+                <a:solidFill>
+                  <a:schemeClr val="accent1">
+                    <a:lumMod val="75000"/>
+                  </a:schemeClr>
+                </a:solidFill>
+              </a:rPr>
+              <a:t>adapt to various traffic conditions </a:t>
+            </a:r>
+            <a:endParaRPr lang="en-US" sz="2000" dirty="0" smtClean="0">
+              <a:solidFill>
+                <a:schemeClr val="accent1">
+                  <a:lumMod val="75000"/>
+                </a:schemeClr>
+              </a:solidFill>
+            </a:endParaRPr>
+          </a:p>
+          <a:p>
+            <a:pPr marL="742950" lvl="1" indent="-285750">
+              <a:spcBef>
+                <a:spcPct val="20000"/>
+              </a:spcBef>
+              <a:buFont typeface="Arial" pitchFamily="34" charset="0"/>
+              <a:buChar char="–"/>
+            </a:pPr>
+            <a:r>
+              <a:rPr kumimoji="0" lang="en-US" sz="2000" b="0" i="0" u="none" strike="noStrike" kern="1200" cap="none" spc="0" normalizeH="0" baseline="0" noProof="0" dirty="0" smtClean="0">
+                <a:ln>
+                  <a:noFill/>
+                </a:ln>
+                <a:solidFill>
+                  <a:srgbClr val="C00000"/>
+                </a:solidFill>
+                <a:effectLst/>
+                <a:uLnTx/>
+                <a:uFillTx/>
+                <a:latin typeface="+mn-lt"/>
+                <a:ea typeface="+mn-ea"/>
+                <a:cs typeface="+mn-cs"/>
+              </a:rPr>
+              <a:t>Tradeoff</a:t>
+            </a:r>
+            <a:r>
+              <a:rPr lang="en-US" sz="2000" dirty="0">
+                <a:solidFill>
+                  <a:srgbClr val="C00000"/>
+                </a:solidFill>
+              </a:rPr>
+              <a:t>: Need to tune based on many </a:t>
+            </a:r>
+            <a:r>
+              <a:rPr lang="en-US" sz="2000" dirty="0" smtClean="0">
+                <a:solidFill>
+                  <a:srgbClr val="C00000"/>
+                </a:solidFill>
+              </a:rPr>
+              <a:t>dimensions</a:t>
+            </a:r>
+            <a:endParaRPr kumimoji="0" lang="en-US" sz="2000" b="0" i="0" u="none" strike="noStrike" kern="1200" cap="none" spc="0" normalizeH="0" baseline="0" noProof="0" dirty="0" smtClean="0">
+              <a:ln>
+                <a:noFill/>
+              </a:ln>
+              <a:solidFill>
+                <a:schemeClr val="tx1"/>
+              </a:solidFill>
+              <a:effectLst/>
+              <a:uLnTx/>
+              <a:uFillTx/>
+              <a:latin typeface="+mn-lt"/>
+              <a:ea typeface="+mn-ea"/>
+              <a:cs typeface="+mn-cs"/>
+            </a:endParaRPr>
+          </a:p>
+          <a:p>
+            <a:pPr marL="342900" lvl="0" indent="-342900">
+              <a:spcBef>
+                <a:spcPct val="20000"/>
+              </a:spcBef>
+              <a:buFont typeface="Arial" pitchFamily="34" charset="0"/>
+              <a:buChar char="•"/>
+            </a:pPr>
+            <a:r>
+              <a:rPr lang="en-US" sz="2000" b="1" dirty="0"/>
+              <a:t>Achieving consistently low append </a:t>
+            </a:r>
+            <a:r>
+              <a:rPr lang="en-US" sz="2000" b="1" dirty="0" smtClean="0"/>
+              <a:t>latencies</a:t>
+            </a:r>
+            <a:endParaRPr kumimoji="0" lang="en-US" altLang="zh-CN" sz="2000" b="1" i="0" u="none" strike="noStrike" kern="1200" cap="none" spc="0" normalizeH="0" baseline="0" noProof="0" dirty="0" smtClean="0">
+              <a:ln>
+                <a:noFill/>
+              </a:ln>
+              <a:solidFill>
+                <a:schemeClr val="tx1"/>
+              </a:solidFill>
+              <a:effectLst/>
+              <a:uLnTx/>
+              <a:uFillTx/>
+              <a:latin typeface="+mn-lt"/>
+              <a:ea typeface="+mn-ea"/>
+              <a:cs typeface="+mn-cs"/>
+            </a:endParaRPr>
+          </a:p>
+          <a:p>
+            <a:pPr marL="742950" lvl="1" indent="-285750">
+              <a:spcBef>
+                <a:spcPct val="20000"/>
+              </a:spcBef>
+              <a:buFont typeface="Arial" pitchFamily="34" charset="0"/>
+              <a:buChar char="–"/>
+            </a:pPr>
+            <a:r>
+              <a:rPr lang="en-US" sz="2000" dirty="0">
+                <a:solidFill>
+                  <a:schemeClr val="accent1">
+                    <a:lumMod val="75000"/>
+                  </a:schemeClr>
+                </a:solidFill>
+              </a:rPr>
+              <a:t>using journaling</a:t>
+            </a:r>
+            <a:endParaRPr kumimoji="0" lang="en-US" sz="2000" b="0" i="0" u="none" strike="noStrike" kern="1200" cap="none" spc="0" normalizeH="0" baseline="0" noProof="0" dirty="0" smtClean="0">
+              <a:ln>
+                <a:noFill/>
+              </a:ln>
+              <a:solidFill>
+                <a:schemeClr val="accent1">
+                  <a:lumMod val="75000"/>
+                </a:schemeClr>
+              </a:solidFill>
+              <a:effectLst/>
+              <a:uLnTx/>
+              <a:uFillTx/>
+              <a:latin typeface="+mn-lt"/>
+              <a:ea typeface="+mn-ea"/>
+              <a:cs typeface="+mn-cs"/>
+            </a:endParaRPr>
+          </a:p>
+          <a:p>
+            <a:pPr marL="742950" marR="0" lvl="1" indent="-285750" algn="l" defTabSz="914400" rtl="0" eaLnBrk="1" fontAlgn="auto" latinLnBrk="0" hangingPunct="1">
+              <a:lnSpc>
+                <a:spcPct val="100000"/>
+              </a:lnSpc>
+              <a:spcBef>
+                <a:spcPct val="20000"/>
+              </a:spcBef>
+              <a:spcAft>
+                <a:spcPts val="0"/>
+              </a:spcAft>
+              <a:buClrTx/>
+              <a:buSzTx/>
+              <a:buFont typeface="Arial" pitchFamily="34" charset="0"/>
+              <a:buChar char="–"/>
+              <a:tabLst/>
+              <a:defRPr/>
+            </a:pPr>
+            <a:r>
+              <a:rPr kumimoji="0" lang="en-US" sz="2000" b="0" i="0" u="none" strike="noStrike" kern="1200" cap="none" spc="0" normalizeH="0" baseline="0" noProof="0" dirty="0" smtClean="0">
+                <a:ln>
+                  <a:noFill/>
+                </a:ln>
+                <a:solidFill>
+                  <a:srgbClr val="C00000"/>
+                </a:solidFill>
+                <a:effectLst/>
+                <a:uLnTx/>
+                <a:uFillTx/>
+                <a:latin typeface="+mn-lt"/>
+                <a:ea typeface="+mn-ea"/>
+                <a:cs typeface="+mn-cs"/>
+              </a:rPr>
+              <a:t>Tradeoff: extra disk</a:t>
+            </a:r>
+            <a:r>
+              <a:rPr kumimoji="0" lang="en-US" sz="2000" b="0" i="0" u="none" strike="noStrike" kern="1200" cap="none" spc="0" normalizeH="0" noProof="0" dirty="0" smtClean="0">
+                <a:ln>
+                  <a:noFill/>
+                </a:ln>
+                <a:solidFill>
+                  <a:srgbClr val="C00000"/>
+                </a:solidFill>
+                <a:effectLst/>
+                <a:uLnTx/>
+                <a:uFillTx/>
+                <a:latin typeface="+mn-lt"/>
+                <a:ea typeface="+mn-ea"/>
+                <a:cs typeface="+mn-cs"/>
+              </a:rPr>
+              <a:t> drive or SSD</a:t>
+            </a:r>
+            <a:r>
+              <a:rPr kumimoji="0" lang="en-US" altLang="zh-CN" sz="2000" b="0" i="0" u="none" strike="noStrike" kern="1200" cap="none" spc="0" normalizeH="0" noProof="0" dirty="0" smtClean="0">
+                <a:ln>
+                  <a:noFill/>
+                </a:ln>
+                <a:solidFill>
+                  <a:srgbClr val="C00000"/>
+                </a:solidFill>
+                <a:effectLst/>
+                <a:uLnTx/>
+                <a:uFillTx/>
+                <a:latin typeface="+mn-lt"/>
+                <a:ea typeface="+mn-ea"/>
+                <a:cs typeface="+mn-cs"/>
+              </a:rPr>
+              <a:t>, extra </a:t>
+            </a:r>
+            <a:r>
+              <a:rPr kumimoji="0" lang="en-US" altLang="zh-CN" sz="2000" b="0" i="0" u="none" strike="noStrike" kern="1200" cap="none" spc="0" normalizeH="0" noProof="0" dirty="0" smtClean="0">
+                <a:ln>
+                  <a:noFill/>
+                </a:ln>
+                <a:solidFill>
+                  <a:srgbClr val="C00000"/>
+                </a:solidFill>
+                <a:effectLst/>
+                <a:uLnTx/>
+                <a:uFillTx/>
+                <a:latin typeface="+mn-lt"/>
+                <a:ea typeface="+mn-ea"/>
+                <a:cs typeface="+mn-cs"/>
+              </a:rPr>
+              <a:t>writing</a:t>
+            </a:r>
+          </a:p>
+          <a:p>
+            <a:pPr marL="342900" lvl="0" indent="-342900">
+              <a:spcBef>
+                <a:spcPct val="20000"/>
+              </a:spcBef>
+              <a:buFont typeface="Arial" pitchFamily="34" charset="0"/>
+              <a:buChar char="•"/>
+            </a:pPr>
+            <a:r>
+              <a:rPr lang="en-US" altLang="zh-CN" sz="2000" b="1" dirty="0" smtClean="0"/>
+              <a:t>Erasure Coding for blobs</a:t>
+            </a:r>
+            <a:endParaRPr lang="en-US" altLang="zh-CN" sz="2000" b="1" dirty="0" smtClean="0"/>
+          </a:p>
+          <a:p>
+            <a:pPr marL="742950" lvl="1" indent="-285750">
+              <a:spcBef>
+                <a:spcPct val="20000"/>
+              </a:spcBef>
+              <a:buFont typeface="Arial" pitchFamily="34" charset="0"/>
+              <a:buChar char="–"/>
+            </a:pPr>
+            <a:r>
+              <a:rPr lang="en-US" sz="2000" dirty="0" smtClean="0">
+                <a:solidFill>
+                  <a:schemeClr val="accent1">
+                    <a:lumMod val="75000"/>
+                  </a:schemeClr>
+                </a:solidFill>
+              </a:rPr>
+              <a:t>Reduce cost of storage</a:t>
+            </a:r>
+            <a:endParaRPr lang="en-US" sz="2000" dirty="0" smtClean="0">
+              <a:solidFill>
+                <a:schemeClr val="accent1">
+                  <a:lumMod val="75000"/>
+                </a:schemeClr>
+              </a:solidFill>
+            </a:endParaRPr>
+          </a:p>
+          <a:p>
+            <a:pPr marL="742950" lvl="1" indent="-285750">
+              <a:spcBef>
+                <a:spcPct val="20000"/>
+              </a:spcBef>
+              <a:buFont typeface="Arial" pitchFamily="34" charset="0"/>
+              <a:buChar char="–"/>
+              <a:defRPr/>
+            </a:pPr>
+            <a:r>
+              <a:rPr lang="en-US" sz="2000" dirty="0" smtClean="0">
+                <a:solidFill>
+                  <a:srgbClr val="C00000"/>
+                </a:solidFill>
+              </a:rPr>
+              <a:t>Tradeoff</a:t>
+            </a:r>
+            <a:r>
+              <a:rPr lang="en-US" sz="2000" dirty="0" smtClean="0">
+                <a:solidFill>
+                  <a:srgbClr val="C00000"/>
+                </a:solidFill>
+              </a:rPr>
+              <a:t>: more complicated mechanism</a:t>
+            </a:r>
+            <a:endParaRPr lang="en-US" sz="2000" dirty="0" smtClean="0">
+              <a:solidFill>
+                <a:srgbClr val="C00000"/>
+              </a:solidFill>
+            </a:endParaRPr>
+          </a:p>
+          <a:p>
+            <a:pPr marL="742950" marR="0" lvl="1" indent="-285750" algn="l" defTabSz="914400" rtl="0" eaLnBrk="1" fontAlgn="auto" latinLnBrk="0" hangingPunct="1">
+              <a:lnSpc>
+                <a:spcPct val="100000"/>
+              </a:lnSpc>
+              <a:spcBef>
+                <a:spcPct val="20000"/>
+              </a:spcBef>
+              <a:spcAft>
+                <a:spcPts val="0"/>
+              </a:spcAft>
+              <a:buClrTx/>
+              <a:buSzTx/>
+              <a:buFont typeface="Arial" pitchFamily="34" charset="0"/>
+              <a:buChar char="–"/>
+              <a:tabLst/>
+              <a:defRPr/>
+            </a:pPr>
+            <a:endParaRPr kumimoji="0" lang="en-US" sz="2000" b="0" i="0" u="none" strike="noStrike" kern="1200" cap="none" spc="0" normalizeH="0" baseline="0" noProof="0" dirty="0" smtClean="0">
+              <a:ln>
+                <a:noFill/>
+              </a:ln>
+              <a:solidFill>
+                <a:srgbClr val="C00000"/>
+              </a:solidFill>
+              <a:effectLst/>
+              <a:uLnTx/>
+              <a:uFillTx/>
+              <a:latin typeface="+mn-lt"/>
+              <a:ea typeface="+mn-ea"/>
+              <a:cs typeface="+mn-cs"/>
+            </a:endParaRPr>
+          </a:p>
+        </p:txBody>
+      </p:sp>
+    </p:spTree>
+    <p:extLst>
+      <p:ext uri="{BB962C8B-B14F-4D97-AF65-F5344CB8AC3E}">
+        <p14:creationId xmlns="" xmlns:p14="http://schemas.microsoft.com/office/powerpoint/2010/main" val="2807808241"/>
+      </p:ext>
+    </p:extLst>
+  </p:cSld>
+  <p:clrMapOvr>
+    <a:masterClrMapping/>
+  </p:clrMapOvr>
+  <p:transition/>
+  <p:timing>
+    <p:tnLst>
+      <p:par>
+        <p:cTn id="1" dur="indefinite" restart="never" nodeType="tmRoot">
+          <p:childTnLst>
+            <p:seq concurrent="1" nextAc="seek">
+              <p:cTn id="2" dur="indefinite" nodeType="mainSeq">
+                <p:childTnLst>
+                  <p:par>
+                    <p:cTn id="3" fill="hold">
+                      <p:stCondLst>
+                        <p:cond delay="indefinite"/>
+                      </p:stCondLst>
+                      <p:childTnLst>
+                        <p:par>
+                          <p:cTn id="4" fill="hold">
+                            <p:stCondLst>
+                              <p:cond delay="0"/>
+                            </p:stCondLst>
+                            <p:childTnLst>
+                              <p:par>
+                                <p:cTn id="5" presetID="4" presetClass="entr" presetSubtype="16" fill="hold" nodeType="clickEffect">
+                                  <p:stCondLst>
+                                    <p:cond delay="0"/>
+                                  </p:stCondLst>
+                                  <p:childTnLst>
+                                    <p:set>
+                                      <p:cBhvr>
+                                        <p:cTn id="6" dur="1" fill="hold">
+                                          <p:stCondLst>
+                                            <p:cond delay="0"/>
+                                          </p:stCondLst>
+                                        </p:cTn>
+                                        <p:tgtEl>
+                                          <p:spTgt spid="3">
+                                            <p:txEl>
+                                              <p:pRg st="3" end="3"/>
+                                            </p:txEl>
+                                          </p:spTgt>
+                                        </p:tgtEl>
+                                        <p:attrNameLst>
+                                          <p:attrName>style.visibility</p:attrName>
+                                        </p:attrNameLst>
+                                      </p:cBhvr>
+                                      <p:to>
+                                        <p:strVal val="visible"/>
+                                      </p:to>
+                                    </p:set>
+                                    <p:animEffect transition="in" filter="box(in)">
+                                      <p:cBhvr>
+                                        <p:cTn id="7" dur="500"/>
+                                        <p:tgtEl>
+                                          <p:spTgt spid="3">
+                                            <p:txEl>
+                                              <p:pRg st="3" end="3"/>
+                                            </p:txEl>
+                                          </p:spTgt>
+                                        </p:tgtEl>
+                                      </p:cBhvr>
+                                    </p:animEffect>
+                                  </p:childTnLst>
+                                </p:cTn>
+                              </p:par>
+                              <p:par>
+                                <p:cTn id="8" presetID="4" presetClass="entr" presetSubtype="16" fill="hold" nodeType="withEffect">
+                                  <p:stCondLst>
+                                    <p:cond delay="0"/>
+                                  </p:stCondLst>
+                                  <p:childTnLst>
+                                    <p:set>
+                                      <p:cBhvr>
+                                        <p:cTn id="9" dur="1" fill="hold">
+                                          <p:stCondLst>
+                                            <p:cond delay="0"/>
+                                          </p:stCondLst>
+                                        </p:cTn>
+                                        <p:tgtEl>
+                                          <p:spTgt spid="3">
+                                            <p:txEl>
+                                              <p:pRg st="4" end="4"/>
+                                            </p:txEl>
+                                          </p:spTgt>
+                                        </p:tgtEl>
+                                        <p:attrNameLst>
+                                          <p:attrName>style.visibility</p:attrName>
+                                        </p:attrNameLst>
+                                      </p:cBhvr>
+                                      <p:to>
+                                        <p:strVal val="visible"/>
+                                      </p:to>
+                                    </p:set>
+                                    <p:animEffect transition="in" filter="box(in)">
+                                      <p:cBhvr>
+                                        <p:cTn id="10" dur="500"/>
+                                        <p:tgtEl>
+                                          <p:spTgt spid="3">
+                                            <p:txEl>
+                                              <p:pRg st="4" end="4"/>
+                                            </p:txEl>
+                                          </p:spTgt>
+                                        </p:tgtEl>
+                                      </p:cBhvr>
+                                    </p:animEffect>
+                                  </p:childTnLst>
+                                </p:cTn>
+                              </p:par>
+                              <p:par>
+                                <p:cTn id="11" presetID="4" presetClass="entr" presetSubtype="16" fill="hold" nodeType="withEffect">
+                                  <p:stCondLst>
+                                    <p:cond delay="0"/>
+                                  </p:stCondLst>
+                                  <p:childTnLst>
+                                    <p:set>
+                                      <p:cBhvr>
+                                        <p:cTn id="12" dur="1" fill="hold">
+                                          <p:stCondLst>
+                                            <p:cond delay="0"/>
+                                          </p:stCondLst>
+                                        </p:cTn>
+                                        <p:tgtEl>
+                                          <p:spTgt spid="3">
+                                            <p:txEl>
+                                              <p:pRg st="5" end="5"/>
+                                            </p:txEl>
+                                          </p:spTgt>
+                                        </p:tgtEl>
+                                        <p:attrNameLst>
+                                          <p:attrName>style.visibility</p:attrName>
+                                        </p:attrNameLst>
+                                      </p:cBhvr>
+                                      <p:to>
+                                        <p:strVal val="visible"/>
+                                      </p:to>
+                                    </p:set>
+                                    <p:animEffect transition="in" filter="box(in)">
+                                      <p:cBhvr>
+                                        <p:cTn id="13" dur="500"/>
+                                        <p:tgtEl>
+                                          <p:spTgt spid="3">
+                                            <p:txEl>
+                                              <p:pRg st="5" end="5"/>
+                                            </p:txEl>
+                                          </p:spTgt>
+                                        </p:tgtEl>
+                                      </p:cBhvr>
+                                    </p:animEffect>
+                                  </p:childTnLst>
+                                </p:cTn>
+                              </p:par>
+                            </p:childTnLst>
+                          </p:cTn>
+                        </p:par>
+                      </p:childTnLst>
+                    </p:cTn>
+                  </p:par>
+                  <p:par>
+                    <p:cTn id="14" fill="hold">
+                      <p:stCondLst>
+                        <p:cond delay="indefinite"/>
+                      </p:stCondLst>
+                      <p:childTnLst>
+                        <p:par>
+                          <p:cTn id="15" fill="hold">
+                            <p:stCondLst>
+                              <p:cond delay="0"/>
+                            </p:stCondLst>
+                            <p:childTnLst>
+                              <p:par>
+                                <p:cTn id="16" presetID="8" presetClass="entr" presetSubtype="16" fill="hold" nodeType="clickEffect">
+                                  <p:stCondLst>
+                                    <p:cond delay="0"/>
+                                  </p:stCondLst>
+                                  <p:childTnLst>
+                                    <p:set>
+                                      <p:cBhvr>
+                                        <p:cTn id="17" dur="1" fill="hold">
+                                          <p:stCondLst>
+                                            <p:cond delay="0"/>
+                                          </p:stCondLst>
+                                        </p:cTn>
+                                        <p:tgtEl>
+                                          <p:spTgt spid="3">
+                                            <p:txEl>
+                                              <p:pRg st="6" end="6"/>
+                                            </p:txEl>
+                                          </p:spTgt>
+                                        </p:tgtEl>
+                                        <p:attrNameLst>
+                                          <p:attrName>style.visibility</p:attrName>
+                                        </p:attrNameLst>
+                                      </p:cBhvr>
+                                      <p:to>
+                                        <p:strVal val="visible"/>
+                                      </p:to>
+                                    </p:set>
+                                    <p:animEffect transition="in" filter="diamond(in)">
+                                      <p:cBhvr>
+                                        <p:cTn id="18" dur="2000"/>
+                                        <p:tgtEl>
+                                          <p:spTgt spid="3">
+                                            <p:txEl>
+                                              <p:pRg st="6" end="6"/>
+                                            </p:txEl>
+                                          </p:spTgt>
+                                        </p:tgtEl>
+                                      </p:cBhvr>
+                                    </p:animEffect>
+                                  </p:childTnLst>
+                                </p:cTn>
+                              </p:par>
+                              <p:par>
+                                <p:cTn id="19" presetID="8" presetClass="entr" presetSubtype="16" fill="hold" nodeType="withEffect">
+                                  <p:stCondLst>
+                                    <p:cond delay="0"/>
+                                  </p:stCondLst>
+                                  <p:childTnLst>
+                                    <p:set>
+                                      <p:cBhvr>
+                                        <p:cTn id="20" dur="1" fill="hold">
+                                          <p:stCondLst>
+                                            <p:cond delay="0"/>
+                                          </p:stCondLst>
+                                        </p:cTn>
+                                        <p:tgtEl>
+                                          <p:spTgt spid="3">
+                                            <p:txEl>
+                                              <p:pRg st="7" end="7"/>
+                                            </p:txEl>
+                                          </p:spTgt>
+                                        </p:tgtEl>
+                                        <p:attrNameLst>
+                                          <p:attrName>style.visibility</p:attrName>
+                                        </p:attrNameLst>
+                                      </p:cBhvr>
+                                      <p:to>
+                                        <p:strVal val="visible"/>
+                                      </p:to>
+                                    </p:set>
+                                    <p:animEffect transition="in" filter="diamond(in)">
+                                      <p:cBhvr>
+                                        <p:cTn id="21" dur="2000"/>
+                                        <p:tgtEl>
+                                          <p:spTgt spid="3">
+                                            <p:txEl>
+                                              <p:pRg st="7" end="7"/>
+                                            </p:txEl>
+                                          </p:spTgt>
+                                        </p:tgtEl>
+                                      </p:cBhvr>
+                                    </p:animEffect>
+                                  </p:childTnLst>
+                                </p:cTn>
+                              </p:par>
+                              <p:par>
+                                <p:cTn id="22" presetID="8" presetClass="entr" presetSubtype="16" fill="hold" nodeType="withEffect">
+                                  <p:stCondLst>
+                                    <p:cond delay="0"/>
+                                  </p:stCondLst>
+                                  <p:childTnLst>
+                                    <p:set>
+                                      <p:cBhvr>
+                                        <p:cTn id="23" dur="1" fill="hold">
+                                          <p:stCondLst>
+                                            <p:cond delay="0"/>
+                                          </p:stCondLst>
+                                        </p:cTn>
+                                        <p:tgtEl>
+                                          <p:spTgt spid="3">
+                                            <p:txEl>
+                                              <p:pRg st="8" end="8"/>
+                                            </p:txEl>
+                                          </p:spTgt>
+                                        </p:tgtEl>
+                                        <p:attrNameLst>
+                                          <p:attrName>style.visibility</p:attrName>
+                                        </p:attrNameLst>
+                                      </p:cBhvr>
+                                      <p:to>
+                                        <p:strVal val="visible"/>
+                                      </p:to>
+                                    </p:set>
+                                    <p:animEffect transition="in" filter="diamond(in)">
+                                      <p:cBhvr>
+                                        <p:cTn id="24" dur="2000"/>
+                                        <p:tgtEl>
+                                          <p:spTgt spid="3">
+                                            <p:txEl>
+                                              <p:pRg st="8" end="8"/>
+                                            </p:txEl>
+                                          </p:spTgt>
+                                        </p:tgtEl>
+                                      </p:cBhvr>
+                                    </p:animEffect>
+                                  </p:childTnLst>
+                                </p:cTn>
+                              </p:par>
+                            </p:childTnLst>
+                          </p:cTn>
+                        </p:par>
+                      </p:childTnLst>
+                    </p:cTn>
+                  </p:par>
+                  <p:par>
+                    <p:cTn id="25" fill="hold">
+                      <p:stCondLst>
+                        <p:cond delay="indefinite"/>
+                      </p:stCondLst>
+                      <p:childTnLst>
+                        <p:par>
+                          <p:cTn id="26" fill="hold">
+                            <p:stCondLst>
+                              <p:cond delay="0"/>
+                            </p:stCondLst>
+                            <p:childTnLst>
+                              <p:par>
+                                <p:cTn id="27" presetID="2" presetClass="entr" presetSubtype="4" fill="hold" nodeType="clickEffect">
+                                  <p:stCondLst>
+                                    <p:cond delay="0"/>
+                                  </p:stCondLst>
+                                  <p:childTnLst>
+                                    <p:set>
+                                      <p:cBhvr>
+                                        <p:cTn id="28" dur="1" fill="hold">
+                                          <p:stCondLst>
+                                            <p:cond delay="0"/>
+                                          </p:stCondLst>
+                                        </p:cTn>
+                                        <p:tgtEl>
+                                          <p:spTgt spid="4">
+                                            <p:txEl>
+                                              <p:pRg st="0" end="0"/>
+                                            </p:txEl>
+                                          </p:spTgt>
+                                        </p:tgtEl>
+                                        <p:attrNameLst>
+                                          <p:attrName>style.visibility</p:attrName>
+                                        </p:attrNameLst>
+                                      </p:cBhvr>
+                                      <p:to>
+                                        <p:strVal val="visible"/>
+                                      </p:to>
+                                    </p:set>
+                                    <p:anim calcmode="lin" valueType="num">
+                                      <p:cBhvr additive="base">
+                                        <p:cTn id="29" dur="500" fill="hold"/>
+                                        <p:tgtEl>
+                                          <p:spTgt spid="4">
+                                            <p:txEl>
+                                              <p:pRg st="0" end="0"/>
+                                            </p:txEl>
+                                          </p:spTgt>
+                                        </p:tgtEl>
+                                        <p:attrNameLst>
+                                          <p:attrName>ppt_x</p:attrName>
+                                        </p:attrNameLst>
+                                      </p:cBhvr>
+                                      <p:tavLst>
+                                        <p:tav tm="0">
+                                          <p:val>
+                                            <p:strVal val="#ppt_x"/>
+                                          </p:val>
+                                        </p:tav>
+                                        <p:tav tm="100000">
+                                          <p:val>
+                                            <p:strVal val="#ppt_x"/>
+                                          </p:val>
+                                        </p:tav>
+                                      </p:tavLst>
+                                    </p:anim>
+                                    <p:anim calcmode="lin" valueType="num">
+                                      <p:cBhvr additive="base">
+                                        <p:cTn id="30" dur="500" fill="hold"/>
+                                        <p:tgtEl>
+                                          <p:spTgt spid="4">
+                                            <p:txEl>
+                                              <p:pRg st="0" end="0"/>
+                                            </p:txEl>
+                                          </p:spTgt>
+                                        </p:tgtEl>
+                                        <p:attrNameLst>
+                                          <p:attrName>ppt_y</p:attrName>
+                                        </p:attrNameLst>
+                                      </p:cBhvr>
+                                      <p:tavLst>
+                                        <p:tav tm="0">
+                                          <p:val>
+                                            <p:strVal val="1+#ppt_h/2"/>
+                                          </p:val>
+                                        </p:tav>
+                                        <p:tav tm="100000">
+                                          <p:val>
+                                            <p:strVal val="#ppt_y"/>
+                                          </p:val>
+                                        </p:tav>
+                                      </p:tavLst>
+                                    </p:anim>
+                                  </p:childTnLst>
+                                </p:cTn>
+                              </p:par>
+                              <p:par>
+                                <p:cTn id="31" presetID="2" presetClass="entr" presetSubtype="4" fill="hold" nodeType="withEffect">
+                                  <p:stCondLst>
+                                    <p:cond delay="0"/>
+                                  </p:stCondLst>
+                                  <p:childTnLst>
+                                    <p:set>
+                                      <p:cBhvr>
+                                        <p:cTn id="32" dur="1" fill="hold">
+                                          <p:stCondLst>
+                                            <p:cond delay="0"/>
+                                          </p:stCondLst>
+                                        </p:cTn>
+                                        <p:tgtEl>
+                                          <p:spTgt spid="4">
+                                            <p:txEl>
+                                              <p:pRg st="1" end="1"/>
+                                            </p:txEl>
+                                          </p:spTgt>
+                                        </p:tgtEl>
+                                        <p:attrNameLst>
+                                          <p:attrName>style.visibility</p:attrName>
+                                        </p:attrNameLst>
+                                      </p:cBhvr>
+                                      <p:to>
+                                        <p:strVal val="visible"/>
+                                      </p:to>
+                                    </p:set>
+                                    <p:anim calcmode="lin" valueType="num">
+                                      <p:cBhvr additive="base">
+                                        <p:cTn id="33" dur="500" fill="hold"/>
+                                        <p:tgtEl>
+                                          <p:spTgt spid="4">
+                                            <p:txEl>
+                                              <p:pRg st="1" end="1"/>
+                                            </p:txEl>
+                                          </p:spTgt>
+                                        </p:tgtEl>
+                                        <p:attrNameLst>
+                                          <p:attrName>ppt_x</p:attrName>
+                                        </p:attrNameLst>
+                                      </p:cBhvr>
+                                      <p:tavLst>
+                                        <p:tav tm="0">
+                                          <p:val>
+                                            <p:strVal val="#ppt_x"/>
+                                          </p:val>
+                                        </p:tav>
+                                        <p:tav tm="100000">
+                                          <p:val>
+                                            <p:strVal val="#ppt_x"/>
+                                          </p:val>
+                                        </p:tav>
+                                      </p:tavLst>
+                                    </p:anim>
+                                    <p:anim calcmode="lin" valueType="num">
+                                      <p:cBhvr additive="base">
+                                        <p:cTn id="34" dur="500" fill="hold"/>
+                                        <p:tgtEl>
+                                          <p:spTgt spid="4">
+                                            <p:txEl>
+                                              <p:pRg st="1" end="1"/>
+                                            </p:txEl>
+                                          </p:spTgt>
+                                        </p:tgtEl>
+                                        <p:attrNameLst>
+                                          <p:attrName>ppt_y</p:attrName>
+                                        </p:attrNameLst>
+                                      </p:cBhvr>
+                                      <p:tavLst>
+                                        <p:tav tm="0">
+                                          <p:val>
+                                            <p:strVal val="1+#ppt_h/2"/>
+                                          </p:val>
+                                        </p:tav>
+                                        <p:tav tm="100000">
+                                          <p:val>
+                                            <p:strVal val="#ppt_y"/>
+                                          </p:val>
+                                        </p:tav>
+                                      </p:tavLst>
+                                    </p:anim>
+                                  </p:childTnLst>
+                                </p:cTn>
+                              </p:par>
+                              <p:par>
+                                <p:cTn id="35" presetID="2" presetClass="entr" presetSubtype="4" fill="hold" nodeType="withEffect">
+                                  <p:stCondLst>
+                                    <p:cond delay="0"/>
+                                  </p:stCondLst>
+                                  <p:childTnLst>
+                                    <p:set>
+                                      <p:cBhvr>
+                                        <p:cTn id="36" dur="1" fill="hold">
+                                          <p:stCondLst>
+                                            <p:cond delay="0"/>
+                                          </p:stCondLst>
+                                        </p:cTn>
+                                        <p:tgtEl>
+                                          <p:spTgt spid="4">
+                                            <p:txEl>
+                                              <p:pRg st="2" end="2"/>
+                                            </p:txEl>
+                                          </p:spTgt>
+                                        </p:tgtEl>
+                                        <p:attrNameLst>
+                                          <p:attrName>style.visibility</p:attrName>
+                                        </p:attrNameLst>
+                                      </p:cBhvr>
+                                      <p:to>
+                                        <p:strVal val="visible"/>
+                                      </p:to>
+                                    </p:set>
+                                    <p:anim calcmode="lin" valueType="num">
+                                      <p:cBhvr additive="base">
+                                        <p:cTn id="37" dur="500" fill="hold"/>
+                                        <p:tgtEl>
+                                          <p:spTgt spid="4">
+                                            <p:txEl>
+                                              <p:pRg st="2" end="2"/>
+                                            </p:txEl>
+                                          </p:spTgt>
+                                        </p:tgtEl>
+                                        <p:attrNameLst>
+                                          <p:attrName>ppt_x</p:attrName>
+                                        </p:attrNameLst>
+                                      </p:cBhvr>
+                                      <p:tavLst>
+                                        <p:tav tm="0">
+                                          <p:val>
+                                            <p:strVal val="#ppt_x"/>
+                                          </p:val>
+                                        </p:tav>
+                                        <p:tav tm="100000">
+                                          <p:val>
+                                            <p:strVal val="#ppt_x"/>
+                                          </p:val>
+                                        </p:tav>
+                                      </p:tavLst>
+                                    </p:anim>
+                                    <p:anim calcmode="lin" valueType="num">
+                                      <p:cBhvr additive="base">
+                                        <p:cTn id="38" dur="500" fill="hold"/>
+                                        <p:tgtEl>
+                                          <p:spTgt spid="4">
+                                            <p:txEl>
+                                              <p:pRg st="2" end="2"/>
+                                            </p:txEl>
+                                          </p:spTgt>
+                                        </p:tgtEl>
+                                        <p:attrNameLst>
+                                          <p:attrName>ppt_y</p:attrName>
+                                        </p:attrNameLst>
+                                      </p:cBhvr>
+                                      <p:tavLst>
+                                        <p:tav tm="0">
+                                          <p:val>
+                                            <p:strVal val="1+#ppt_h/2"/>
+                                          </p:val>
+                                        </p:tav>
+                                        <p:tav tm="100000">
+                                          <p:val>
+                                            <p:strVal val="#ppt_y"/>
+                                          </p:val>
+                                        </p:tav>
+                                      </p:tavLst>
+                                    </p:anim>
+                                  </p:childTnLst>
+                                </p:cTn>
+                              </p:par>
+                            </p:childTnLst>
+                          </p:cTn>
+                        </p:par>
+                      </p:childTnLst>
+                    </p:cTn>
+                  </p:par>
+                  <p:par>
+                    <p:cTn id="39" fill="hold">
+                      <p:stCondLst>
+                        <p:cond delay="indefinite"/>
+                      </p:stCondLst>
+                      <p:childTnLst>
+                        <p:par>
+                          <p:cTn id="40" fill="hold">
+                            <p:stCondLst>
+                              <p:cond delay="0"/>
+                            </p:stCondLst>
+                            <p:childTnLst>
+                              <p:par>
+                                <p:cTn id="41" presetID="4" presetClass="entr" presetSubtype="16" fill="hold" nodeType="clickEffect">
+                                  <p:stCondLst>
+                                    <p:cond delay="0"/>
+                                  </p:stCondLst>
+                                  <p:childTnLst>
+                                    <p:set>
+                                      <p:cBhvr>
+                                        <p:cTn id="42" dur="1" fill="hold">
+                                          <p:stCondLst>
+                                            <p:cond delay="0"/>
+                                          </p:stCondLst>
+                                        </p:cTn>
+                                        <p:tgtEl>
+                                          <p:spTgt spid="4">
+                                            <p:txEl>
+                                              <p:pRg st="3" end="3"/>
+                                            </p:txEl>
+                                          </p:spTgt>
+                                        </p:tgtEl>
+                                        <p:attrNameLst>
+                                          <p:attrName>style.visibility</p:attrName>
+                                        </p:attrNameLst>
+                                      </p:cBhvr>
+                                      <p:to>
+                                        <p:strVal val="visible"/>
+                                      </p:to>
+                                    </p:set>
+                                    <p:animEffect transition="in" filter="box(in)">
+                                      <p:cBhvr>
+                                        <p:cTn id="43" dur="500"/>
+                                        <p:tgtEl>
+                                          <p:spTgt spid="4">
+                                            <p:txEl>
+                                              <p:pRg st="3" end="3"/>
+                                            </p:txEl>
+                                          </p:spTgt>
+                                        </p:tgtEl>
+                                      </p:cBhvr>
+                                    </p:animEffect>
+                                  </p:childTnLst>
+                                </p:cTn>
+                              </p:par>
+                              <p:par>
+                                <p:cTn id="44" presetID="4" presetClass="entr" presetSubtype="16" fill="hold" nodeType="withEffect">
+                                  <p:stCondLst>
+                                    <p:cond delay="0"/>
+                                  </p:stCondLst>
+                                  <p:childTnLst>
+                                    <p:set>
+                                      <p:cBhvr>
+                                        <p:cTn id="45" dur="1" fill="hold">
+                                          <p:stCondLst>
+                                            <p:cond delay="0"/>
+                                          </p:stCondLst>
+                                        </p:cTn>
+                                        <p:tgtEl>
+                                          <p:spTgt spid="4">
+                                            <p:txEl>
+                                              <p:pRg st="4" end="4"/>
+                                            </p:txEl>
+                                          </p:spTgt>
+                                        </p:tgtEl>
+                                        <p:attrNameLst>
+                                          <p:attrName>style.visibility</p:attrName>
+                                        </p:attrNameLst>
+                                      </p:cBhvr>
+                                      <p:to>
+                                        <p:strVal val="visible"/>
+                                      </p:to>
+                                    </p:set>
+                                    <p:animEffect transition="in" filter="box(in)">
+                                      <p:cBhvr>
+                                        <p:cTn id="46" dur="500"/>
+                                        <p:tgtEl>
+                                          <p:spTgt spid="4">
+                                            <p:txEl>
+                                              <p:pRg st="4" end="4"/>
+                                            </p:txEl>
+                                          </p:spTgt>
+                                        </p:tgtEl>
+                                      </p:cBhvr>
+                                    </p:animEffect>
+                                  </p:childTnLst>
+                                </p:cTn>
+                              </p:par>
+                              <p:par>
+                                <p:cTn id="47" presetID="4" presetClass="entr" presetSubtype="16" fill="hold" nodeType="withEffect">
+                                  <p:stCondLst>
+                                    <p:cond delay="0"/>
+                                  </p:stCondLst>
+                                  <p:childTnLst>
+                                    <p:set>
+                                      <p:cBhvr>
+                                        <p:cTn id="48" dur="1" fill="hold">
+                                          <p:stCondLst>
+                                            <p:cond delay="0"/>
+                                          </p:stCondLst>
+                                        </p:cTn>
+                                        <p:tgtEl>
+                                          <p:spTgt spid="4">
+                                            <p:txEl>
+                                              <p:pRg st="5" end="5"/>
+                                            </p:txEl>
+                                          </p:spTgt>
+                                        </p:tgtEl>
+                                        <p:attrNameLst>
+                                          <p:attrName>style.visibility</p:attrName>
+                                        </p:attrNameLst>
+                                      </p:cBhvr>
+                                      <p:to>
+                                        <p:strVal val="visible"/>
+                                      </p:to>
+                                    </p:set>
+                                    <p:animEffect transition="in" filter="box(in)">
+                                      <p:cBhvr>
+                                        <p:cTn id="49" dur="500"/>
+                                        <p:tgtEl>
+                                          <p:spTgt spid="4">
+                                            <p:txEl>
+                                              <p:pRg st="5" end="5"/>
+                                            </p:txEl>
+                                          </p:spTgt>
+                                        </p:tgtEl>
+                                      </p:cBhvr>
+                                    </p:animEffect>
+                                  </p:childTnLst>
+                                </p:cTn>
+                              </p:par>
+                            </p:childTnLst>
+                          </p:cTn>
+                        </p:par>
+                      </p:childTnLst>
+                    </p:cTn>
+                  </p:par>
+                  <p:par>
+                    <p:cTn id="50" fill="hold">
+                      <p:stCondLst>
+                        <p:cond delay="indefinite"/>
+                      </p:stCondLst>
+                      <p:childTnLst>
+                        <p:par>
+                          <p:cTn id="51" fill="hold">
+                            <p:stCondLst>
+                              <p:cond delay="0"/>
+                            </p:stCondLst>
+                            <p:childTnLst>
+                              <p:par>
+                                <p:cTn id="52" presetID="4" presetClass="entr" presetSubtype="16" fill="hold" nodeType="clickEffect">
+                                  <p:stCondLst>
+                                    <p:cond delay="0"/>
+                                  </p:stCondLst>
+                                  <p:childTnLst>
+                                    <p:set>
+                                      <p:cBhvr>
+                                        <p:cTn id="53" dur="1" fill="hold">
+                                          <p:stCondLst>
+                                            <p:cond delay="0"/>
+                                          </p:stCondLst>
+                                        </p:cTn>
+                                        <p:tgtEl>
+                                          <p:spTgt spid="4">
+                                            <p:txEl>
+                                              <p:pRg st="6" end="6"/>
+                                            </p:txEl>
+                                          </p:spTgt>
+                                        </p:tgtEl>
+                                        <p:attrNameLst>
+                                          <p:attrName>style.visibility</p:attrName>
+                                        </p:attrNameLst>
+                                      </p:cBhvr>
+                                      <p:to>
+                                        <p:strVal val="visible"/>
+                                      </p:to>
+                                    </p:set>
+                                    <p:animEffect transition="in" filter="box(in)">
+                                      <p:cBhvr>
+                                        <p:cTn id="54" dur="500"/>
+                                        <p:tgtEl>
+                                          <p:spTgt spid="4">
+                                            <p:txEl>
+                                              <p:pRg st="6" end="6"/>
+                                            </p:txEl>
+                                          </p:spTgt>
+                                        </p:tgtEl>
+                                      </p:cBhvr>
+                                    </p:animEffect>
+                                  </p:childTnLst>
+                                </p:cTn>
+                              </p:par>
+                              <p:par>
+                                <p:cTn id="55" presetID="4" presetClass="entr" presetSubtype="16" fill="hold" nodeType="withEffect">
+                                  <p:stCondLst>
+                                    <p:cond delay="0"/>
+                                  </p:stCondLst>
+                                  <p:childTnLst>
+                                    <p:set>
+                                      <p:cBhvr>
+                                        <p:cTn id="56" dur="1" fill="hold">
+                                          <p:stCondLst>
+                                            <p:cond delay="0"/>
+                                          </p:stCondLst>
+                                        </p:cTn>
+                                        <p:tgtEl>
+                                          <p:spTgt spid="4">
+                                            <p:txEl>
+                                              <p:pRg st="7" end="7"/>
+                                            </p:txEl>
+                                          </p:spTgt>
+                                        </p:tgtEl>
+                                        <p:attrNameLst>
+                                          <p:attrName>style.visibility</p:attrName>
+                                        </p:attrNameLst>
+                                      </p:cBhvr>
+                                      <p:to>
+                                        <p:strVal val="visible"/>
+                                      </p:to>
+                                    </p:set>
+                                    <p:animEffect transition="in" filter="box(in)">
+                                      <p:cBhvr>
+                                        <p:cTn id="57" dur="500"/>
+                                        <p:tgtEl>
+                                          <p:spTgt spid="4">
+                                            <p:txEl>
+                                              <p:pRg st="7" end="7"/>
+                                            </p:txEl>
+                                          </p:spTgt>
+                                        </p:tgtEl>
+                                      </p:cBhvr>
+                                    </p:animEffect>
+                                  </p:childTnLst>
+                                </p:cTn>
+                              </p:par>
+                              <p:par>
+                                <p:cTn id="58" presetID="4" presetClass="entr" presetSubtype="16" fill="hold" nodeType="withEffect">
+                                  <p:stCondLst>
+                                    <p:cond delay="0"/>
+                                  </p:stCondLst>
+                                  <p:childTnLst>
+                                    <p:set>
+                                      <p:cBhvr>
+                                        <p:cTn id="59" dur="1" fill="hold">
+                                          <p:stCondLst>
+                                            <p:cond delay="0"/>
+                                          </p:stCondLst>
+                                        </p:cTn>
+                                        <p:tgtEl>
+                                          <p:spTgt spid="4">
+                                            <p:txEl>
+                                              <p:pRg st="8" end="8"/>
+                                            </p:txEl>
+                                          </p:spTgt>
+                                        </p:tgtEl>
+                                        <p:attrNameLst>
+                                          <p:attrName>style.visibility</p:attrName>
+                                        </p:attrNameLst>
+                                      </p:cBhvr>
+                                      <p:to>
+                                        <p:strVal val="visible"/>
+                                      </p:to>
+                                    </p:set>
+                                    <p:animEffect transition="in" filter="box(in)">
+                                      <p:cBhvr>
+                                        <p:cTn id="60" dur="500"/>
+                                        <p:tgtEl>
+                                          <p:spTgt spid="4">
+                                            <p:txEl>
+                                              <p:pRg st="8" end="8"/>
+                                            </p:txEl>
+                                          </p:spTgt>
+                                        </p:tgtEl>
+                                      </p:cBhvr>
+                                    </p:animEffect>
+                                  </p:childTnLst>
+                                </p:cTn>
+                              </p:par>
+                            </p:childTnLst>
+                          </p:cTn>
+                        </p:par>
+                      </p:childTnLst>
+                    </p:cTn>
+                  </p:par>
+                </p:childTnLst>
+              </p:cTn>
+              <p:prevCondLst>
+                <p:cond evt="onPrev" delay="0">
+                  <p:tgtEl>
+                    <p:sldTgt/>
+                  </p:tgtEl>
+                </p:cond>
+              </p:prevCondLst>
+              <p:nextCondLst>
+                <p:cond evt="onNext" delay="0">
+                  <p:tgtEl>
+                    <p:sldTgt/>
+                  </p:tgtEl>
+                </p:cond>
+              </p:nextCondLst>
+            </p:seq>
+          </p:childTnLst>
+        </p:cTn>
+      </p:par>
+    </p:tnLst>
+  </p:timing>
+</p:sld>
+</file>
+
+<file path=ppt/slides/slide4.xml><?xml version="1.0" encoding="utf-8"?>
+<p:sld xmlns:a="http://schemas.openxmlformats.org/drawingml/2006/main" xmlns:r="http://schemas.openxmlformats.org/officeDocument/2006/relationships" xmlns:p="http://schemas.openxmlformats.org/presentationml/2006/main">
+  <p:cSld>
+    <p:spTree>
+      <p:nvGrpSpPr>
+        <p:cNvPr id="1" name=""/>
+        <p:cNvGrpSpPr/>
+        <p:nvPr/>
+      </p:nvGrpSpPr>
+      <p:grpSpPr>
+        <a:xfrm>
+          <a:off x="0" y="0"/>
+          <a:ext cx="0" cy="0"/>
+          <a:chOff x="0" y="0"/>
+          <a:chExt cx="0" cy="0"/>
+        </a:xfrm>
+      </p:grpSpPr>
+      <p:sp>
+        <p:nvSpPr>
+          <p:cNvPr id="2" name="Title 1"/>
+          <p:cNvSpPr>
+            <a:spLocks noGrp="1"/>
+          </p:cNvSpPr>
+          <p:nvPr>
+            <p:ph type="title"/>
+          </p:nvPr>
+        </p:nvSpPr>
+        <p:spPr/>
+        <p:txBody>
+          <a:bodyPr/>
+          <a:lstStyle/>
+          <a:p>
+            <a:r>
+              <a:rPr lang="en-US" dirty="0" smtClean="0"/>
+              <a:t>Disadvantages of WAS</a:t>
+            </a:r>
+            <a:endParaRPr lang="en-US" dirty="0"/>
+          </a:p>
+        </p:txBody>
+      </p:sp>
+      <p:sp>
+        <p:nvSpPr>
+          <p:cNvPr id="3" name="Content Placeholder 2"/>
+          <p:cNvSpPr>
+            <a:spLocks noGrp="1"/>
+          </p:cNvSpPr>
+          <p:nvPr>
+            <p:ph idx="1"/>
+          </p:nvPr>
+        </p:nvSpPr>
+        <p:spPr/>
+        <p:txBody>
+          <a:bodyPr>
+            <a:normAutofit fontScale="85000" lnSpcReduction="20000"/>
+          </a:bodyPr>
+          <a:lstStyle/>
+          <a:p>
+            <a:r>
+              <a:rPr lang="en-US" dirty="0" smtClean="0"/>
+              <a:t>Bind users to Microsoft</a:t>
+            </a:r>
+            <a:endParaRPr lang="en-US" dirty="0"/>
+          </a:p>
+          <a:p>
+            <a:pPr lvl="1"/>
+            <a:r>
+              <a:rPr lang="en-US" dirty="0" smtClean="0">
+                <a:solidFill>
+                  <a:srgbClr val="FF0000"/>
+                </a:solidFill>
+              </a:rPr>
+              <a:t>Only windows centric applications are supported by Microsoft </a:t>
+            </a:r>
+          </a:p>
+          <a:p>
+            <a:pPr lvl="1"/>
+            <a:r>
+              <a:rPr lang="en-US" dirty="0" smtClean="0">
+                <a:solidFill>
+                  <a:srgbClr val="FF0000"/>
+                </a:solidFill>
+              </a:rPr>
+              <a:t>have </a:t>
+            </a:r>
+            <a:r>
+              <a:rPr lang="en-US" dirty="0">
+                <a:solidFill>
+                  <a:srgbClr val="FF0000"/>
+                </a:solidFill>
+              </a:rPr>
+              <a:t>to use C</a:t>
+            </a:r>
+            <a:r>
+              <a:rPr lang="en-US" dirty="0" smtClean="0">
+                <a:solidFill>
+                  <a:srgbClr val="FF0000"/>
+                </a:solidFill>
+              </a:rPr>
+              <a:t>#</a:t>
+            </a:r>
+          </a:p>
+          <a:p>
+            <a:pPr lvl="1"/>
+            <a:endParaRPr lang="en-US" dirty="0" smtClean="0">
+              <a:solidFill>
+                <a:srgbClr val="FF0000"/>
+              </a:solidFill>
+            </a:endParaRPr>
+          </a:p>
+          <a:p>
+            <a:r>
+              <a:rPr lang="en-US" dirty="0" smtClean="0"/>
+              <a:t>Many middleware for serious computation that requires HPC</a:t>
+            </a:r>
+            <a:r>
+              <a:rPr lang="en-US" altLang="zh-CN" dirty="0" smtClean="0"/>
+              <a:t>/cloud written in </a:t>
+            </a:r>
+            <a:r>
+              <a:rPr lang="en-US" altLang="zh-CN" dirty="0" err="1" smtClean="0"/>
+              <a:t>unix</a:t>
+            </a:r>
+            <a:r>
+              <a:rPr lang="en-US" altLang="zh-CN" dirty="0" smtClean="0"/>
+              <a:t>/</a:t>
+            </a:r>
+            <a:r>
+              <a:rPr lang="en-US" altLang="zh-CN" dirty="0" err="1" smtClean="0"/>
+              <a:t>linux</a:t>
+            </a:r>
+            <a:r>
+              <a:rPr lang="en-US" altLang="zh-CN" dirty="0" smtClean="0"/>
+              <a:t> environment </a:t>
+            </a:r>
+            <a:r>
+              <a:rPr lang="en-US" dirty="0" smtClean="0"/>
+              <a:t> unsupported</a:t>
+            </a:r>
+          </a:p>
+          <a:p>
+            <a:pPr lvl="1"/>
+            <a:r>
+              <a:rPr lang="en-US" dirty="0" smtClean="0">
+                <a:solidFill>
+                  <a:srgbClr val="FF0000"/>
+                </a:solidFill>
+              </a:rPr>
+              <a:t>Difficult to port them to run on WAS</a:t>
+            </a:r>
+          </a:p>
+          <a:p>
+            <a:pPr lvl="1"/>
+            <a:endParaRPr lang="en-US" dirty="0" smtClean="0"/>
+          </a:p>
+          <a:p>
+            <a:r>
+              <a:rPr lang="en-US" dirty="0" smtClean="0"/>
+              <a:t>Cannot have user own specified OS installed</a:t>
+            </a:r>
+            <a:endParaRPr lang="en-US" dirty="0"/>
+          </a:p>
+          <a:p>
+            <a:pPr lvl="1"/>
+            <a:r>
+              <a:rPr lang="en-US" dirty="0" smtClean="0">
+                <a:solidFill>
+                  <a:srgbClr val="FF0000"/>
+                </a:solidFill>
+              </a:rPr>
+              <a:t>Windows OS is already there</a:t>
+            </a:r>
+            <a:r>
+              <a:rPr lang="en-US" altLang="zh-CN" dirty="0" smtClean="0">
+                <a:solidFill>
+                  <a:srgbClr val="FF0000"/>
+                </a:solidFill>
+              </a:rPr>
+              <a:t>, irrespective of user choice</a:t>
+            </a:r>
+            <a:endParaRPr lang="en-US" dirty="0" smtClean="0">
+              <a:solidFill>
+                <a:srgbClr val="FF0000"/>
+              </a:solidFill>
+            </a:endParaRPr>
+          </a:p>
+        </p:txBody>
+      </p:sp>
+    </p:spTree>
+  </p:cSld>
+  <p:clrMapOvr>
+    <a:masterClrMapping/>
+  </p:clrMapOvr>
+  <p:timing>
+    <p:tnLst>
+      <p:par>
+        <p:cTn id="1" dur="indefinite" restart="never" nodeType="tmRoot"/>
+      </p:par>
+    </p:tnLst>
+  </p:timing>
+</p:sld>
+</file>
+
+<file path=ppt/slides/slide5.xml><?xml version="1.0" encoding="utf-8"?>
+<p:sld xmlns:a="http://schemas.openxmlformats.org/drawingml/2006/main" xmlns:r="http://schemas.openxmlformats.org/officeDocument/2006/relationships" xmlns:p="http://schemas.openxmlformats.org/presentationml/2006/main">
+  <p:cSld>
+    <p:spTree>
+      <p:nvGrpSpPr>
+        <p:cNvPr id="1" name=""/>
+        <p:cNvGrpSpPr/>
+        <p:nvPr/>
+      </p:nvGrpSpPr>
+      <p:grpSpPr>
+        <a:xfrm>
+          <a:off x="0" y="0"/>
+          <a:ext cx="0" cy="0"/>
+          <a:chOff x="0" y="0"/>
+          <a:chExt cx="0" cy="0"/>
+        </a:xfrm>
+      </p:grpSpPr>
+      <p:sp>
+        <p:nvSpPr>
+          <p:cNvPr id="2" name="Title 1"/>
+          <p:cNvSpPr>
+            <a:spLocks noGrp="1"/>
+          </p:cNvSpPr>
+          <p:nvPr>
+            <p:ph type="title"/>
+          </p:nvPr>
+        </p:nvSpPr>
+        <p:spPr/>
+        <p:txBody>
+          <a:bodyPr/>
+          <a:lstStyle/>
+          <a:p>
+            <a:r>
+              <a:rPr lang="en-US" dirty="0" smtClean="0"/>
+              <a:t>	</a:t>
+            </a:r>
+            <a:endParaRPr lang="en-SG" dirty="0"/>
+          </a:p>
+        </p:txBody>
+      </p:sp>
+      <p:sp>
+        <p:nvSpPr>
+          <p:cNvPr id="3" name="Content Placeholder 2"/>
+          <p:cNvSpPr>
+            <a:spLocks noGrp="1"/>
+          </p:cNvSpPr>
+          <p:nvPr>
+            <p:ph sz="quarter" idx="1"/>
+          </p:nvPr>
+        </p:nvSpPr>
+        <p:spPr/>
+        <p:txBody>
+          <a:bodyPr/>
+          <a:lstStyle/>
+          <a:p>
+            <a:pPr marL="0" indent="0" algn="ctr">
+              <a:buNone/>
+            </a:pPr>
+            <a:endParaRPr lang="en-US" dirty="0" smtClean="0"/>
+          </a:p>
+          <a:p>
+            <a:pPr marL="0" indent="0" algn="ctr">
+              <a:buNone/>
+            </a:pPr>
+            <a:endParaRPr lang="en-US" dirty="0"/>
+          </a:p>
+          <a:p>
+            <a:pPr marL="0" indent="0" algn="ctr">
+              <a:buNone/>
+            </a:pPr>
+            <a:endParaRPr lang="en-US" dirty="0" smtClean="0"/>
+          </a:p>
+          <a:p>
+            <a:pPr marL="0" indent="0" algn="ctr">
+              <a:buNone/>
+            </a:pPr>
+            <a:endParaRPr lang="en-US" dirty="0"/>
+          </a:p>
+        </p:txBody>
+      </p:sp>
+      <p:pic>
+        <p:nvPicPr>
+          <p:cNvPr id="1026" name="Picture 2" descr="http://blog.copdfoundation.org/wp-content/uploads/2012/09/C-Users-sschlegel-Pictures-Question-Mark-Man.jpg"/>
+          <p:cNvPicPr>
+            <a:picLocks noChangeAspect="1" noChangeArrowheads="1"/>
+          </p:cNvPicPr>
+          <p:nvPr/>
+        </p:nvPicPr>
+        <p:blipFill>
+          <a:blip r:embed="rId2" cstate="print">
+            <a:extLst>
+              <a:ext uri="{28A0092B-C50C-407E-A947-70E740481C1C}">
+                <a14:useLocalDpi xmlns:a14="http://schemas.microsoft.com/office/drawing/2010/main" xmlns="" val="0"/>
+              </a:ext>
+            </a:extLst>
+          </a:blip>
+          <a:srcRect/>
+          <a:stretch>
+            <a:fillRect/>
+          </a:stretch>
+        </p:blipFill>
+        <p:spPr bwMode="auto">
+          <a:xfrm>
+            <a:off x="2514600" y="2438400"/>
+            <a:ext cx="2857500" cy="2857500"/>
+          </a:xfrm>
+          <a:prstGeom prst="rect">
+            <a:avLst/>
+          </a:prstGeom>
+          <a:noFill/>
+          <a:extLst>
+            <a:ext uri="{909E8E84-426E-40DD-AFC4-6F175D3DCCD1}">
+              <a14:hiddenFill xmlns:a14="http://schemas.microsoft.com/office/drawing/2010/main" xmlns="">
+                <a:solidFill>
+                  <a:srgbClr val="FFFFFF"/>
+                </a:solidFill>
+              </a14:hiddenFill>
+            </a:ext>
+          </a:extLst>
+        </p:spPr>
+      </p:pic>
+      <p:sp>
+        <p:nvSpPr>
+          <p:cNvPr id="7" name="Rectangle 6"/>
+          <p:cNvSpPr/>
+          <p:nvPr/>
+        </p:nvSpPr>
+        <p:spPr>
+          <a:xfrm>
+            <a:off x="5486400" y="3657600"/>
+            <a:ext cx="2542427" cy="923330"/>
+          </a:xfrm>
+          <a:prstGeom prst="rect">
+            <a:avLst/>
+          </a:prstGeom>
+          <a:noFill/>
+        </p:spPr>
+        <p:txBody>
+          <a:bodyPr wrap="none" lIns="91440" tIns="45720" rIns="91440" bIns="45720">
+            <a:spAutoFit/>
+            <a:scene3d>
+              <a:camera prst="orthographicFront"/>
+              <a:lightRig rig="brightRoom" dir="t"/>
+            </a:scene3d>
+            <a:sp3d contourW="6350" prstMaterial="plastic">
+              <a:bevelT w="20320" h="20320" prst="angle"/>
+              <a:contourClr>
+                <a:schemeClr val="accent1">
+                  <a:tint val="100000"/>
+                  <a:shade val="100000"/>
+                  <a:hueMod val="100000"/>
+                  <a:satMod val="100000"/>
+                </a:schemeClr>
+              </a:contourClr>
+            </a:sp3d>
+          </a:bodyPr>
+          <a:lstStyle/>
+          <a:p>
+            <a:pPr algn="ctr"/>
+            <a:r>
+              <a:rPr lang="en-US" sz="5400" b="1" cap="all" spc="0" dirty="0" smtClean="0">
+                <a:ln/>
+                <a:solidFill>
+                  <a:schemeClr val="accent1"/>
+                </a:solidFill>
+                <a:effectLst>
+                  <a:outerShdw blurRad="19685" dist="12700" dir="5400000" algn="tl" rotWithShape="0">
+                    <a:schemeClr val="accent1">
+                      <a:satMod val="130000"/>
+                      <a:alpha val="60000"/>
+                    </a:schemeClr>
+                  </a:outerShdw>
+                  <a:reflection blurRad="10000" stA="55000" endPos="48000" dist="500" dir="5400000" sy="-100000" algn="bl" rotWithShape="0"/>
+                </a:effectLst>
+              </a:rPr>
+              <a:t>Thanks</a:t>
+            </a:r>
+            <a:endParaRPr lang="en-US" sz="5400" b="1" cap="all" spc="0" dirty="0">
+              <a:ln/>
+              <a:solidFill>
+                <a:schemeClr val="accent1"/>
+              </a:solidFill>
+              <a:effectLst>
+                <a:outerShdw blurRad="19685" dist="12700" dir="5400000" algn="tl" rotWithShape="0">
+                  <a:schemeClr val="accent1">
+                    <a:satMod val="130000"/>
+                    <a:alpha val="60000"/>
+                  </a:schemeClr>
+                </a:outerShdw>
+                <a:reflection blurRad="10000" stA="55000" endPos="48000" dist="500" dir="5400000" sy="-100000" algn="bl" rotWithShape="0"/>
+              </a:effectLst>
+            </a:endParaRPr>
+          </a:p>
+        </p:txBody>
+      </p:sp>
+    </p:spTree>
+    <p:extLst>
+      <p:ext uri="{BB962C8B-B14F-4D97-AF65-F5344CB8AC3E}">
+        <p14:creationId xmlns:p14="http://schemas.microsoft.com/office/powerpoint/2010/main" xmlns="" val="1715050486"/>
+      </p:ext>
+    </p:extLst>
+  </p:cSld>
+  <p:clrMapOvr>
+    <a:masterClrMapping/>
+  </p:clrMapOvr>
+  <mc:AlternateContent xmlns:mc="http://schemas.openxmlformats.org/markup-compatibility/2006">
+    <mc:Choice xmlns:p14="http://schemas.microsoft.com/office/powerpoint/2010/main" xmlns="" Requires="p14">
+      <p:transition spd="slow" p14:dur="2000"/>
+    </mc:Choice>
+    <mc:Fallback>
+      <p:transition spd="slow"/>
+    </mc:Fallback>
+  </mc:AlternateContent>
+  <p:timing>
+    <p:tnLst>
+      <p:par>
+        <p:cTn id="1" dur="indefinite" restart="never" nodeType="tmRoot"/>
+      </p:par>
+    </p:tnLst>
+  </p:timing>
+</p:sld>
+</file>
+
+<file path=ppt/slides/slide6.xml><?xml version="1.0" encoding="utf-8"?>
 <p:sld xmlns:a="http://schemas.openxmlformats.org/drawingml/2006/main" xmlns:r="http://schemas.openxmlformats.org/officeDocument/2006/relationships" xmlns:p="http://schemas.openxmlformats.org/presentationml/2006/main">
   <p:cSld>
     <p:spTree>
@@ -9495,7 +11692,7 @@
     </p:spTree>
     <p:extLst>
       <p:ext uri="{BB962C8B-B14F-4D97-AF65-F5344CB8AC3E}">
-        <p14:creationId xmlns:p14="http://schemas.microsoft.com/office/powerpoint/2010/main" xmlns="" val="639367041"/>
+        <p14:creationId xmlns="" xmlns:p14="http://schemas.microsoft.com/office/powerpoint/2010/main" val="639367041"/>
       </p:ext>
     </p:extLst>
   </p:cSld>
@@ -11307,2057 +13504,6 @@
       <p:bldP spid="54" grpId="0" animBg="1"/>
       <p:bldP spid="54" grpId="1" animBg="1"/>
     </p:bldLst>
-  </p:timing>
-</p:sld>
-</file>
-
-<file path=ppt/slides/slide4.xml><?xml version="1.0" encoding="utf-8"?>
-<p:sld xmlns:a="http://schemas.openxmlformats.org/drawingml/2006/main" xmlns:r="http://schemas.openxmlformats.org/officeDocument/2006/relationships" xmlns:p="http://schemas.openxmlformats.org/presentationml/2006/main">
-  <p:cSld>
-    <p:spTree>
-      <p:nvGrpSpPr>
-        <p:cNvPr id="1" name=""/>
-        <p:cNvGrpSpPr/>
-        <p:nvPr/>
-      </p:nvGrpSpPr>
-      <p:grpSpPr>
-        <a:xfrm>
-          <a:off x="0" y="0"/>
-          <a:ext cx="0" cy="0"/>
-          <a:chOff x="0" y="0"/>
-          <a:chExt cx="0" cy="0"/>
-        </a:xfrm>
-      </p:grpSpPr>
-      <p:sp>
-        <p:nvSpPr>
-          <p:cNvPr id="2" name="Title 1"/>
-          <p:cNvSpPr>
-            <a:spLocks noGrp="1"/>
-          </p:cNvSpPr>
-          <p:nvPr>
-            <p:ph type="title"/>
-          </p:nvPr>
-        </p:nvSpPr>
-        <p:spPr>
-          <a:xfrm>
-            <a:off x="389436" y="228600"/>
-            <a:ext cx="8363938" cy="609398"/>
-          </a:xfrm>
-        </p:spPr>
-        <p:txBody>
-          <a:bodyPr>
-            <a:normAutofit fontScale="90000"/>
-          </a:bodyPr>
-          <a:lstStyle/>
-          <a:p>
-            <a:r>
-              <a:rPr lang="en-US" dirty="0" smtClean="0"/>
-              <a:t>Approach to the </a:t>
-            </a:r>
-            <a:r>
-              <a:rPr lang="en-US" dirty="0"/>
-              <a:t>CAP </a:t>
-            </a:r>
-            <a:r>
-              <a:rPr lang="en-US" dirty="0" smtClean="0"/>
-              <a:t>Theorem</a:t>
-            </a:r>
-            <a:endParaRPr lang="en-US" dirty="0"/>
-          </a:p>
-        </p:txBody>
-      </p:sp>
-      <p:sp>
-        <p:nvSpPr>
-          <p:cNvPr id="3" name="Content Placeholder 2"/>
-          <p:cNvSpPr>
-            <a:spLocks noGrp="1"/>
-          </p:cNvSpPr>
-          <p:nvPr>
-            <p:ph idx="1"/>
-          </p:nvPr>
-        </p:nvSpPr>
-        <p:spPr>
-          <a:xfrm>
-            <a:off x="213210" y="1204609"/>
-            <a:ext cx="8874587" cy="5261739"/>
-          </a:xfrm>
-        </p:spPr>
-        <p:txBody>
-          <a:bodyPr>
-            <a:normAutofit fontScale="92500" lnSpcReduction="10000"/>
-          </a:bodyPr>
-          <a:lstStyle/>
-          <a:p>
-            <a:r>
-              <a:rPr lang="en-US" sz="2400" dirty="0" smtClean="0"/>
-              <a:t>Layering and co-design provides </a:t>
-            </a:r>
-            <a:r>
-              <a:rPr lang="en-US" sz="2400" dirty="0"/>
-              <a:t>extra </a:t>
-            </a:r>
-            <a:r>
-              <a:rPr lang="en-US" sz="2400" dirty="0" smtClean="0"/>
-              <a:t>flexibility to achieve “C” and “A” at same time while being partition/failure tolerant for our fault model</a:t>
-            </a:r>
-            <a:endParaRPr lang="en-US" sz="2400" dirty="0"/>
-          </a:p>
-          <a:p>
-            <a:pPr lvl="1"/>
-            <a:r>
-              <a:rPr lang="en-US" sz="2400" dirty="0" smtClean="0"/>
-              <a:t>Stream Layer</a:t>
-            </a:r>
-          </a:p>
-          <a:p>
-            <a:pPr lvl="2"/>
-            <a:r>
-              <a:rPr lang="en-US" dirty="0" smtClean="0"/>
-              <a:t>Availability with Partition/failure tolerance</a:t>
-            </a:r>
-          </a:p>
-          <a:p>
-            <a:pPr lvl="2"/>
-            <a:r>
-              <a:rPr lang="en-US" dirty="0" smtClean="0"/>
-              <a:t>For Consistency, replicas are bit-wise identical up to the commit length</a:t>
-            </a:r>
-          </a:p>
-          <a:p>
-            <a:pPr lvl="1"/>
-            <a:r>
-              <a:rPr lang="en-US" sz="2400" dirty="0" smtClean="0"/>
-              <a:t>Partition Layer</a:t>
-            </a:r>
-          </a:p>
-          <a:p>
-            <a:pPr lvl="2"/>
-            <a:r>
-              <a:rPr lang="en-US" dirty="0" smtClean="0"/>
-              <a:t>Consistency with Partition/failure tolerance</a:t>
-            </a:r>
-          </a:p>
-          <a:p>
-            <a:pPr lvl="2"/>
-            <a:r>
-              <a:rPr lang="en-US" dirty="0" smtClean="0"/>
-              <a:t>For Availability, RangePartitions can be served by any partition server and are moved to available servers if a partition server fails</a:t>
-            </a:r>
-          </a:p>
-          <a:p>
-            <a:pPr lvl="1"/>
-            <a:endParaRPr lang="en-US" sz="2400" dirty="0"/>
-          </a:p>
-          <a:p>
-            <a:r>
-              <a:rPr lang="en-US" sz="2400" dirty="0"/>
-              <a:t>Designed </a:t>
-            </a:r>
-            <a:r>
-              <a:rPr lang="en-US" sz="2400" dirty="0" smtClean="0"/>
-              <a:t>for specific </a:t>
-            </a:r>
-            <a:r>
-              <a:rPr lang="en-US" sz="2400" dirty="0"/>
-              <a:t>classes of </a:t>
-            </a:r>
-            <a:r>
-              <a:rPr lang="en-US" sz="2400" dirty="0" smtClean="0"/>
-              <a:t>partitioning/failures </a:t>
-            </a:r>
-            <a:r>
-              <a:rPr lang="en-US" sz="2400" dirty="0"/>
-              <a:t>seen in </a:t>
-            </a:r>
-            <a:r>
-              <a:rPr lang="en-US" sz="2400" dirty="0" smtClean="0"/>
-              <a:t>practice</a:t>
-            </a:r>
-          </a:p>
-          <a:p>
-            <a:pPr lvl="1"/>
-            <a:r>
-              <a:rPr lang="en-US" sz="2400" dirty="0" smtClean="0"/>
-              <a:t>Process to Disk to Node to Rack failures/unresponsiveness</a:t>
-            </a:r>
-          </a:p>
-          <a:p>
-            <a:pPr lvl="1"/>
-            <a:r>
-              <a:rPr lang="en-US" sz="2400" dirty="0" smtClean="0"/>
-              <a:t>Node to Rack level network partitioning</a:t>
-            </a:r>
-          </a:p>
-        </p:txBody>
-      </p:sp>
-    </p:spTree>
-    <p:extLst>
-      <p:ext uri="{BB962C8B-B14F-4D97-AF65-F5344CB8AC3E}">
-        <p14:creationId xmlns:p14="http://schemas.microsoft.com/office/powerpoint/2010/main" xmlns="" val="2807808241"/>
-      </p:ext>
-    </p:extLst>
-  </p:cSld>
-  <p:clrMapOvr>
-    <a:masterClrMapping/>
-  </p:clrMapOvr>
-  <p:transition/>
-  <p:timing>
-    <p:tnLst>
-      <p:par>
-        <p:cTn id="1" dur="indefinite" restart="never" nodeType="tmRoot">
-          <p:childTnLst>
-            <p:seq concurrent="1" nextAc="seek">
-              <p:cTn id="2" dur="indefinite" nodeType="mainSeq">
-                <p:childTnLst>
-                  <p:par>
-                    <p:cTn id="3" fill="hold">
-                      <p:stCondLst>
-                        <p:cond delay="indefinite"/>
-                      </p:stCondLst>
-                      <p:childTnLst>
-                        <p:par>
-                          <p:cTn id="4" fill="hold">
-                            <p:stCondLst>
-                              <p:cond delay="0"/>
-                            </p:stCondLst>
-                            <p:childTnLst>
-                              <p:par>
-                                <p:cTn id="5" presetID="3" presetClass="entr" presetSubtype="10" fill="hold" nodeType="clickEffect">
-                                  <p:stCondLst>
-                                    <p:cond delay="0"/>
-                                  </p:stCondLst>
-                                  <p:childTnLst>
-                                    <p:set>
-                                      <p:cBhvr>
-                                        <p:cTn id="6" dur="1" fill="hold">
-                                          <p:stCondLst>
-                                            <p:cond delay="0"/>
-                                          </p:stCondLst>
-                                        </p:cTn>
-                                        <p:tgtEl>
-                                          <p:spTgt spid="3">
-                                            <p:txEl>
-                                              <p:pRg st="8" end="8"/>
-                                            </p:txEl>
-                                          </p:spTgt>
-                                        </p:tgtEl>
-                                        <p:attrNameLst>
-                                          <p:attrName>style.visibility</p:attrName>
-                                        </p:attrNameLst>
-                                      </p:cBhvr>
-                                      <p:to>
-                                        <p:strVal val="visible"/>
-                                      </p:to>
-                                    </p:set>
-                                    <p:animEffect transition="in" filter="blinds(horizontal)">
-                                      <p:cBhvr>
-                                        <p:cTn id="7" dur="500"/>
-                                        <p:tgtEl>
-                                          <p:spTgt spid="3">
-                                            <p:txEl>
-                                              <p:pRg st="8" end="8"/>
-                                            </p:txEl>
-                                          </p:spTgt>
-                                        </p:tgtEl>
-                                      </p:cBhvr>
-                                    </p:animEffect>
-                                  </p:childTnLst>
-                                </p:cTn>
-                              </p:par>
-                              <p:par>
-                                <p:cTn id="8" presetID="3" presetClass="entr" presetSubtype="10" fill="hold" nodeType="withEffect">
-                                  <p:stCondLst>
-                                    <p:cond delay="0"/>
-                                  </p:stCondLst>
-                                  <p:childTnLst>
-                                    <p:set>
-                                      <p:cBhvr>
-                                        <p:cTn id="9" dur="1" fill="hold">
-                                          <p:stCondLst>
-                                            <p:cond delay="0"/>
-                                          </p:stCondLst>
-                                        </p:cTn>
-                                        <p:tgtEl>
-                                          <p:spTgt spid="3">
-                                            <p:txEl>
-                                              <p:pRg st="9" end="9"/>
-                                            </p:txEl>
-                                          </p:spTgt>
-                                        </p:tgtEl>
-                                        <p:attrNameLst>
-                                          <p:attrName>style.visibility</p:attrName>
-                                        </p:attrNameLst>
-                                      </p:cBhvr>
-                                      <p:to>
-                                        <p:strVal val="visible"/>
-                                      </p:to>
-                                    </p:set>
-                                    <p:animEffect transition="in" filter="blinds(horizontal)">
-                                      <p:cBhvr>
-                                        <p:cTn id="10" dur="500"/>
-                                        <p:tgtEl>
-                                          <p:spTgt spid="3">
-                                            <p:txEl>
-                                              <p:pRg st="9" end="9"/>
-                                            </p:txEl>
-                                          </p:spTgt>
-                                        </p:tgtEl>
-                                      </p:cBhvr>
-                                    </p:animEffect>
-                                  </p:childTnLst>
-                                </p:cTn>
-                              </p:par>
-                              <p:par>
-                                <p:cTn id="11" presetID="3" presetClass="entr" presetSubtype="10" fill="hold" nodeType="withEffect">
-                                  <p:stCondLst>
-                                    <p:cond delay="0"/>
-                                  </p:stCondLst>
-                                  <p:childTnLst>
-                                    <p:set>
-                                      <p:cBhvr>
-                                        <p:cTn id="12" dur="1" fill="hold">
-                                          <p:stCondLst>
-                                            <p:cond delay="0"/>
-                                          </p:stCondLst>
-                                        </p:cTn>
-                                        <p:tgtEl>
-                                          <p:spTgt spid="3">
-                                            <p:txEl>
-                                              <p:pRg st="10" end="10"/>
-                                            </p:txEl>
-                                          </p:spTgt>
-                                        </p:tgtEl>
-                                        <p:attrNameLst>
-                                          <p:attrName>style.visibility</p:attrName>
-                                        </p:attrNameLst>
-                                      </p:cBhvr>
-                                      <p:to>
-                                        <p:strVal val="visible"/>
-                                      </p:to>
-                                    </p:set>
-                                    <p:animEffect transition="in" filter="blinds(horizontal)">
-                                      <p:cBhvr>
-                                        <p:cTn id="13" dur="500"/>
-                                        <p:tgtEl>
-                                          <p:spTgt spid="3">
-                                            <p:txEl>
-                                              <p:pRg st="10" end="10"/>
-                                            </p:txEl>
-                                          </p:spTgt>
-                                        </p:tgtEl>
-                                      </p:cBhvr>
-                                    </p:animEffect>
-                                  </p:childTnLst>
-                                </p:cTn>
-                              </p:par>
-                            </p:childTnLst>
-                          </p:cTn>
-                        </p:par>
-                      </p:childTnLst>
-                    </p:cTn>
-                  </p:par>
-                </p:childTnLst>
-              </p:cTn>
-              <p:prevCondLst>
-                <p:cond evt="onPrev" delay="0">
-                  <p:tgtEl>
-                    <p:sldTgt/>
-                  </p:tgtEl>
-                </p:cond>
-              </p:prevCondLst>
-              <p:nextCondLst>
-                <p:cond evt="onNext" delay="0">
-                  <p:tgtEl>
-                    <p:sldTgt/>
-                  </p:tgtEl>
-                </p:cond>
-              </p:nextCondLst>
-            </p:seq>
-          </p:childTnLst>
-        </p:cTn>
-      </p:par>
-    </p:tnLst>
-  </p:timing>
-</p:sld>
-</file>
-
-<file path=ppt/slides/slide5.xml><?xml version="1.0" encoding="utf-8"?>
-<p:sld xmlns:a="http://schemas.openxmlformats.org/drawingml/2006/main" xmlns:r="http://schemas.openxmlformats.org/officeDocument/2006/relationships" xmlns:p="http://schemas.openxmlformats.org/presentationml/2006/main">
-  <p:cSld>
-    <p:spTree>
-      <p:nvGrpSpPr>
-        <p:cNvPr id="1" name=""/>
-        <p:cNvGrpSpPr/>
-        <p:nvPr/>
-      </p:nvGrpSpPr>
-      <p:grpSpPr>
-        <a:xfrm>
-          <a:off x="0" y="0"/>
-          <a:ext cx="0" cy="0"/>
-          <a:chOff x="0" y="0"/>
-          <a:chExt cx="0" cy="0"/>
-        </a:xfrm>
-      </p:grpSpPr>
-      <p:sp>
-        <p:nvSpPr>
-          <p:cNvPr id="2" name="Title 1"/>
-          <p:cNvSpPr>
-            <a:spLocks noGrp="1"/>
-          </p:cNvSpPr>
-          <p:nvPr>
-            <p:ph type="title"/>
-          </p:nvPr>
-        </p:nvSpPr>
-        <p:spPr>
-          <a:xfrm>
-            <a:off x="389436" y="228600"/>
-            <a:ext cx="8363938" cy="609398"/>
-          </a:xfrm>
-        </p:spPr>
-        <p:txBody>
-          <a:bodyPr>
-            <a:normAutofit fontScale="90000"/>
-          </a:bodyPr>
-          <a:lstStyle/>
-          <a:p>
-            <a:r>
-              <a:rPr lang="en-US" dirty="0"/>
-              <a:t>Design Choices and Lessons Learned</a:t>
-            </a:r>
-          </a:p>
-        </p:txBody>
-      </p:sp>
-      <p:sp>
-        <p:nvSpPr>
-          <p:cNvPr id="3" name="Content Placeholder 2"/>
-          <p:cNvSpPr>
-            <a:spLocks noGrp="1"/>
-          </p:cNvSpPr>
-          <p:nvPr>
-            <p:ph idx="1"/>
-          </p:nvPr>
-        </p:nvSpPr>
-        <p:spPr>
-          <a:xfrm>
-            <a:off x="213210" y="1204609"/>
-            <a:ext cx="4282590" cy="5261739"/>
-          </a:xfrm>
-        </p:spPr>
-        <p:txBody>
-          <a:bodyPr>
-            <a:normAutofit/>
-          </a:bodyPr>
-          <a:lstStyle/>
-          <a:p>
-            <a:r>
-              <a:rPr lang="en-US" sz="1800" b="1" dirty="0" smtClean="0"/>
-              <a:t>Append-only System</a:t>
-            </a:r>
-          </a:p>
-          <a:p>
-            <a:pPr lvl="1"/>
-            <a:r>
-              <a:rPr lang="en-US" sz="1800" dirty="0" smtClean="0">
-                <a:solidFill>
-                  <a:schemeClr val="accent1">
-                    <a:lumMod val="75000"/>
-                  </a:schemeClr>
-                </a:solidFill>
-              </a:rPr>
-              <a:t>Greatly simplifies replication protocol</a:t>
-            </a:r>
-            <a:r>
-              <a:rPr lang="en-US" altLang="zh-CN" sz="1800" dirty="0" smtClean="0">
-                <a:solidFill>
-                  <a:schemeClr val="accent1">
-                    <a:lumMod val="75000"/>
-                  </a:schemeClr>
-                </a:solidFill>
-              </a:rPr>
-              <a:t>, </a:t>
-            </a:r>
-            <a:r>
-              <a:rPr lang="en-US" sz="1800" dirty="0" smtClean="0">
-                <a:solidFill>
-                  <a:schemeClr val="accent1">
-                    <a:lumMod val="75000"/>
-                  </a:schemeClr>
-                </a:solidFill>
-              </a:rPr>
-              <a:t>failure handling</a:t>
-            </a:r>
-            <a:r>
-              <a:rPr lang="en-US" altLang="zh-CN" sz="1800" dirty="0" smtClean="0">
-                <a:solidFill>
-                  <a:schemeClr val="accent1">
-                    <a:lumMod val="75000"/>
-                  </a:schemeClr>
-                </a:solidFill>
-              </a:rPr>
-              <a:t>, repairing </a:t>
-            </a:r>
-          </a:p>
-          <a:p>
-            <a:pPr lvl="1"/>
-            <a:r>
-              <a:rPr lang="en-US" sz="1800" dirty="0" smtClean="0">
-                <a:solidFill>
-                  <a:srgbClr val="C00000"/>
-                </a:solidFill>
-              </a:rPr>
-              <a:t>Tradeoff: GC overhead</a:t>
-            </a:r>
-            <a:endParaRPr lang="en-US" sz="1800" dirty="0" smtClean="0"/>
-          </a:p>
-          <a:p>
-            <a:r>
-              <a:rPr lang="en-US" sz="1800" b="1" dirty="0" smtClean="0">
-                <a:solidFill>
-                  <a:schemeClr val="tx1"/>
-                </a:solidFill>
-              </a:rPr>
-              <a:t>Multi</a:t>
-            </a:r>
-            <a:r>
-              <a:rPr lang="en-US" altLang="zh-CN" sz="1800" b="1" dirty="0" smtClean="0">
-                <a:solidFill>
-                  <a:schemeClr val="tx1"/>
-                </a:solidFill>
-              </a:rPr>
-              <a:t>-Data </a:t>
-            </a:r>
-            <a:r>
-              <a:rPr lang="en-US" altLang="zh-CN" sz="1800" b="1" dirty="0" smtClean="0"/>
-              <a:t>abstraction from single stack</a:t>
-            </a:r>
-            <a:endParaRPr lang="en-US" altLang="zh-CN" sz="1800" b="1" dirty="0"/>
-          </a:p>
-          <a:p>
-            <a:pPr lvl="1"/>
-            <a:r>
-              <a:rPr lang="en-US" sz="1800" dirty="0" smtClean="0">
-                <a:solidFill>
-                  <a:schemeClr val="accent1">
-                    <a:lumMod val="75000"/>
-                  </a:schemeClr>
-                </a:solidFill>
-              </a:rPr>
-              <a:t>Simplifies hardware management</a:t>
-            </a:r>
-          </a:p>
-          <a:p>
-            <a:pPr lvl="1"/>
-            <a:r>
-              <a:rPr lang="en-US" sz="1800" dirty="0" smtClean="0">
-                <a:solidFill>
-                  <a:srgbClr val="C00000"/>
-                </a:solidFill>
-              </a:rPr>
-              <a:t>Tradeoff: single stack is not optimized for specific workload pattern</a:t>
-            </a:r>
-          </a:p>
-          <a:p>
-            <a:r>
-              <a:rPr lang="en-US" sz="1800" b="1" dirty="0" smtClean="0"/>
-              <a:t>Scaling Compute Separate from Storage</a:t>
-            </a:r>
-          </a:p>
-          <a:p>
-            <a:pPr lvl="1"/>
-            <a:r>
-              <a:rPr lang="en-US" sz="1800" dirty="0" smtClean="0">
-                <a:solidFill>
-                  <a:schemeClr val="accent1">
-                    <a:lumMod val="75000"/>
-                  </a:schemeClr>
-                </a:solidFill>
-              </a:rPr>
-              <a:t>Allows each to be scaled separately</a:t>
-            </a:r>
-          </a:p>
-          <a:p>
-            <a:pPr lvl="1"/>
-            <a:r>
-              <a:rPr lang="en-US" sz="1800" dirty="0" smtClean="0">
-                <a:solidFill>
-                  <a:srgbClr val="C00000"/>
-                </a:solidFill>
-              </a:rPr>
-              <a:t>Tradeoff: </a:t>
-            </a:r>
-            <a:r>
-              <a:rPr lang="en-US" sz="1800" dirty="0" smtClean="0">
-                <a:solidFill>
-                  <a:srgbClr val="C00000"/>
-                </a:solidFill>
-              </a:rPr>
-              <a:t>Latency </a:t>
-            </a:r>
-            <a:r>
-              <a:rPr lang="en-US" sz="1800" dirty="0" smtClean="0">
-                <a:solidFill>
-                  <a:srgbClr val="C00000"/>
-                </a:solidFill>
-              </a:rPr>
-              <a:t>to/from storage</a:t>
-            </a:r>
-          </a:p>
-          <a:p>
-            <a:endParaRPr lang="en-US" sz="1800" b="1" dirty="0"/>
-          </a:p>
-          <a:p>
-            <a:endParaRPr lang="en-US" sz="1200" b="1" dirty="0" smtClean="0"/>
-          </a:p>
-        </p:txBody>
-      </p:sp>
-      <p:sp>
-        <p:nvSpPr>
-          <p:cNvPr id="4" name="Content Placeholder 2"/>
-          <p:cNvSpPr txBox="1">
-            <a:spLocks/>
-          </p:cNvSpPr>
-          <p:nvPr/>
-        </p:nvSpPr>
-        <p:spPr>
-          <a:xfrm>
-            <a:off x="4572000" y="1143000"/>
-            <a:ext cx="4267200" cy="5261739"/>
-          </a:xfrm>
-          <a:prstGeom prst="rect">
-            <a:avLst/>
-          </a:prstGeom>
-        </p:spPr>
-        <p:txBody>
-          <a:bodyPr vert="horz" lIns="91440" tIns="45720" rIns="91440" bIns="45720" rtlCol="0">
-            <a:normAutofit/>
-          </a:bodyPr>
-          <a:lstStyle/>
-          <a:p>
-            <a:pPr marL="342900" lvl="0" indent="-342900">
-              <a:spcBef>
-                <a:spcPct val="20000"/>
-              </a:spcBef>
-              <a:buFont typeface="Arial" pitchFamily="34" charset="0"/>
-              <a:buChar char="•"/>
-            </a:pPr>
-            <a:r>
-              <a:rPr lang="en-US" sz="2000" b="1" dirty="0"/>
-              <a:t>Automatic load balancing</a:t>
-            </a:r>
-          </a:p>
-          <a:p>
-            <a:pPr marL="742950" lvl="1" indent="-285750">
-              <a:spcBef>
-                <a:spcPct val="20000"/>
-              </a:spcBef>
-              <a:buFont typeface="Arial" pitchFamily="34" charset="0"/>
-              <a:buChar char="–"/>
-            </a:pPr>
-            <a:r>
-              <a:rPr lang="en-US" sz="2000" dirty="0">
-                <a:solidFill>
-                  <a:schemeClr val="accent1">
-                    <a:lumMod val="75000"/>
-                  </a:schemeClr>
-                </a:solidFill>
-              </a:rPr>
-              <a:t>adapt to various traffic conditions </a:t>
-            </a:r>
-            <a:endParaRPr lang="en-US" sz="2000" dirty="0" smtClean="0">
-              <a:solidFill>
-                <a:schemeClr val="accent1">
-                  <a:lumMod val="75000"/>
-                </a:schemeClr>
-              </a:solidFill>
-            </a:endParaRPr>
-          </a:p>
-          <a:p>
-            <a:pPr marL="742950" lvl="1" indent="-285750">
-              <a:spcBef>
-                <a:spcPct val="20000"/>
-              </a:spcBef>
-              <a:buFont typeface="Arial" pitchFamily="34" charset="0"/>
-              <a:buChar char="–"/>
-            </a:pPr>
-            <a:r>
-              <a:rPr kumimoji="0" lang="en-US" sz="2000" b="0" i="0" u="none" strike="noStrike" kern="1200" cap="none" spc="0" normalizeH="0" baseline="0" noProof="0" dirty="0" smtClean="0">
-                <a:ln>
-                  <a:noFill/>
-                </a:ln>
-                <a:solidFill>
-                  <a:srgbClr val="C00000"/>
-                </a:solidFill>
-                <a:effectLst/>
-                <a:uLnTx/>
-                <a:uFillTx/>
-                <a:latin typeface="+mn-lt"/>
-                <a:ea typeface="+mn-ea"/>
-                <a:cs typeface="+mn-cs"/>
-              </a:rPr>
-              <a:t>Tradeoff</a:t>
-            </a:r>
-            <a:r>
-              <a:rPr lang="en-US" sz="2000" dirty="0">
-                <a:solidFill>
-                  <a:srgbClr val="C00000"/>
-                </a:solidFill>
-              </a:rPr>
-              <a:t>: Need to tune based on many </a:t>
-            </a:r>
-            <a:r>
-              <a:rPr lang="en-US" sz="2000" dirty="0" smtClean="0">
-                <a:solidFill>
-                  <a:srgbClr val="C00000"/>
-                </a:solidFill>
-              </a:rPr>
-              <a:t>dimensions</a:t>
-            </a:r>
-            <a:endParaRPr kumimoji="0" lang="en-US" sz="2000" b="0" i="0" u="none" strike="noStrike" kern="1200" cap="none" spc="0" normalizeH="0" baseline="0" noProof="0" dirty="0" smtClean="0">
-              <a:ln>
-                <a:noFill/>
-              </a:ln>
-              <a:solidFill>
-                <a:schemeClr val="tx1"/>
-              </a:solidFill>
-              <a:effectLst/>
-              <a:uLnTx/>
-              <a:uFillTx/>
-              <a:latin typeface="+mn-lt"/>
-              <a:ea typeface="+mn-ea"/>
-              <a:cs typeface="+mn-cs"/>
-            </a:endParaRPr>
-          </a:p>
-          <a:p>
-            <a:pPr marL="342900" lvl="0" indent="-342900">
-              <a:spcBef>
-                <a:spcPct val="20000"/>
-              </a:spcBef>
-              <a:buFont typeface="Arial" pitchFamily="34" charset="0"/>
-              <a:buChar char="•"/>
-            </a:pPr>
-            <a:r>
-              <a:rPr lang="en-US" sz="2000" b="1" dirty="0"/>
-              <a:t>Achieving consistently low append </a:t>
-            </a:r>
-            <a:r>
-              <a:rPr lang="en-US" sz="2000" b="1" dirty="0" smtClean="0"/>
-              <a:t>latencies</a:t>
-            </a:r>
-            <a:endParaRPr kumimoji="0" lang="en-US" altLang="zh-CN" sz="2000" b="1" i="0" u="none" strike="noStrike" kern="1200" cap="none" spc="0" normalizeH="0" baseline="0" noProof="0" dirty="0" smtClean="0">
-              <a:ln>
-                <a:noFill/>
-              </a:ln>
-              <a:solidFill>
-                <a:schemeClr val="tx1"/>
-              </a:solidFill>
-              <a:effectLst/>
-              <a:uLnTx/>
-              <a:uFillTx/>
-              <a:latin typeface="+mn-lt"/>
-              <a:ea typeface="+mn-ea"/>
-              <a:cs typeface="+mn-cs"/>
-            </a:endParaRPr>
-          </a:p>
-          <a:p>
-            <a:pPr marL="742950" lvl="1" indent="-285750">
-              <a:spcBef>
-                <a:spcPct val="20000"/>
-              </a:spcBef>
-              <a:buFont typeface="Arial" pitchFamily="34" charset="0"/>
-              <a:buChar char="–"/>
-            </a:pPr>
-            <a:r>
-              <a:rPr lang="en-US" sz="2000" dirty="0">
-                <a:solidFill>
-                  <a:schemeClr val="accent1">
-                    <a:lumMod val="75000"/>
-                  </a:schemeClr>
-                </a:solidFill>
-              </a:rPr>
-              <a:t>using journaling</a:t>
-            </a:r>
-            <a:endParaRPr kumimoji="0" lang="en-US" sz="2000" b="0" i="0" u="none" strike="noStrike" kern="1200" cap="none" spc="0" normalizeH="0" baseline="0" noProof="0" dirty="0" smtClean="0">
-              <a:ln>
-                <a:noFill/>
-              </a:ln>
-              <a:solidFill>
-                <a:schemeClr val="accent1">
-                  <a:lumMod val="75000"/>
-                </a:schemeClr>
-              </a:solidFill>
-              <a:effectLst/>
-              <a:uLnTx/>
-              <a:uFillTx/>
-              <a:latin typeface="+mn-lt"/>
-              <a:ea typeface="+mn-ea"/>
-              <a:cs typeface="+mn-cs"/>
-            </a:endParaRPr>
-          </a:p>
-          <a:p>
-            <a:pPr marL="742950" marR="0" lvl="1" indent="-285750" algn="l" defTabSz="914400" rtl="0" eaLnBrk="1" fontAlgn="auto" latinLnBrk="0" hangingPunct="1">
-              <a:lnSpc>
-                <a:spcPct val="100000"/>
-              </a:lnSpc>
-              <a:spcBef>
-                <a:spcPct val="20000"/>
-              </a:spcBef>
-              <a:spcAft>
-                <a:spcPts val="0"/>
-              </a:spcAft>
-              <a:buClrTx/>
-              <a:buSzTx/>
-              <a:buFont typeface="Arial" pitchFamily="34" charset="0"/>
-              <a:buChar char="–"/>
-              <a:tabLst/>
-              <a:defRPr/>
-            </a:pPr>
-            <a:r>
-              <a:rPr kumimoji="0" lang="en-US" sz="2000" b="0" i="0" u="none" strike="noStrike" kern="1200" cap="none" spc="0" normalizeH="0" baseline="0" noProof="0" dirty="0" smtClean="0">
-                <a:ln>
-                  <a:noFill/>
-                </a:ln>
-                <a:solidFill>
-                  <a:srgbClr val="C00000"/>
-                </a:solidFill>
-                <a:effectLst/>
-                <a:uLnTx/>
-                <a:uFillTx/>
-                <a:latin typeface="+mn-lt"/>
-                <a:ea typeface="+mn-ea"/>
-                <a:cs typeface="+mn-cs"/>
-              </a:rPr>
-              <a:t>Tradeoff: extra disk</a:t>
-            </a:r>
-            <a:r>
-              <a:rPr kumimoji="0" lang="en-US" sz="2000" b="0" i="0" u="none" strike="noStrike" kern="1200" cap="none" spc="0" normalizeH="0" noProof="0" dirty="0" smtClean="0">
-                <a:ln>
-                  <a:noFill/>
-                </a:ln>
-                <a:solidFill>
-                  <a:srgbClr val="C00000"/>
-                </a:solidFill>
-                <a:effectLst/>
-                <a:uLnTx/>
-                <a:uFillTx/>
-                <a:latin typeface="+mn-lt"/>
-                <a:ea typeface="+mn-ea"/>
-                <a:cs typeface="+mn-cs"/>
-              </a:rPr>
-              <a:t> drive or SSD</a:t>
-            </a:r>
-            <a:r>
-              <a:rPr kumimoji="0" lang="en-US" altLang="zh-CN" sz="2000" b="0" i="0" u="none" strike="noStrike" kern="1200" cap="none" spc="0" normalizeH="0" noProof="0" dirty="0" smtClean="0">
-                <a:ln>
-                  <a:noFill/>
-                </a:ln>
-                <a:solidFill>
-                  <a:srgbClr val="C00000"/>
-                </a:solidFill>
-                <a:effectLst/>
-                <a:uLnTx/>
-                <a:uFillTx/>
-                <a:latin typeface="+mn-lt"/>
-                <a:ea typeface="+mn-ea"/>
-                <a:cs typeface="+mn-cs"/>
-              </a:rPr>
-              <a:t>, extra writing</a:t>
-            </a:r>
-            <a:endParaRPr kumimoji="0" lang="en-US" sz="2000" b="0" i="0" u="none" strike="noStrike" kern="1200" cap="none" spc="0" normalizeH="0" baseline="0" noProof="0" dirty="0" smtClean="0">
-              <a:ln>
-                <a:noFill/>
-              </a:ln>
-              <a:solidFill>
-                <a:srgbClr val="C00000"/>
-              </a:solidFill>
-              <a:effectLst/>
-              <a:uLnTx/>
-              <a:uFillTx/>
-              <a:latin typeface="+mn-lt"/>
-              <a:ea typeface="+mn-ea"/>
-              <a:cs typeface="+mn-cs"/>
-            </a:endParaRPr>
-          </a:p>
-        </p:txBody>
-      </p:sp>
-    </p:spTree>
-    <p:extLst>
-      <p:ext uri="{BB962C8B-B14F-4D97-AF65-F5344CB8AC3E}">
-        <p14:creationId xmlns:p14="http://schemas.microsoft.com/office/powerpoint/2010/main" xmlns="" val="2807808241"/>
-      </p:ext>
-    </p:extLst>
-  </p:cSld>
-  <p:clrMapOvr>
-    <a:masterClrMapping/>
-  </p:clrMapOvr>
-  <p:transition/>
-  <p:timing>
-    <p:tnLst>
-      <p:par>
-        <p:cTn id="1" dur="indefinite" restart="never" nodeType="tmRoot">
-          <p:childTnLst>
-            <p:seq concurrent="1" nextAc="seek">
-              <p:cTn id="2" dur="indefinite" nodeType="mainSeq">
-                <p:childTnLst>
-                  <p:par>
-                    <p:cTn id="3" fill="hold">
-                      <p:stCondLst>
-                        <p:cond delay="indefinite"/>
-                      </p:stCondLst>
-                      <p:childTnLst>
-                        <p:par>
-                          <p:cTn id="4" fill="hold">
-                            <p:stCondLst>
-                              <p:cond delay="0"/>
-                            </p:stCondLst>
-                            <p:childTnLst>
-                              <p:par>
-                                <p:cTn id="5" presetID="4" presetClass="entr" presetSubtype="16" fill="hold" nodeType="clickEffect">
-                                  <p:stCondLst>
-                                    <p:cond delay="0"/>
-                                  </p:stCondLst>
-                                  <p:childTnLst>
-                                    <p:set>
-                                      <p:cBhvr>
-                                        <p:cTn id="6" dur="1" fill="hold">
-                                          <p:stCondLst>
-                                            <p:cond delay="0"/>
-                                          </p:stCondLst>
-                                        </p:cTn>
-                                        <p:tgtEl>
-                                          <p:spTgt spid="3">
-                                            <p:txEl>
-                                              <p:pRg st="3" end="3"/>
-                                            </p:txEl>
-                                          </p:spTgt>
-                                        </p:tgtEl>
-                                        <p:attrNameLst>
-                                          <p:attrName>style.visibility</p:attrName>
-                                        </p:attrNameLst>
-                                      </p:cBhvr>
-                                      <p:to>
-                                        <p:strVal val="visible"/>
-                                      </p:to>
-                                    </p:set>
-                                    <p:animEffect transition="in" filter="box(in)">
-                                      <p:cBhvr>
-                                        <p:cTn id="7" dur="500"/>
-                                        <p:tgtEl>
-                                          <p:spTgt spid="3">
-                                            <p:txEl>
-                                              <p:pRg st="3" end="3"/>
-                                            </p:txEl>
-                                          </p:spTgt>
-                                        </p:tgtEl>
-                                      </p:cBhvr>
-                                    </p:animEffect>
-                                  </p:childTnLst>
-                                </p:cTn>
-                              </p:par>
-                              <p:par>
-                                <p:cTn id="8" presetID="4" presetClass="entr" presetSubtype="16" fill="hold" nodeType="withEffect">
-                                  <p:stCondLst>
-                                    <p:cond delay="0"/>
-                                  </p:stCondLst>
-                                  <p:childTnLst>
-                                    <p:set>
-                                      <p:cBhvr>
-                                        <p:cTn id="9" dur="1" fill="hold">
-                                          <p:stCondLst>
-                                            <p:cond delay="0"/>
-                                          </p:stCondLst>
-                                        </p:cTn>
-                                        <p:tgtEl>
-                                          <p:spTgt spid="3">
-                                            <p:txEl>
-                                              <p:pRg st="4" end="4"/>
-                                            </p:txEl>
-                                          </p:spTgt>
-                                        </p:tgtEl>
-                                        <p:attrNameLst>
-                                          <p:attrName>style.visibility</p:attrName>
-                                        </p:attrNameLst>
-                                      </p:cBhvr>
-                                      <p:to>
-                                        <p:strVal val="visible"/>
-                                      </p:to>
-                                    </p:set>
-                                    <p:animEffect transition="in" filter="box(in)">
-                                      <p:cBhvr>
-                                        <p:cTn id="10" dur="500"/>
-                                        <p:tgtEl>
-                                          <p:spTgt spid="3">
-                                            <p:txEl>
-                                              <p:pRg st="4" end="4"/>
-                                            </p:txEl>
-                                          </p:spTgt>
-                                        </p:tgtEl>
-                                      </p:cBhvr>
-                                    </p:animEffect>
-                                  </p:childTnLst>
-                                </p:cTn>
-                              </p:par>
-                              <p:par>
-                                <p:cTn id="11" presetID="4" presetClass="entr" presetSubtype="16" fill="hold" nodeType="withEffect">
-                                  <p:stCondLst>
-                                    <p:cond delay="0"/>
-                                  </p:stCondLst>
-                                  <p:childTnLst>
-                                    <p:set>
-                                      <p:cBhvr>
-                                        <p:cTn id="12" dur="1" fill="hold">
-                                          <p:stCondLst>
-                                            <p:cond delay="0"/>
-                                          </p:stCondLst>
-                                        </p:cTn>
-                                        <p:tgtEl>
-                                          <p:spTgt spid="3">
-                                            <p:txEl>
-                                              <p:pRg st="5" end="5"/>
-                                            </p:txEl>
-                                          </p:spTgt>
-                                        </p:tgtEl>
-                                        <p:attrNameLst>
-                                          <p:attrName>style.visibility</p:attrName>
-                                        </p:attrNameLst>
-                                      </p:cBhvr>
-                                      <p:to>
-                                        <p:strVal val="visible"/>
-                                      </p:to>
-                                    </p:set>
-                                    <p:animEffect transition="in" filter="box(in)">
-                                      <p:cBhvr>
-                                        <p:cTn id="13" dur="500"/>
-                                        <p:tgtEl>
-                                          <p:spTgt spid="3">
-                                            <p:txEl>
-                                              <p:pRg st="5" end="5"/>
-                                            </p:txEl>
-                                          </p:spTgt>
-                                        </p:tgtEl>
-                                      </p:cBhvr>
-                                    </p:animEffect>
-                                  </p:childTnLst>
-                                </p:cTn>
-                              </p:par>
-                            </p:childTnLst>
-                          </p:cTn>
-                        </p:par>
-                      </p:childTnLst>
-                    </p:cTn>
-                  </p:par>
-                  <p:par>
-                    <p:cTn id="14" fill="hold">
-                      <p:stCondLst>
-                        <p:cond delay="indefinite"/>
-                      </p:stCondLst>
-                      <p:childTnLst>
-                        <p:par>
-                          <p:cTn id="15" fill="hold">
-                            <p:stCondLst>
-                              <p:cond delay="0"/>
-                            </p:stCondLst>
-                            <p:childTnLst>
-                              <p:par>
-                                <p:cTn id="16" presetID="8" presetClass="entr" presetSubtype="16" fill="hold" nodeType="clickEffect">
-                                  <p:stCondLst>
-                                    <p:cond delay="0"/>
-                                  </p:stCondLst>
-                                  <p:childTnLst>
-                                    <p:set>
-                                      <p:cBhvr>
-                                        <p:cTn id="17" dur="1" fill="hold">
-                                          <p:stCondLst>
-                                            <p:cond delay="0"/>
-                                          </p:stCondLst>
-                                        </p:cTn>
-                                        <p:tgtEl>
-                                          <p:spTgt spid="3">
-                                            <p:txEl>
-                                              <p:pRg st="6" end="6"/>
-                                            </p:txEl>
-                                          </p:spTgt>
-                                        </p:tgtEl>
-                                        <p:attrNameLst>
-                                          <p:attrName>style.visibility</p:attrName>
-                                        </p:attrNameLst>
-                                      </p:cBhvr>
-                                      <p:to>
-                                        <p:strVal val="visible"/>
-                                      </p:to>
-                                    </p:set>
-                                    <p:animEffect transition="in" filter="diamond(in)">
-                                      <p:cBhvr>
-                                        <p:cTn id="18" dur="2000"/>
-                                        <p:tgtEl>
-                                          <p:spTgt spid="3">
-                                            <p:txEl>
-                                              <p:pRg st="6" end="6"/>
-                                            </p:txEl>
-                                          </p:spTgt>
-                                        </p:tgtEl>
-                                      </p:cBhvr>
-                                    </p:animEffect>
-                                  </p:childTnLst>
-                                </p:cTn>
-                              </p:par>
-                              <p:par>
-                                <p:cTn id="19" presetID="8" presetClass="entr" presetSubtype="16" fill="hold" nodeType="withEffect">
-                                  <p:stCondLst>
-                                    <p:cond delay="0"/>
-                                  </p:stCondLst>
-                                  <p:childTnLst>
-                                    <p:set>
-                                      <p:cBhvr>
-                                        <p:cTn id="20" dur="1" fill="hold">
-                                          <p:stCondLst>
-                                            <p:cond delay="0"/>
-                                          </p:stCondLst>
-                                        </p:cTn>
-                                        <p:tgtEl>
-                                          <p:spTgt spid="3">
-                                            <p:txEl>
-                                              <p:pRg st="7" end="7"/>
-                                            </p:txEl>
-                                          </p:spTgt>
-                                        </p:tgtEl>
-                                        <p:attrNameLst>
-                                          <p:attrName>style.visibility</p:attrName>
-                                        </p:attrNameLst>
-                                      </p:cBhvr>
-                                      <p:to>
-                                        <p:strVal val="visible"/>
-                                      </p:to>
-                                    </p:set>
-                                    <p:animEffect transition="in" filter="diamond(in)">
-                                      <p:cBhvr>
-                                        <p:cTn id="21" dur="2000"/>
-                                        <p:tgtEl>
-                                          <p:spTgt spid="3">
-                                            <p:txEl>
-                                              <p:pRg st="7" end="7"/>
-                                            </p:txEl>
-                                          </p:spTgt>
-                                        </p:tgtEl>
-                                      </p:cBhvr>
-                                    </p:animEffect>
-                                  </p:childTnLst>
-                                </p:cTn>
-                              </p:par>
-                              <p:par>
-                                <p:cTn id="22" presetID="8" presetClass="entr" presetSubtype="16" fill="hold" nodeType="withEffect">
-                                  <p:stCondLst>
-                                    <p:cond delay="0"/>
-                                  </p:stCondLst>
-                                  <p:childTnLst>
-                                    <p:set>
-                                      <p:cBhvr>
-                                        <p:cTn id="23" dur="1" fill="hold">
-                                          <p:stCondLst>
-                                            <p:cond delay="0"/>
-                                          </p:stCondLst>
-                                        </p:cTn>
-                                        <p:tgtEl>
-                                          <p:spTgt spid="3">
-                                            <p:txEl>
-                                              <p:pRg st="8" end="8"/>
-                                            </p:txEl>
-                                          </p:spTgt>
-                                        </p:tgtEl>
-                                        <p:attrNameLst>
-                                          <p:attrName>style.visibility</p:attrName>
-                                        </p:attrNameLst>
-                                      </p:cBhvr>
-                                      <p:to>
-                                        <p:strVal val="visible"/>
-                                      </p:to>
-                                    </p:set>
-                                    <p:animEffect transition="in" filter="diamond(in)">
-                                      <p:cBhvr>
-                                        <p:cTn id="24" dur="2000"/>
-                                        <p:tgtEl>
-                                          <p:spTgt spid="3">
-                                            <p:txEl>
-                                              <p:pRg st="8" end="8"/>
-                                            </p:txEl>
-                                          </p:spTgt>
-                                        </p:tgtEl>
-                                      </p:cBhvr>
-                                    </p:animEffect>
-                                  </p:childTnLst>
-                                </p:cTn>
-                              </p:par>
-                            </p:childTnLst>
-                          </p:cTn>
-                        </p:par>
-                      </p:childTnLst>
-                    </p:cTn>
-                  </p:par>
-                  <p:par>
-                    <p:cTn id="25" fill="hold">
-                      <p:stCondLst>
-                        <p:cond delay="indefinite"/>
-                      </p:stCondLst>
-                      <p:childTnLst>
-                        <p:par>
-                          <p:cTn id="26" fill="hold">
-                            <p:stCondLst>
-                              <p:cond delay="0"/>
-                            </p:stCondLst>
-                            <p:childTnLst>
-                              <p:par>
-                                <p:cTn id="27" presetID="2" presetClass="entr" presetSubtype="4" fill="hold" nodeType="clickEffect">
-                                  <p:stCondLst>
-                                    <p:cond delay="0"/>
-                                  </p:stCondLst>
-                                  <p:childTnLst>
-                                    <p:set>
-                                      <p:cBhvr>
-                                        <p:cTn id="28" dur="1" fill="hold">
-                                          <p:stCondLst>
-                                            <p:cond delay="0"/>
-                                          </p:stCondLst>
-                                        </p:cTn>
-                                        <p:tgtEl>
-                                          <p:spTgt spid="4">
-                                            <p:txEl>
-                                              <p:pRg st="0" end="0"/>
-                                            </p:txEl>
-                                          </p:spTgt>
-                                        </p:tgtEl>
-                                        <p:attrNameLst>
-                                          <p:attrName>style.visibility</p:attrName>
-                                        </p:attrNameLst>
-                                      </p:cBhvr>
-                                      <p:to>
-                                        <p:strVal val="visible"/>
-                                      </p:to>
-                                    </p:set>
-                                    <p:anim calcmode="lin" valueType="num">
-                                      <p:cBhvr additive="base">
-                                        <p:cTn id="29" dur="500" fill="hold"/>
-                                        <p:tgtEl>
-                                          <p:spTgt spid="4">
-                                            <p:txEl>
-                                              <p:pRg st="0" end="0"/>
-                                            </p:txEl>
-                                          </p:spTgt>
-                                        </p:tgtEl>
-                                        <p:attrNameLst>
-                                          <p:attrName>ppt_x</p:attrName>
-                                        </p:attrNameLst>
-                                      </p:cBhvr>
-                                      <p:tavLst>
-                                        <p:tav tm="0">
-                                          <p:val>
-                                            <p:strVal val="#ppt_x"/>
-                                          </p:val>
-                                        </p:tav>
-                                        <p:tav tm="100000">
-                                          <p:val>
-                                            <p:strVal val="#ppt_x"/>
-                                          </p:val>
-                                        </p:tav>
-                                      </p:tavLst>
-                                    </p:anim>
-                                    <p:anim calcmode="lin" valueType="num">
-                                      <p:cBhvr additive="base">
-                                        <p:cTn id="30" dur="500" fill="hold"/>
-                                        <p:tgtEl>
-                                          <p:spTgt spid="4">
-                                            <p:txEl>
-                                              <p:pRg st="0" end="0"/>
-                                            </p:txEl>
-                                          </p:spTgt>
-                                        </p:tgtEl>
-                                        <p:attrNameLst>
-                                          <p:attrName>ppt_y</p:attrName>
-                                        </p:attrNameLst>
-                                      </p:cBhvr>
-                                      <p:tavLst>
-                                        <p:tav tm="0">
-                                          <p:val>
-                                            <p:strVal val="1+#ppt_h/2"/>
-                                          </p:val>
-                                        </p:tav>
-                                        <p:tav tm="100000">
-                                          <p:val>
-                                            <p:strVal val="#ppt_y"/>
-                                          </p:val>
-                                        </p:tav>
-                                      </p:tavLst>
-                                    </p:anim>
-                                  </p:childTnLst>
-                                </p:cTn>
-                              </p:par>
-                              <p:par>
-                                <p:cTn id="31" presetID="2" presetClass="entr" presetSubtype="4" fill="hold" nodeType="withEffect">
-                                  <p:stCondLst>
-                                    <p:cond delay="0"/>
-                                  </p:stCondLst>
-                                  <p:childTnLst>
-                                    <p:set>
-                                      <p:cBhvr>
-                                        <p:cTn id="32" dur="1" fill="hold">
-                                          <p:stCondLst>
-                                            <p:cond delay="0"/>
-                                          </p:stCondLst>
-                                        </p:cTn>
-                                        <p:tgtEl>
-                                          <p:spTgt spid="4">
-                                            <p:txEl>
-                                              <p:pRg st="1" end="1"/>
-                                            </p:txEl>
-                                          </p:spTgt>
-                                        </p:tgtEl>
-                                        <p:attrNameLst>
-                                          <p:attrName>style.visibility</p:attrName>
-                                        </p:attrNameLst>
-                                      </p:cBhvr>
-                                      <p:to>
-                                        <p:strVal val="visible"/>
-                                      </p:to>
-                                    </p:set>
-                                    <p:anim calcmode="lin" valueType="num">
-                                      <p:cBhvr additive="base">
-                                        <p:cTn id="33" dur="500" fill="hold"/>
-                                        <p:tgtEl>
-                                          <p:spTgt spid="4">
-                                            <p:txEl>
-                                              <p:pRg st="1" end="1"/>
-                                            </p:txEl>
-                                          </p:spTgt>
-                                        </p:tgtEl>
-                                        <p:attrNameLst>
-                                          <p:attrName>ppt_x</p:attrName>
-                                        </p:attrNameLst>
-                                      </p:cBhvr>
-                                      <p:tavLst>
-                                        <p:tav tm="0">
-                                          <p:val>
-                                            <p:strVal val="#ppt_x"/>
-                                          </p:val>
-                                        </p:tav>
-                                        <p:tav tm="100000">
-                                          <p:val>
-                                            <p:strVal val="#ppt_x"/>
-                                          </p:val>
-                                        </p:tav>
-                                      </p:tavLst>
-                                    </p:anim>
-                                    <p:anim calcmode="lin" valueType="num">
-                                      <p:cBhvr additive="base">
-                                        <p:cTn id="34" dur="500" fill="hold"/>
-                                        <p:tgtEl>
-                                          <p:spTgt spid="4">
-                                            <p:txEl>
-                                              <p:pRg st="1" end="1"/>
-                                            </p:txEl>
-                                          </p:spTgt>
-                                        </p:tgtEl>
-                                        <p:attrNameLst>
-                                          <p:attrName>ppt_y</p:attrName>
-                                        </p:attrNameLst>
-                                      </p:cBhvr>
-                                      <p:tavLst>
-                                        <p:tav tm="0">
-                                          <p:val>
-                                            <p:strVal val="1+#ppt_h/2"/>
-                                          </p:val>
-                                        </p:tav>
-                                        <p:tav tm="100000">
-                                          <p:val>
-                                            <p:strVal val="#ppt_y"/>
-                                          </p:val>
-                                        </p:tav>
-                                      </p:tavLst>
-                                    </p:anim>
-                                  </p:childTnLst>
-                                </p:cTn>
-                              </p:par>
-                              <p:par>
-                                <p:cTn id="35" presetID="2" presetClass="entr" presetSubtype="4" fill="hold" nodeType="withEffect">
-                                  <p:stCondLst>
-                                    <p:cond delay="0"/>
-                                  </p:stCondLst>
-                                  <p:childTnLst>
-                                    <p:set>
-                                      <p:cBhvr>
-                                        <p:cTn id="36" dur="1" fill="hold">
-                                          <p:stCondLst>
-                                            <p:cond delay="0"/>
-                                          </p:stCondLst>
-                                        </p:cTn>
-                                        <p:tgtEl>
-                                          <p:spTgt spid="4">
-                                            <p:txEl>
-                                              <p:pRg st="2" end="2"/>
-                                            </p:txEl>
-                                          </p:spTgt>
-                                        </p:tgtEl>
-                                        <p:attrNameLst>
-                                          <p:attrName>style.visibility</p:attrName>
-                                        </p:attrNameLst>
-                                      </p:cBhvr>
-                                      <p:to>
-                                        <p:strVal val="visible"/>
-                                      </p:to>
-                                    </p:set>
-                                    <p:anim calcmode="lin" valueType="num">
-                                      <p:cBhvr additive="base">
-                                        <p:cTn id="37" dur="500" fill="hold"/>
-                                        <p:tgtEl>
-                                          <p:spTgt spid="4">
-                                            <p:txEl>
-                                              <p:pRg st="2" end="2"/>
-                                            </p:txEl>
-                                          </p:spTgt>
-                                        </p:tgtEl>
-                                        <p:attrNameLst>
-                                          <p:attrName>ppt_x</p:attrName>
-                                        </p:attrNameLst>
-                                      </p:cBhvr>
-                                      <p:tavLst>
-                                        <p:tav tm="0">
-                                          <p:val>
-                                            <p:strVal val="#ppt_x"/>
-                                          </p:val>
-                                        </p:tav>
-                                        <p:tav tm="100000">
-                                          <p:val>
-                                            <p:strVal val="#ppt_x"/>
-                                          </p:val>
-                                        </p:tav>
-                                      </p:tavLst>
-                                    </p:anim>
-                                    <p:anim calcmode="lin" valueType="num">
-                                      <p:cBhvr additive="base">
-                                        <p:cTn id="38" dur="500" fill="hold"/>
-                                        <p:tgtEl>
-                                          <p:spTgt spid="4">
-                                            <p:txEl>
-                                              <p:pRg st="2" end="2"/>
-                                            </p:txEl>
-                                          </p:spTgt>
-                                        </p:tgtEl>
-                                        <p:attrNameLst>
-                                          <p:attrName>ppt_y</p:attrName>
-                                        </p:attrNameLst>
-                                      </p:cBhvr>
-                                      <p:tavLst>
-                                        <p:tav tm="0">
-                                          <p:val>
-                                            <p:strVal val="1+#ppt_h/2"/>
-                                          </p:val>
-                                        </p:tav>
-                                        <p:tav tm="100000">
-                                          <p:val>
-                                            <p:strVal val="#ppt_y"/>
-                                          </p:val>
-                                        </p:tav>
-                                      </p:tavLst>
-                                    </p:anim>
-                                  </p:childTnLst>
-                                </p:cTn>
-                              </p:par>
-                            </p:childTnLst>
-                          </p:cTn>
-                        </p:par>
-                      </p:childTnLst>
-                    </p:cTn>
-                  </p:par>
-                  <p:par>
-                    <p:cTn id="39" fill="hold">
-                      <p:stCondLst>
-                        <p:cond delay="indefinite"/>
-                      </p:stCondLst>
-                      <p:childTnLst>
-                        <p:par>
-                          <p:cTn id="40" fill="hold">
-                            <p:stCondLst>
-                              <p:cond delay="0"/>
-                            </p:stCondLst>
-                            <p:childTnLst>
-                              <p:par>
-                                <p:cTn id="41" presetID="4" presetClass="entr" presetSubtype="16" fill="hold" nodeType="clickEffect">
-                                  <p:stCondLst>
-                                    <p:cond delay="0"/>
-                                  </p:stCondLst>
-                                  <p:childTnLst>
-                                    <p:set>
-                                      <p:cBhvr>
-                                        <p:cTn id="42" dur="1" fill="hold">
-                                          <p:stCondLst>
-                                            <p:cond delay="0"/>
-                                          </p:stCondLst>
-                                        </p:cTn>
-                                        <p:tgtEl>
-                                          <p:spTgt spid="4">
-                                            <p:txEl>
-                                              <p:pRg st="3" end="3"/>
-                                            </p:txEl>
-                                          </p:spTgt>
-                                        </p:tgtEl>
-                                        <p:attrNameLst>
-                                          <p:attrName>style.visibility</p:attrName>
-                                        </p:attrNameLst>
-                                      </p:cBhvr>
-                                      <p:to>
-                                        <p:strVal val="visible"/>
-                                      </p:to>
-                                    </p:set>
-                                    <p:animEffect transition="in" filter="box(in)">
-                                      <p:cBhvr>
-                                        <p:cTn id="43" dur="500"/>
-                                        <p:tgtEl>
-                                          <p:spTgt spid="4">
-                                            <p:txEl>
-                                              <p:pRg st="3" end="3"/>
-                                            </p:txEl>
-                                          </p:spTgt>
-                                        </p:tgtEl>
-                                      </p:cBhvr>
-                                    </p:animEffect>
-                                  </p:childTnLst>
-                                </p:cTn>
-                              </p:par>
-                              <p:par>
-                                <p:cTn id="44" presetID="4" presetClass="entr" presetSubtype="16" fill="hold" nodeType="withEffect">
-                                  <p:stCondLst>
-                                    <p:cond delay="0"/>
-                                  </p:stCondLst>
-                                  <p:childTnLst>
-                                    <p:set>
-                                      <p:cBhvr>
-                                        <p:cTn id="45" dur="1" fill="hold">
-                                          <p:stCondLst>
-                                            <p:cond delay="0"/>
-                                          </p:stCondLst>
-                                        </p:cTn>
-                                        <p:tgtEl>
-                                          <p:spTgt spid="4">
-                                            <p:txEl>
-                                              <p:pRg st="4" end="4"/>
-                                            </p:txEl>
-                                          </p:spTgt>
-                                        </p:tgtEl>
-                                        <p:attrNameLst>
-                                          <p:attrName>style.visibility</p:attrName>
-                                        </p:attrNameLst>
-                                      </p:cBhvr>
-                                      <p:to>
-                                        <p:strVal val="visible"/>
-                                      </p:to>
-                                    </p:set>
-                                    <p:animEffect transition="in" filter="box(in)">
-                                      <p:cBhvr>
-                                        <p:cTn id="46" dur="500"/>
-                                        <p:tgtEl>
-                                          <p:spTgt spid="4">
-                                            <p:txEl>
-                                              <p:pRg st="4" end="4"/>
-                                            </p:txEl>
-                                          </p:spTgt>
-                                        </p:tgtEl>
-                                      </p:cBhvr>
-                                    </p:animEffect>
-                                  </p:childTnLst>
-                                </p:cTn>
-                              </p:par>
-                              <p:par>
-                                <p:cTn id="47" presetID="4" presetClass="entr" presetSubtype="16" fill="hold" nodeType="withEffect">
-                                  <p:stCondLst>
-                                    <p:cond delay="0"/>
-                                  </p:stCondLst>
-                                  <p:childTnLst>
-                                    <p:set>
-                                      <p:cBhvr>
-                                        <p:cTn id="48" dur="1" fill="hold">
-                                          <p:stCondLst>
-                                            <p:cond delay="0"/>
-                                          </p:stCondLst>
-                                        </p:cTn>
-                                        <p:tgtEl>
-                                          <p:spTgt spid="4">
-                                            <p:txEl>
-                                              <p:pRg st="5" end="5"/>
-                                            </p:txEl>
-                                          </p:spTgt>
-                                        </p:tgtEl>
-                                        <p:attrNameLst>
-                                          <p:attrName>style.visibility</p:attrName>
-                                        </p:attrNameLst>
-                                      </p:cBhvr>
-                                      <p:to>
-                                        <p:strVal val="visible"/>
-                                      </p:to>
-                                    </p:set>
-                                    <p:animEffect transition="in" filter="box(in)">
-                                      <p:cBhvr>
-                                        <p:cTn id="49" dur="500"/>
-                                        <p:tgtEl>
-                                          <p:spTgt spid="4">
-                                            <p:txEl>
-                                              <p:pRg st="5" end="5"/>
-                                            </p:txEl>
-                                          </p:spTgt>
-                                        </p:tgtEl>
-                                      </p:cBhvr>
-                                    </p:animEffect>
-                                  </p:childTnLst>
-                                </p:cTn>
-                              </p:par>
-                            </p:childTnLst>
-                          </p:cTn>
-                        </p:par>
-                      </p:childTnLst>
-                    </p:cTn>
-                  </p:par>
-                </p:childTnLst>
-              </p:cTn>
-              <p:prevCondLst>
-                <p:cond evt="onPrev" delay="0">
-                  <p:tgtEl>
-                    <p:sldTgt/>
-                  </p:tgtEl>
-                </p:cond>
-              </p:prevCondLst>
-              <p:nextCondLst>
-                <p:cond evt="onNext" delay="0">
-                  <p:tgtEl>
-                    <p:sldTgt/>
-                  </p:tgtEl>
-                </p:cond>
-              </p:nextCondLst>
-            </p:seq>
-          </p:childTnLst>
-        </p:cTn>
-      </p:par>
-    </p:tnLst>
-  </p:timing>
-</p:sld>
-</file>
-
-<file path=ppt/slides/slide6.xml><?xml version="1.0" encoding="utf-8"?>
-<p:sld xmlns:a="http://schemas.openxmlformats.org/drawingml/2006/main" xmlns:r="http://schemas.openxmlformats.org/officeDocument/2006/relationships" xmlns:p="http://schemas.openxmlformats.org/presentationml/2006/main">
-  <p:cSld>
-    <p:spTree>
-      <p:nvGrpSpPr>
-        <p:cNvPr id="1" name=""/>
-        <p:cNvGrpSpPr/>
-        <p:nvPr/>
-      </p:nvGrpSpPr>
-      <p:grpSpPr>
-        <a:xfrm>
-          <a:off x="0" y="0"/>
-          <a:ext cx="0" cy="0"/>
-          <a:chOff x="0" y="0"/>
-          <a:chExt cx="0" cy="0"/>
-        </a:xfrm>
-      </p:grpSpPr>
-      <p:sp>
-        <p:nvSpPr>
-          <p:cNvPr id="2" name="Title 1"/>
-          <p:cNvSpPr>
-            <a:spLocks noGrp="1"/>
-          </p:cNvSpPr>
-          <p:nvPr>
-            <p:ph type="title"/>
-          </p:nvPr>
-        </p:nvSpPr>
-        <p:spPr/>
-        <p:txBody>
-          <a:bodyPr/>
-          <a:lstStyle/>
-          <a:p>
-            <a:r>
-              <a:rPr lang="en-US" dirty="0" smtClean="0"/>
-              <a:t>Disadvantages of WAS</a:t>
-            </a:r>
-            <a:endParaRPr lang="en-US" dirty="0"/>
-          </a:p>
-        </p:txBody>
-      </p:sp>
-      <p:sp>
-        <p:nvSpPr>
-          <p:cNvPr id="3" name="Content Placeholder 2"/>
-          <p:cNvSpPr>
-            <a:spLocks noGrp="1"/>
-          </p:cNvSpPr>
-          <p:nvPr>
-            <p:ph idx="1"/>
-          </p:nvPr>
-        </p:nvSpPr>
-        <p:spPr/>
-        <p:txBody>
-          <a:bodyPr>
-            <a:normAutofit fontScale="85000" lnSpcReduction="20000"/>
-          </a:bodyPr>
-          <a:lstStyle/>
-          <a:p>
-            <a:r>
-              <a:rPr lang="en-US" dirty="0" smtClean="0"/>
-              <a:t>Bind users to Microsoft</a:t>
-            </a:r>
-            <a:endParaRPr lang="en-US" dirty="0"/>
-          </a:p>
-          <a:p>
-            <a:pPr lvl="1"/>
-            <a:r>
-              <a:rPr lang="en-US" dirty="0" smtClean="0">
-                <a:solidFill>
-                  <a:srgbClr val="FF0000"/>
-                </a:solidFill>
-              </a:rPr>
-              <a:t>Only windows centric applications are supported by Microsoft </a:t>
-            </a:r>
-          </a:p>
-          <a:p>
-            <a:pPr lvl="1"/>
-            <a:r>
-              <a:rPr lang="en-US" dirty="0" smtClean="0">
-                <a:solidFill>
-                  <a:srgbClr val="FF0000"/>
-                </a:solidFill>
-              </a:rPr>
-              <a:t>have </a:t>
-            </a:r>
-            <a:r>
-              <a:rPr lang="en-US" dirty="0">
-                <a:solidFill>
-                  <a:srgbClr val="FF0000"/>
-                </a:solidFill>
-              </a:rPr>
-              <a:t>to use C</a:t>
-            </a:r>
-            <a:r>
-              <a:rPr lang="en-US" dirty="0" smtClean="0">
-                <a:solidFill>
-                  <a:srgbClr val="FF0000"/>
-                </a:solidFill>
-              </a:rPr>
-              <a:t>#</a:t>
-            </a:r>
-          </a:p>
-          <a:p>
-            <a:pPr lvl="1"/>
-            <a:endParaRPr lang="en-US" dirty="0" smtClean="0">
-              <a:solidFill>
-                <a:srgbClr val="FF0000"/>
-              </a:solidFill>
-            </a:endParaRPr>
-          </a:p>
-          <a:p>
-            <a:r>
-              <a:rPr lang="en-US" dirty="0" smtClean="0"/>
-              <a:t>Many middleware for serious computation that requires HPC</a:t>
-            </a:r>
-            <a:r>
-              <a:rPr lang="en-US" altLang="zh-CN" dirty="0" smtClean="0"/>
-              <a:t>/cloud written in </a:t>
-            </a:r>
-            <a:r>
-              <a:rPr lang="en-US" altLang="zh-CN" dirty="0" err="1" smtClean="0"/>
-              <a:t>unix</a:t>
-            </a:r>
-            <a:r>
-              <a:rPr lang="en-US" altLang="zh-CN" dirty="0" smtClean="0"/>
-              <a:t>/</a:t>
-            </a:r>
-            <a:r>
-              <a:rPr lang="en-US" altLang="zh-CN" dirty="0" err="1" smtClean="0"/>
-              <a:t>linux</a:t>
-            </a:r>
-            <a:r>
-              <a:rPr lang="en-US" altLang="zh-CN" dirty="0" smtClean="0"/>
-              <a:t> environment </a:t>
-            </a:r>
-            <a:r>
-              <a:rPr lang="en-US" dirty="0" smtClean="0"/>
-              <a:t> unsupported</a:t>
-            </a:r>
-          </a:p>
-          <a:p>
-            <a:pPr lvl="1"/>
-            <a:r>
-              <a:rPr lang="en-US" dirty="0" smtClean="0">
-                <a:solidFill>
-                  <a:srgbClr val="FF0000"/>
-                </a:solidFill>
-              </a:rPr>
-              <a:t>Difficult to port them to run on WAS</a:t>
-            </a:r>
-          </a:p>
-          <a:p>
-            <a:pPr lvl="1"/>
-            <a:endParaRPr lang="en-US" dirty="0" smtClean="0"/>
-          </a:p>
-          <a:p>
-            <a:r>
-              <a:rPr lang="en-US" dirty="0" smtClean="0"/>
-              <a:t>Cannot have user own specified OS installed</a:t>
-            </a:r>
-            <a:endParaRPr lang="en-US" dirty="0"/>
-          </a:p>
-          <a:p>
-            <a:pPr lvl="1"/>
-            <a:r>
-              <a:rPr lang="en-US" dirty="0" smtClean="0">
-                <a:solidFill>
-                  <a:srgbClr val="FF0000"/>
-                </a:solidFill>
-              </a:rPr>
-              <a:t>Windows OS is already there</a:t>
-            </a:r>
-            <a:r>
-              <a:rPr lang="en-US" altLang="zh-CN" dirty="0" smtClean="0">
-                <a:solidFill>
-                  <a:srgbClr val="FF0000"/>
-                </a:solidFill>
-              </a:rPr>
-              <a:t>, irrespective of user choice</a:t>
-            </a:r>
-            <a:endParaRPr lang="en-US" dirty="0" smtClean="0">
-              <a:solidFill>
-                <a:srgbClr val="FF0000"/>
-              </a:solidFill>
-            </a:endParaRPr>
-          </a:p>
-        </p:txBody>
-      </p:sp>
-    </p:spTree>
-  </p:cSld>
-  <p:clrMapOvr>
-    <a:masterClrMapping/>
-  </p:clrMapOvr>
-  <p:timing>
-    <p:tnLst>
-      <p:par>
-        <p:cTn id="1" dur="indefinite" restart="never" nodeType="tmRoot"/>
-      </p:par>
-    </p:tnLst>
-  </p:timing>
-</p:sld>
-</file>
-
-<file path=ppt/slides/slide7.xml><?xml version="1.0" encoding="utf-8"?>
-<p:sld xmlns:a="http://schemas.openxmlformats.org/drawingml/2006/main" xmlns:r="http://schemas.openxmlformats.org/officeDocument/2006/relationships" xmlns:p="http://schemas.openxmlformats.org/presentationml/2006/main">
-  <p:cSld>
-    <p:spTree>
-      <p:nvGrpSpPr>
-        <p:cNvPr id="1" name=""/>
-        <p:cNvGrpSpPr/>
-        <p:nvPr/>
-      </p:nvGrpSpPr>
-      <p:grpSpPr>
-        <a:xfrm>
-          <a:off x="0" y="0"/>
-          <a:ext cx="0" cy="0"/>
-          <a:chOff x="0" y="0"/>
-          <a:chExt cx="0" cy="0"/>
-        </a:xfrm>
-      </p:grpSpPr>
-      <p:sp>
-        <p:nvSpPr>
-          <p:cNvPr id="2" name="Title 1"/>
-          <p:cNvSpPr>
-            <a:spLocks noGrp="1"/>
-          </p:cNvSpPr>
-          <p:nvPr>
-            <p:ph type="title"/>
-          </p:nvPr>
-        </p:nvSpPr>
-        <p:spPr/>
-        <p:txBody>
-          <a:bodyPr/>
-          <a:lstStyle/>
-          <a:p>
-            <a:r>
-              <a:rPr lang="en-US" dirty="0" smtClean="0"/>
-              <a:t>	</a:t>
-            </a:r>
-            <a:endParaRPr lang="en-SG" dirty="0"/>
-          </a:p>
-        </p:txBody>
-      </p:sp>
-      <p:sp>
-        <p:nvSpPr>
-          <p:cNvPr id="3" name="Content Placeholder 2"/>
-          <p:cNvSpPr>
-            <a:spLocks noGrp="1"/>
-          </p:cNvSpPr>
-          <p:nvPr>
-            <p:ph sz="quarter" idx="1"/>
-          </p:nvPr>
-        </p:nvSpPr>
-        <p:spPr/>
-        <p:txBody>
-          <a:bodyPr/>
-          <a:lstStyle/>
-          <a:p>
-            <a:pPr marL="0" indent="0" algn="ctr">
-              <a:buNone/>
-            </a:pPr>
-            <a:endParaRPr lang="en-US" dirty="0" smtClean="0"/>
-          </a:p>
-          <a:p>
-            <a:pPr marL="0" indent="0" algn="ctr">
-              <a:buNone/>
-            </a:pPr>
-            <a:endParaRPr lang="en-US" dirty="0"/>
-          </a:p>
-          <a:p>
-            <a:pPr marL="0" indent="0" algn="ctr">
-              <a:buNone/>
-            </a:pPr>
-            <a:endParaRPr lang="en-US" dirty="0" smtClean="0"/>
-          </a:p>
-          <a:p>
-            <a:pPr marL="0" indent="0" algn="ctr">
-              <a:buNone/>
-            </a:pPr>
-            <a:endParaRPr lang="en-US" dirty="0"/>
-          </a:p>
-        </p:txBody>
-      </p:sp>
-      <p:pic>
-        <p:nvPicPr>
-          <p:cNvPr id="1026" name="Picture 2" descr="http://blog.copdfoundation.org/wp-content/uploads/2012/09/C-Users-sschlegel-Pictures-Question-Mark-Man.jpg"/>
-          <p:cNvPicPr>
-            <a:picLocks noChangeAspect="1" noChangeArrowheads="1"/>
-          </p:cNvPicPr>
-          <p:nvPr/>
-        </p:nvPicPr>
-        <p:blipFill>
-          <a:blip r:embed="rId2" cstate="print">
-            <a:extLst>
-              <a:ext uri="{28A0092B-C50C-407E-A947-70E740481C1C}">
-                <a14:useLocalDpi xmlns="" xmlns:a14="http://schemas.microsoft.com/office/drawing/2010/main" val="0"/>
-              </a:ext>
-            </a:extLst>
-          </a:blip>
-          <a:srcRect/>
-          <a:stretch>
-            <a:fillRect/>
-          </a:stretch>
-        </p:blipFill>
-        <p:spPr bwMode="auto">
-          <a:xfrm>
-            <a:off x="2514600" y="2438400"/>
-            <a:ext cx="2857500" cy="2857500"/>
-          </a:xfrm>
-          <a:prstGeom prst="rect">
-            <a:avLst/>
-          </a:prstGeom>
-          <a:noFill/>
-          <a:extLst>
-            <a:ext uri="{909E8E84-426E-40DD-AFC4-6F175D3DCCD1}">
-              <a14:hiddenFill xmlns="" xmlns:a14="http://schemas.microsoft.com/office/drawing/2010/main">
-                <a:solidFill>
-                  <a:srgbClr val="FFFFFF"/>
-                </a:solidFill>
-              </a14:hiddenFill>
-            </a:ext>
-          </a:extLst>
-        </p:spPr>
-      </p:pic>
-      <p:sp>
-        <p:nvSpPr>
-          <p:cNvPr id="7" name="Rectangle 6"/>
-          <p:cNvSpPr/>
-          <p:nvPr/>
-        </p:nvSpPr>
-        <p:spPr>
-          <a:xfrm>
-            <a:off x="5486400" y="3657600"/>
-            <a:ext cx="2542427" cy="923330"/>
-          </a:xfrm>
-          <a:prstGeom prst="rect">
-            <a:avLst/>
-          </a:prstGeom>
-          <a:noFill/>
-        </p:spPr>
-        <p:txBody>
-          <a:bodyPr wrap="none" lIns="91440" tIns="45720" rIns="91440" bIns="45720">
-            <a:spAutoFit/>
-            <a:scene3d>
-              <a:camera prst="orthographicFront"/>
-              <a:lightRig rig="brightRoom" dir="t"/>
-            </a:scene3d>
-            <a:sp3d contourW="6350" prstMaterial="plastic">
-              <a:bevelT w="20320" h="20320" prst="angle"/>
-              <a:contourClr>
-                <a:schemeClr val="accent1">
-                  <a:tint val="100000"/>
-                  <a:shade val="100000"/>
-                  <a:hueMod val="100000"/>
-                  <a:satMod val="100000"/>
-                </a:schemeClr>
-              </a:contourClr>
-            </a:sp3d>
-          </a:bodyPr>
-          <a:lstStyle/>
-          <a:p>
-            <a:pPr algn="ctr"/>
-            <a:r>
-              <a:rPr lang="en-US" sz="5400" b="1" cap="all" spc="0" dirty="0" smtClean="0">
-                <a:ln/>
-                <a:solidFill>
-                  <a:schemeClr val="accent1"/>
-                </a:solidFill>
-                <a:effectLst>
-                  <a:outerShdw blurRad="19685" dist="12700" dir="5400000" algn="tl" rotWithShape="0">
-                    <a:schemeClr val="accent1">
-                      <a:satMod val="130000"/>
-                      <a:alpha val="60000"/>
-                    </a:schemeClr>
-                  </a:outerShdw>
-                  <a:reflection blurRad="10000" stA="55000" endPos="48000" dist="500" dir="5400000" sy="-100000" algn="bl" rotWithShape="0"/>
-                </a:effectLst>
-              </a:rPr>
-              <a:t>Thanks</a:t>
-            </a:r>
-            <a:endParaRPr lang="en-US" sz="5400" b="1" cap="all" spc="0" dirty="0">
-              <a:ln/>
-              <a:solidFill>
-                <a:schemeClr val="accent1"/>
-              </a:solidFill>
-              <a:effectLst>
-                <a:outerShdw blurRad="19685" dist="12700" dir="5400000" algn="tl" rotWithShape="0">
-                  <a:schemeClr val="accent1">
-                    <a:satMod val="130000"/>
-                    <a:alpha val="60000"/>
-                  </a:schemeClr>
-                </a:outerShdw>
-                <a:reflection blurRad="10000" stA="55000" endPos="48000" dist="500" dir="5400000" sy="-100000" algn="bl" rotWithShape="0"/>
-              </a:effectLst>
-            </a:endParaRPr>
-          </a:p>
-        </p:txBody>
-      </p:sp>
-    </p:spTree>
-    <p:extLst>
-      <p:ext uri="{BB962C8B-B14F-4D97-AF65-F5344CB8AC3E}">
-        <p14:creationId xmlns="" xmlns:p14="http://schemas.microsoft.com/office/powerpoint/2010/main" val="1715050486"/>
-      </p:ext>
-    </p:extLst>
-  </p:cSld>
-  <p:clrMapOvr>
-    <a:masterClrMapping/>
-  </p:clrMapOvr>
-  <mc:AlternateContent xmlns:mc="http://schemas.openxmlformats.org/markup-compatibility/2006">
-    <mc:Choice xmlns="" xmlns:p14="http://schemas.microsoft.com/office/powerpoint/2010/main" Requires="p14">
-      <p:transition spd="slow" p14:dur="2000"/>
-    </mc:Choice>
-    <mc:Fallback>
-      <p:transition spd="slow"/>
-    </mc:Fallback>
-  </mc:AlternateContent>
-  <p:timing>
-    <p:tnLst>
-      <p:par>
-        <p:cTn id="1" dur="indefinite" restart="never" nodeType="tmRoot"/>
-      </p:par>
-    </p:tnLst>
   </p:timing>
 </p:sld>
 </file>

--- a/Paper Presentation/Presentation_part3.pptx
+++ b/Paper Presentation/Presentation_part3.pptx
@@ -367,6 +367,11 @@
         </p:txBody>
       </p:sp>
     </p:spTree>
+    <p:extLst>
+      <p:ext uri="{BB962C8B-B14F-4D97-AF65-F5344CB8AC3E}">
+        <p14:creationId xmlns:p14="http://schemas.microsoft.com/office/powerpoint/2010/main" val="417909806"/>
+      </p:ext>
+    </p:extLst>
   </p:cSld>
   <p:clrMap bg1="lt1" tx1="dk1" bg2="lt2" tx2="dk2" accent1="accent1" accent2="accent2" accent3="accent3" accent4="accent4" accent5="accent5" accent6="accent6" hlink="hlink" folHlink="folHlink"/>
   <p:notesStyle>
@@ -3776,11 +3781,7 @@
             </a:r>
             <a:r>
               <a:rPr lang="en-US" sz="3200" dirty="0" smtClean="0"/>
-              <a:t>Network </a:t>
-            </a:r>
-            <a:r>
-              <a:rPr lang="en-US" sz="3200" dirty="0" smtClean="0"/>
-              <a:t>Partition</a:t>
+              <a:t>Network Partition</a:t>
             </a:r>
             <a:endParaRPr lang="en-US" sz="3600" b="1" dirty="0"/>
           </a:p>
@@ -5458,19 +5459,7 @@
                 <a:ea typeface="Segoe UI" pitchFamily="34" charset="0"/>
                 <a:cs typeface="Segoe UI" pitchFamily="34" charset="0"/>
               </a:rPr>
-              <a:t>Partition </a:t>
-            </a:r>
-            <a:r>
-              <a:rPr lang="en-US" sz="1600" b="1" dirty="0" smtClean="0">
-                <a:solidFill>
-                  <a:schemeClr val="accent1">
-                    <a:lumMod val="75000"/>
-                  </a:schemeClr>
-                </a:solidFill>
-                <a:ea typeface="Segoe UI" pitchFamily="34" charset="0"/>
-                <a:cs typeface="Segoe UI" pitchFamily="34" charset="0"/>
-              </a:rPr>
-              <a:t>Layer only reads from offsets returned from successful appends </a:t>
+              <a:t>Partition Layer only reads from offsets returned from successful appends </a:t>
             </a:r>
           </a:p>
           <a:p>
@@ -5992,7 +5981,7 @@
     </p:spTree>
     <p:extLst>
       <p:ext uri="{BB962C8B-B14F-4D97-AF65-F5344CB8AC3E}">
-        <p14:creationId xmlns="" xmlns:p14="http://schemas.microsoft.com/office/powerpoint/2010/main" val="4171962860"/>
+        <p14:creationId xmlns:p14="http://schemas.microsoft.com/office/powerpoint/2010/main" val="4171962860"/>
       </p:ext>
     </p:extLst>
   </p:cSld>
@@ -6919,21 +6908,17 @@
         </p:spPr>
         <p:txBody>
           <a:bodyPr>
-            <a:normAutofit fontScale="92500" lnSpcReduction="20000"/>
+            <a:normAutofit lnSpcReduction="10000"/>
           </a:bodyPr>
           <a:lstStyle/>
           <a:p>
             <a:r>
               <a:rPr lang="en-US" sz="2400" dirty="0" smtClean="0"/>
-              <a:t>Layering and co-design provides </a:t>
-            </a:r>
-            <a:r>
-              <a:rPr lang="en-US" sz="2400" dirty="0"/>
-              <a:t>extra </a:t>
+              <a:t>Layering and co-design </a:t>
             </a:r>
             <a:r>
               <a:rPr lang="en-US" sz="2400" dirty="0" smtClean="0"/>
-              <a:t>flexibility to achieve “C” and “A” at same time while being partition/failure tolerant for our fault model</a:t>
+              <a:t>provides CAP for WAS</a:t>
             </a:r>
             <a:endParaRPr lang="en-US" sz="2400" dirty="0"/>
           </a:p>
@@ -6974,11 +6959,7 @@
             <a:pPr lvl="3"/>
             <a:r>
               <a:rPr lang="en-US" dirty="0" smtClean="0"/>
-              <a:t>replicas </a:t>
-            </a:r>
-            <a:r>
-              <a:rPr lang="en-US" dirty="0" smtClean="0"/>
-              <a:t>are bit-wise identical up to the commit length</a:t>
+              <a:t>replicas are bit-wise identical up to the commit length</a:t>
             </a:r>
           </a:p>
           <a:p>
@@ -7012,7 +6993,6 @@
               <a:rPr lang="en-US" altLang="zh-CN" dirty="0" smtClean="0"/>
               <a:t>Log replaying records for partition server load</a:t>
             </a:r>
-            <a:endParaRPr lang="en-US" altLang="zh-CN" dirty="0" smtClean="0"/>
           </a:p>
           <a:p>
             <a:pPr lvl="2"/>
@@ -7029,49 +7009,20 @@
             </a:r>
             <a:r>
               <a:rPr lang="en-US" dirty="0" smtClean="0"/>
-              <a:t> </a:t>
+              <a:t> can be served by any partition server and are moved to available servers if a partition server </a:t>
             </a:r>
             <a:r>
               <a:rPr lang="en-US" dirty="0" smtClean="0"/>
-              <a:t>can be served by any partition server and are moved to available servers if a partition server fails</a:t>
-            </a:r>
-          </a:p>
-          <a:p>
-            <a:pPr lvl="1"/>
-            <a:endParaRPr lang="en-US" sz="2400" dirty="0"/>
-          </a:p>
-          <a:p>
-            <a:r>
-              <a:rPr lang="en-US" sz="2400" dirty="0"/>
-              <a:t>Designed </a:t>
-            </a:r>
-            <a:r>
-              <a:rPr lang="en-US" sz="2400" dirty="0" smtClean="0"/>
-              <a:t>for specific </a:t>
-            </a:r>
-            <a:r>
-              <a:rPr lang="en-US" sz="2400" dirty="0"/>
-              <a:t>classes of </a:t>
-            </a:r>
-            <a:r>
-              <a:rPr lang="en-US" sz="2400" dirty="0" smtClean="0"/>
-              <a:t>partitioning/failures </a:t>
-            </a:r>
-            <a:r>
-              <a:rPr lang="en-US" sz="2400" dirty="0"/>
-              <a:t>seen in </a:t>
-            </a:r>
-            <a:r>
-              <a:rPr lang="en-US" sz="2400" dirty="0" smtClean="0"/>
-              <a:t>practice</a:t>
-            </a:r>
+              <a:t>fails</a:t>
+            </a:r>
+            <a:endParaRPr lang="en-US" dirty="0" smtClean="0"/>
           </a:p>
         </p:txBody>
       </p:sp>
     </p:spTree>
     <p:extLst>
       <p:ext uri="{BB962C8B-B14F-4D97-AF65-F5344CB8AC3E}">
-        <p14:creationId xmlns="" xmlns:p14="http://schemas.microsoft.com/office/powerpoint/2010/main" val="2807808241"/>
+        <p14:creationId xmlns:p14="http://schemas.microsoft.com/office/powerpoint/2010/main" val="2807808241"/>
       </p:ext>
     </p:extLst>
   </p:cSld>
@@ -7082,91 +7033,7 @@
   <p:timing>
     <p:tnLst>
       <p:par>
-        <p:cTn id="1" dur="indefinite" restart="never" nodeType="tmRoot">
-          <p:childTnLst>
-            <p:seq concurrent="1" nextAc="seek">
-              <p:cTn id="2" dur="indefinite" nodeType="mainSeq">
-                <p:childTnLst>
-                  <p:par>
-                    <p:cTn id="3" fill="hold">
-                      <p:stCondLst>
-                        <p:cond delay="indefinite"/>
-                      </p:stCondLst>
-                      <p:childTnLst>
-                        <p:par>
-                          <p:cTn id="4" fill="hold">
-                            <p:stCondLst>
-                              <p:cond delay="0"/>
-                            </p:stCondLst>
-                            <p:childTnLst>
-                              <p:par>
-                                <p:cTn id="5" presetID="3" presetClass="entr" presetSubtype="10" fill="hold" nodeType="clickEffect">
-                                  <p:stCondLst>
-                                    <p:cond delay="0"/>
-                                  </p:stCondLst>
-                                  <p:childTnLst>
-                                    <p:set>
-                                      <p:cBhvr>
-                                        <p:cTn id="6" dur="1" fill="hold">
-                                          <p:stCondLst>
-                                            <p:cond delay="0"/>
-                                          </p:stCondLst>
-                                        </p:cTn>
-                                        <p:tgtEl>
-                                          <p:spTgt spid="3">
-                                            <p:txEl>
-                                              <p:pRg st="13" end="13"/>
-                                            </p:txEl>
-                                          </p:spTgt>
-                                        </p:tgtEl>
-                                        <p:attrNameLst>
-                                          <p:attrName>style.visibility</p:attrName>
-                                        </p:attrNameLst>
-                                      </p:cBhvr>
-                                      <p:to>
-                                        <p:strVal val="visible"/>
-                                      </p:to>
-                                    </p:set>
-                                    <p:animEffect transition="in" filter="blinds(horizontal)">
-                                      <p:cBhvr>
-                                        <p:cTn id="7" dur="500"/>
-                                        <p:tgtEl>
-                                          <p:spTgt spid="3">
-                                            <p:txEl>
-                                              <p:pRg st="13" end="13"/>
-                                            </p:txEl>
-                                          </p:spTgt>
-                                        </p:tgtEl>
-                                      </p:cBhvr>
-                                    </p:animEffect>
-                                  </p:childTnLst>
-                                </p:cTn>
-                              </p:par>
-                            </p:childTnLst>
-                          </p:cTn>
-                        </p:par>
-                      </p:childTnLst>
-                    </p:cTn>
-                  </p:par>
-                </p:childTnLst>
-              </p:cTn>
-              <p:prevCondLst>
-                <p:cond evt="onPrev" delay="0">
-                  <p:tgtEl>
-                    <p:sldTgt/>
-                  </p:tgtEl>
-                </p:cond>
-              </p:prevCondLst>
-              <p:nextCondLst>
-                <p:cond evt="onNext" delay="0">
-                  <p:tgtEl>
-                    <p:sldTgt/>
-                  </p:tgtEl>
-                </p:cond>
-              </p:nextCondLst>
-            </p:seq>
-          </p:childTnLst>
-        </p:cTn>
+        <p:cTn id="1" dur="indefinite" restart="never" nodeType="tmRoot"/>
       </p:par>
     </p:tnLst>
   </p:timing>
@@ -7349,36 +7216,6 @@
             </a:r>
           </a:p>
           <a:p>
-            <a:r>
-              <a:rPr lang="en-US" sz="1800" b="1" dirty="0" smtClean="0"/>
-              <a:t>Scaling Compute Separate from Storage</a:t>
-            </a:r>
-          </a:p>
-          <a:p>
-            <a:pPr lvl="1"/>
-            <a:r>
-              <a:rPr lang="en-US" sz="1800" dirty="0" smtClean="0">
-                <a:solidFill>
-                  <a:schemeClr val="accent1">
-                    <a:lumMod val="75000"/>
-                  </a:schemeClr>
-                </a:solidFill>
-              </a:rPr>
-              <a:t>Allows each to be scaled separately</a:t>
-            </a:r>
-          </a:p>
-          <a:p>
-            <a:pPr lvl="1"/>
-            <a:r>
-              <a:rPr lang="en-US" sz="1800" dirty="0" smtClean="0">
-                <a:solidFill>
-                  <a:srgbClr val="C00000"/>
-                </a:solidFill>
-              </a:rPr>
-              <a:t>Tradeoff: Latency to/from storage</a:t>
-            </a:r>
-          </a:p>
-          <a:p>
             <a:endParaRPr lang="en-US" sz="1800" b="1" dirty="0"/>
           </a:p>
           <a:p>
@@ -7512,163 +7349,13 @@
               <a:buChar char="•"/>
             </a:pPr>
             <a:r>
-              <a:rPr lang="en-US" sz="2000" b="1" dirty="0"/>
-              <a:t>Achieving consistently low append </a:t>
-            </a:r>
-            <a:r>
-              <a:rPr lang="en-US" sz="2000" b="1" dirty="0" smtClean="0"/>
-              <a:t>latencies</a:t>
-            </a:r>
-            <a:endParaRPr kumimoji="0" lang="en-US" altLang="zh-CN" sz="2000" b="1" i="0" u="none" strike="noStrike" kern="1200" cap="none" spc="0" normalizeH="0" baseline="0" noProof="0" dirty="0" smtClean="0">
-              <a:ln>
-                <a:noFill/>
-              </a:ln>
-              <a:solidFill>
-                <a:schemeClr val="tx1"/>
-              </a:solidFill>
-              <a:effectLst/>
-              <a:uLnTx/>
-              <a:uFillTx/>
-              <a:latin typeface="+mn-lt"/>
-              <a:ea typeface="+mn-ea"/>
-              <a:cs typeface="+mn-cs"/>
-            </a:endParaRPr>
-          </a:p>
-          <a:p>
-            <a:pPr marL="742950" lvl="1" indent="-285750">
-              <a:spcBef>
-                <a:spcPct val="20000"/>
-              </a:spcBef>
-              <a:buFont typeface="Arial" pitchFamily="34" charset="0"/>
-              <a:buChar char="–"/>
-            </a:pPr>
-            <a:r>
-              <a:rPr lang="en-US" sz="2000" dirty="0">
-                <a:solidFill>
-                  <a:schemeClr val="accent1">
-                    <a:lumMod val="75000"/>
-                  </a:schemeClr>
-                </a:solidFill>
-              </a:rPr>
-              <a:t>using journaling</a:t>
-            </a:r>
-            <a:endParaRPr kumimoji="0" lang="en-US" sz="2000" b="0" i="0" u="none" strike="noStrike" kern="1200" cap="none" spc="0" normalizeH="0" baseline="0" noProof="0" dirty="0" smtClean="0">
-              <a:ln>
-                <a:noFill/>
-              </a:ln>
-              <a:solidFill>
-                <a:schemeClr val="accent1">
-                  <a:lumMod val="75000"/>
-                </a:schemeClr>
-              </a:solidFill>
-              <a:effectLst/>
-              <a:uLnTx/>
-              <a:uFillTx/>
-              <a:latin typeface="+mn-lt"/>
-              <a:ea typeface="+mn-ea"/>
-              <a:cs typeface="+mn-cs"/>
-            </a:endParaRPr>
-          </a:p>
-          <a:p>
-            <a:pPr marL="742950" marR="0" lvl="1" indent="-285750" algn="l" defTabSz="914400" rtl="0" eaLnBrk="1" fontAlgn="auto" latinLnBrk="0" hangingPunct="1">
-              <a:lnSpc>
-                <a:spcPct val="100000"/>
-              </a:lnSpc>
-              <a:spcBef>
-                <a:spcPct val="20000"/>
-              </a:spcBef>
-              <a:spcAft>
-                <a:spcPts val="0"/>
-              </a:spcAft>
-              <a:buClrTx/>
-              <a:buSzTx/>
-              <a:buFont typeface="Arial" pitchFamily="34" charset="0"/>
-              <a:buChar char="–"/>
-              <a:tabLst/>
-              <a:defRPr/>
-            </a:pPr>
-            <a:r>
-              <a:rPr kumimoji="0" lang="en-US" sz="2000" b="0" i="0" u="none" strike="noStrike" kern="1200" cap="none" spc="0" normalizeH="0" baseline="0" noProof="0" dirty="0" smtClean="0">
-                <a:ln>
-                  <a:noFill/>
-                </a:ln>
-                <a:solidFill>
-                  <a:srgbClr val="C00000"/>
-                </a:solidFill>
-                <a:effectLst/>
-                <a:uLnTx/>
-                <a:uFillTx/>
-                <a:latin typeface="+mn-lt"/>
-                <a:ea typeface="+mn-ea"/>
-                <a:cs typeface="+mn-cs"/>
-              </a:rPr>
-              <a:t>Tradeoff: extra disk</a:t>
-            </a:r>
-            <a:r>
-              <a:rPr kumimoji="0" lang="en-US" sz="2000" b="0" i="0" u="none" strike="noStrike" kern="1200" cap="none" spc="0" normalizeH="0" noProof="0" dirty="0" smtClean="0">
-                <a:ln>
-                  <a:noFill/>
-                </a:ln>
-                <a:solidFill>
-                  <a:srgbClr val="C00000"/>
-                </a:solidFill>
-                <a:effectLst/>
-                <a:uLnTx/>
-                <a:uFillTx/>
-                <a:latin typeface="+mn-lt"/>
-                <a:ea typeface="+mn-ea"/>
-                <a:cs typeface="+mn-cs"/>
-              </a:rPr>
-              <a:t> drive or SSD</a:t>
-            </a:r>
-            <a:r>
-              <a:rPr kumimoji="0" lang="en-US" altLang="zh-CN" sz="2000" b="0" i="0" u="none" strike="noStrike" kern="1200" cap="none" spc="0" normalizeH="0" noProof="0" dirty="0" smtClean="0">
-                <a:ln>
-                  <a:noFill/>
-                </a:ln>
-                <a:solidFill>
-                  <a:srgbClr val="C00000"/>
-                </a:solidFill>
-                <a:effectLst/>
-                <a:uLnTx/>
-                <a:uFillTx/>
-                <a:latin typeface="+mn-lt"/>
-                <a:ea typeface="+mn-ea"/>
-                <a:cs typeface="+mn-cs"/>
-              </a:rPr>
-              <a:t>, extra </a:t>
-            </a:r>
-            <a:r>
-              <a:rPr kumimoji="0" lang="en-US" altLang="zh-CN" sz="2000" b="0" i="0" u="none" strike="noStrike" kern="1200" cap="none" spc="0" normalizeH="0" noProof="0" dirty="0" smtClean="0">
-                <a:ln>
-                  <a:noFill/>
-                </a:ln>
-                <a:solidFill>
-                  <a:srgbClr val="C00000"/>
-                </a:solidFill>
-                <a:effectLst/>
-                <a:uLnTx/>
-                <a:uFillTx/>
-                <a:latin typeface="+mn-lt"/>
-                <a:ea typeface="+mn-ea"/>
-                <a:cs typeface="+mn-cs"/>
-              </a:rPr>
-              <a:t>writing</a:t>
-            </a:r>
-          </a:p>
-          <a:p>
-            <a:pPr marL="342900" lvl="0" indent="-342900">
-              <a:spcBef>
-                <a:spcPct val="20000"/>
-              </a:spcBef>
-              <a:buFont typeface="Arial" pitchFamily="34" charset="0"/>
-              <a:buChar char="•"/>
-            </a:pPr>
-            <a:r>
               <a:rPr lang="en-US" altLang="zh-CN" sz="2000" b="1" dirty="0" smtClean="0"/>
-              <a:t>Erasure Coding for blobs</a:t>
-            </a:r>
-            <a:endParaRPr lang="en-US" altLang="zh-CN" sz="2000" b="1" dirty="0" smtClean="0"/>
+              <a:t>Erasure </a:t>
+            </a:r>
+            <a:r>
+              <a:rPr lang="en-US" altLang="zh-CN" sz="2000" b="1" dirty="0" smtClean="0"/>
+              <a:t>Coding for blobs</a:t>
+            </a:r>
           </a:p>
           <a:p>
             <a:pPr marL="742950" lvl="1" indent="-285750">
@@ -7688,13 +7375,6 @@
               </a:rPr>
               <a:t>Reduce cost of storage</a:t>
             </a:r>
-            <a:endParaRPr lang="en-US" sz="2000" dirty="0" smtClean="0">
-              <a:solidFill>
-                <a:schemeClr val="accent1">
-                  <a:lumMod val="75000"/>
-                </a:schemeClr>
-              </a:solidFill>
-            </a:endParaRPr>
           </a:p>
           <a:p>
             <a:pPr marL="742950" lvl="1" indent="-285750">
@@ -7711,21 +7391,8 @@
                   <a:srgbClr val="C00000"/>
                 </a:solidFill>
               </a:rPr>
-              <a:t>Tradeoff</a:t>
-            </a:r>
-            <a:r>
-              <a:rPr lang="en-US" sz="2000" dirty="0" smtClean="0">
-                <a:solidFill>
-                  <a:srgbClr val="C00000"/>
-                </a:solidFill>
-              </a:rPr>
-              <a:t>: more complicated mechanism</a:t>
-            </a:r>
-            <a:endParaRPr lang="en-US" sz="2000" dirty="0" smtClean="0">
-              <a:solidFill>
-                <a:srgbClr val="C00000"/>
-              </a:solidFill>
-            </a:endParaRPr>
+              <a:t>Tradeoff: more complicated mechanism</a:t>
+            </a:r>
           </a:p>
           <a:p>
             <a:pPr marL="742950" marR="0" lvl="1" indent="-285750" algn="l" defTabSz="914400" rtl="0" eaLnBrk="1" fontAlgn="auto" latinLnBrk="0" hangingPunct="1">
@@ -7765,7 +7432,7 @@
     </p:spTree>
     <p:extLst>
       <p:ext uri="{BB962C8B-B14F-4D97-AF65-F5344CB8AC3E}">
-        <p14:creationId xmlns="" xmlns:p14="http://schemas.microsoft.com/office/powerpoint/2010/main" val="2807808241"/>
+        <p14:creationId xmlns:p14="http://schemas.microsoft.com/office/powerpoint/2010/main" val="2807808241"/>
       </p:ext>
     </p:extLst>
   </p:cSld>
@@ -7941,7 +7608,7 @@
                             </p:stCondLst>
                             <p:childTnLst>
                               <p:par>
-                                <p:cTn id="16" presetID="8" presetClass="entr" presetSubtype="16" fill="hold" nodeType="clickEffect">
+                                <p:cTn id="16" presetID="2" presetClass="entr" presetSubtype="4" fill="hold" nodeType="clickEffect">
                                   <p:stCondLst>
                                     <p:cond delay="0"/>
                                   </p:stCondLst>
@@ -7954,153 +7621,6 @@
                                           </p:stCondLst>
                                         </p:cTn>
                                         <p:tgtEl>
-                                          <p:spTgt spid="3">
-                                            <p:txEl>
-                                              <p:pRg st="6" end="6"/>
-                                            </p:txEl>
-                                          </p:spTgt>
-                                        </p:tgtEl>
-                                        <p:attrNameLst>
-                                          <p:attrName>style.visibility</p:attrName>
-                                        </p:attrNameLst>
-                                      </p:cBhvr>
-                                      <p:to>
-                                        <p:strVal val="visible"/>
-                                      </p:to>
-                                    </p:set>
-                                    <p:animEffect transition="in" filter="diamond(in)">
-                                      <p:cBhvr>
-                                        <p:cTn id="18" dur="2000"/>
-                                        <p:tgtEl>
-                                          <p:spTgt spid="3">
-                                            <p:txEl>
-                                              <p:pRg st="6" end="6"/>
-                                            </p:txEl>
-                                          </p:spTgt>
-                                        </p:tgtEl>
-                                      </p:cBhvr>
-                                    </p:animEffect>
-                                  </p:childTnLst>
-                                </p:cTn>
-                              </p:par>
-                              <p:par>
-                                <p:cTn id="19" presetID="8" presetClass="entr" presetSubtype="16" fill="hold" nodeType="withEffect">
-                                  <p:stCondLst>
-                                    <p:cond delay="0"/>
-                                  </p:stCondLst>
-                                  <p:childTnLst>
-                                    <p:set>
-                                      <p:cBhvr>
-                                        <p:cTn id="20" dur="1" fill="hold">
-                                          <p:stCondLst>
-                                            <p:cond delay="0"/>
-                                          </p:stCondLst>
-                                        </p:cTn>
-                                        <p:tgtEl>
-                                          <p:spTgt spid="3">
-                                            <p:txEl>
-                                              <p:pRg st="7" end="7"/>
-                                            </p:txEl>
-                                          </p:spTgt>
-                                        </p:tgtEl>
-                                        <p:attrNameLst>
-                                          <p:attrName>style.visibility</p:attrName>
-                                        </p:attrNameLst>
-                                      </p:cBhvr>
-                                      <p:to>
-                                        <p:strVal val="visible"/>
-                                      </p:to>
-                                    </p:set>
-                                    <p:animEffect transition="in" filter="diamond(in)">
-                                      <p:cBhvr>
-                                        <p:cTn id="21" dur="2000"/>
-                                        <p:tgtEl>
-                                          <p:spTgt spid="3">
-                                            <p:txEl>
-                                              <p:pRg st="7" end="7"/>
-                                            </p:txEl>
-                                          </p:spTgt>
-                                        </p:tgtEl>
-                                      </p:cBhvr>
-                                    </p:animEffect>
-                                  </p:childTnLst>
-                                </p:cTn>
-                              </p:par>
-                              <p:par>
-                                <p:cTn id="22" presetID="8" presetClass="entr" presetSubtype="16" fill="hold" nodeType="withEffect">
-                                  <p:stCondLst>
-                                    <p:cond delay="0"/>
-                                  </p:stCondLst>
-                                  <p:childTnLst>
-                                    <p:set>
-                                      <p:cBhvr>
-                                        <p:cTn id="23" dur="1" fill="hold">
-                                          <p:stCondLst>
-                                            <p:cond delay="0"/>
-                                          </p:stCondLst>
-                                        </p:cTn>
-                                        <p:tgtEl>
-                                          <p:spTgt spid="3">
-                                            <p:txEl>
-                                              <p:pRg st="8" end="8"/>
-                                            </p:txEl>
-                                          </p:spTgt>
-                                        </p:tgtEl>
-                                        <p:attrNameLst>
-                                          <p:attrName>style.visibility</p:attrName>
-                                        </p:attrNameLst>
-                                      </p:cBhvr>
-                                      <p:to>
-                                        <p:strVal val="visible"/>
-                                      </p:to>
-                                    </p:set>
-                                    <p:animEffect transition="in" filter="diamond(in)">
-                                      <p:cBhvr>
-                                        <p:cTn id="24" dur="2000"/>
-                                        <p:tgtEl>
-                                          <p:spTgt spid="3">
-                                            <p:txEl>
-                                              <p:pRg st="8" end="8"/>
-                                            </p:txEl>
-                                          </p:spTgt>
-                                        </p:tgtEl>
-                                      </p:cBhvr>
-                                    </p:animEffect>
-                                  </p:childTnLst>
-                                </p:cTn>
-                              </p:par>
-                            </p:childTnLst>
-                          </p:cTn>
-                        </p:par>
-                      </p:childTnLst>
-                    </p:cTn>
-                  </p:par>
-                  <p:par>
-                    <p:cTn id="25" fill="hold">
-                      <p:stCondLst>
-                        <p:cond delay="indefinite"/>
-                      </p:stCondLst>
-                      <p:childTnLst>
-                        <p:par>
-                          <p:cTn id="26" fill="hold">
-                            <p:stCondLst>
-                              <p:cond delay="0"/>
-                            </p:stCondLst>
-                            <p:childTnLst>
-                              <p:par>
-                                <p:cTn id="27" presetID="2" presetClass="entr" presetSubtype="4" fill="hold" nodeType="clickEffect">
-                                  <p:stCondLst>
-                                    <p:cond delay="0"/>
-                                  </p:stCondLst>
-                                  <p:childTnLst>
-                                    <p:set>
-                                      <p:cBhvr>
-                                        <p:cTn id="28" dur="1" fill="hold">
-                                          <p:stCondLst>
-                                            <p:cond delay="0"/>
-                                          </p:stCondLst>
-                                        </p:cTn>
-                                        <p:tgtEl>
                                           <p:spTgt spid="4">
                                             <p:txEl>
                                               <p:pRg st="0" end="0"/>
@@ -8117,7 +7637,7 @@
                                     </p:set>
                                     <p:anim calcmode="lin" valueType="num">
                                       <p:cBhvr additive="base">
-                                        <p:cTn id="29" dur="500" fill="hold"/>
+                                        <p:cTn id="18" dur="500" fill="hold"/>
                                         <p:tgtEl>
                                           <p:spTgt spid="4">
                                             <p:txEl>
@@ -8144,7 +7664,7 @@
                                     </p:anim>
                                     <p:anim calcmode="lin" valueType="num">
                                       <p:cBhvr additive="base">
-                                        <p:cTn id="30" dur="500" fill="hold"/>
+                                        <p:cTn id="19" dur="500" fill="hold"/>
                                         <p:tgtEl>
                                           <p:spTgt spid="4">
                                             <p:txEl>
@@ -8173,14 +7693,14 @@
                                 </p:cTn>
                               </p:par>
                               <p:par>
-                                <p:cTn id="31" presetID="2" presetClass="entr" presetSubtype="4" fill="hold" nodeType="withEffect">
+                                <p:cTn id="20" presetID="2" presetClass="entr" presetSubtype="4" fill="hold" nodeType="withEffect">
                                   <p:stCondLst>
                                     <p:cond delay="0"/>
                                   </p:stCondLst>
                                   <p:childTnLst>
                                     <p:set>
                                       <p:cBhvr>
-                                        <p:cTn id="32" dur="1" fill="hold">
+                                        <p:cTn id="21" dur="1" fill="hold">
                                           <p:stCondLst>
                                             <p:cond delay="0"/>
                                           </p:stCondLst>
@@ -8202,7 +7722,7 @@
                                     </p:set>
                                     <p:anim calcmode="lin" valueType="num">
                                       <p:cBhvr additive="base">
-                                        <p:cTn id="33" dur="500" fill="hold"/>
+                                        <p:cTn id="22" dur="500" fill="hold"/>
                                         <p:tgtEl>
                                           <p:spTgt spid="4">
                                             <p:txEl>
@@ -8229,7 +7749,7 @@
                                     </p:anim>
                                     <p:anim calcmode="lin" valueType="num">
                                       <p:cBhvr additive="base">
-                                        <p:cTn id="34" dur="500" fill="hold"/>
+                                        <p:cTn id="23" dur="500" fill="hold"/>
                                         <p:tgtEl>
                                           <p:spTgt spid="4">
                                             <p:txEl>
@@ -8258,14 +7778,14 @@
                                 </p:cTn>
                               </p:par>
                               <p:par>
-                                <p:cTn id="35" presetID="2" presetClass="entr" presetSubtype="4" fill="hold" nodeType="withEffect">
+                                <p:cTn id="24" presetID="2" presetClass="entr" presetSubtype="4" fill="hold" nodeType="withEffect">
                                   <p:stCondLst>
                                     <p:cond delay="0"/>
                                   </p:stCondLst>
                                   <p:childTnLst>
                                     <p:set>
                                       <p:cBhvr>
-                                        <p:cTn id="36" dur="1" fill="hold">
+                                        <p:cTn id="25" dur="1" fill="hold">
                                           <p:stCondLst>
                                             <p:cond delay="0"/>
                                           </p:stCondLst>
@@ -8287,7 +7807,7 @@
                                     </p:set>
                                     <p:anim calcmode="lin" valueType="num">
                                       <p:cBhvr additive="base">
-                                        <p:cTn id="37" dur="500" fill="hold"/>
+                                        <p:cTn id="26" dur="500" fill="hold"/>
                                         <p:tgtEl>
                                           <p:spTgt spid="4">
                                             <p:txEl>
@@ -8314,7 +7834,7 @@
                                     </p:anim>
                                     <p:anim calcmode="lin" valueType="num">
                                       <p:cBhvr additive="base">
-                                        <p:cTn id="38" dur="500" fill="hold"/>
+                                        <p:cTn id="27" dur="500" fill="hold"/>
                                         <p:tgtEl>
                                           <p:spTgt spid="4">
                                             <p:txEl>
@@ -8349,26 +7869,26 @@
                     </p:cTn>
                   </p:par>
                   <p:par>
-                    <p:cTn id="39" fill="hold">
+                    <p:cTn id="28" fill="hold">
                       <p:stCondLst>
                         <p:cond delay="indefinite"/>
                       </p:stCondLst>
                       <p:childTnLst>
                         <p:par>
-                          <p:cTn id="40" fill="hold">
+                          <p:cTn id="29" fill="hold">
                             <p:stCondLst>
                               <p:cond delay="0"/>
                             </p:stCondLst>
                             <p:childTnLst>
                               <p:par>
-                                <p:cTn id="41" presetID="4" presetClass="entr" presetSubtype="16" fill="hold" nodeType="clickEffect">
+                                <p:cTn id="30" presetID="4" presetClass="entr" presetSubtype="16" fill="hold" nodeType="clickEffect">
                                   <p:stCondLst>
                                     <p:cond delay="0"/>
                                   </p:stCondLst>
                                   <p:childTnLst>
                                     <p:set>
                                       <p:cBhvr>
-                                        <p:cTn id="42" dur="1" fill="hold">
+                                        <p:cTn id="31" dur="1" fill="hold">
                                           <p:stCondLst>
                                             <p:cond delay="0"/>
                                           </p:stCondLst>
@@ -8390,7 +7910,7 @@
                                     </p:set>
                                     <p:animEffect transition="in" filter="box(in)">
                                       <p:cBhvr>
-                                        <p:cTn id="43" dur="500"/>
+                                        <p:cTn id="32" dur="500"/>
                                         <p:tgtEl>
                                           <p:spTgt spid="4">
                                             <p:txEl>
@@ -8404,14 +7924,14 @@
                                 </p:cTn>
                               </p:par>
                               <p:par>
-                                <p:cTn id="44" presetID="4" presetClass="entr" presetSubtype="16" fill="hold" nodeType="withEffect">
+                                <p:cTn id="33" presetID="4" presetClass="entr" presetSubtype="16" fill="hold" nodeType="withEffect">
                                   <p:stCondLst>
                                     <p:cond delay="0"/>
                                   </p:stCondLst>
                                   <p:childTnLst>
                                     <p:set>
                                       <p:cBhvr>
-                                        <p:cTn id="45" dur="1" fill="hold">
+                                        <p:cTn id="34" dur="1" fill="hold">
                                           <p:stCondLst>
                                             <p:cond delay="0"/>
                                           </p:stCondLst>
@@ -8433,7 +7953,7 @@
                                     </p:set>
                                     <p:animEffect transition="in" filter="box(in)">
                                       <p:cBhvr>
-                                        <p:cTn id="46" dur="500"/>
+                                        <p:cTn id="35" dur="500"/>
                                         <p:tgtEl>
                                           <p:spTgt spid="4">
                                             <p:txEl>
@@ -8447,14 +7967,14 @@
                                 </p:cTn>
                               </p:par>
                               <p:par>
-                                <p:cTn id="47" presetID="4" presetClass="entr" presetSubtype="16" fill="hold" nodeType="withEffect">
+                                <p:cTn id="36" presetID="4" presetClass="entr" presetSubtype="16" fill="hold" nodeType="withEffect">
                                   <p:stCondLst>
                                     <p:cond delay="0"/>
                                   </p:stCondLst>
                                   <p:childTnLst>
                                     <p:set>
                                       <p:cBhvr>
-                                        <p:cTn id="48" dur="1" fill="hold">
+                                        <p:cTn id="37" dur="1" fill="hold">
                                           <p:stCondLst>
                                             <p:cond delay="0"/>
                                           </p:stCondLst>
@@ -8476,158 +7996,11 @@
                                     </p:set>
                                     <p:animEffect transition="in" filter="box(in)">
                                       <p:cBhvr>
-                                        <p:cTn id="49" dur="500"/>
+                                        <p:cTn id="38" dur="500"/>
                                         <p:tgtEl>
                                           <p:spTgt spid="4">
                                             <p:txEl>
                                               <p:pRg st="5" end="5"/>
-                                            </p:txEl>
-                                          </p:spTgt>
-                                        </p:tgtEl>
-                                      </p:cBhvr>
-                                    </p:animEffect>
-                                  </p:childTnLst>
-                                </p:cTn>
-                              </p:par>
-                            </p:childTnLst>
-                          </p:cTn>
-                        </p:par>
-                      </p:childTnLst>
-                    </p:cTn>
-                  </p:par>
-                  <p:par>
-                    <p:cTn id="50" fill="hold">
-                      <p:stCondLst>
-                        <p:cond delay="indefinite"/>
-                      </p:stCondLst>
-                      <p:childTnLst>
-                        <p:par>
-                          <p:cTn id="51" fill="hold">
-                            <p:stCondLst>
-                              <p:cond delay="0"/>
-                            </p:stCondLst>
-                            <p:childTnLst>
-                              <p:par>
-                                <p:cTn id="52" presetID="4" presetClass="entr" presetSubtype="16" fill="hold" nodeType="clickEffect">
-                                  <p:stCondLst>
-                                    <p:cond delay="0"/>
-                                  </p:stCondLst>
-                                  <p:childTnLst>
-                                    <p:set>
-                                      <p:cBhvr>
-                                        <p:cTn id="53" dur="1" fill="hold">
-                                          <p:stCondLst>
-                                            <p:cond delay="0"/>
-                                          </p:stCondLst>
-                                        </p:cTn>
-                                        <p:tgtEl>
-                                          <p:spTgt spid="4">
-                                            <p:txEl>
-                                              <p:pRg st="6" end="6"/>
-                                            </p:txEl>
-                                          </p:spTgt>
-                                        </p:tgtEl>
-                                        <p:attrNameLst>
-                                          <p:attrName>style.visibility</p:attrName>
-                                        </p:attrNameLst>
-                                      </p:cBhvr>
-                                      <p:to>
-                                        <p:strVal val="visible"/>
-                                      </p:to>
-                                    </p:set>
-                                    <p:animEffect transition="in" filter="box(in)">
-                                      <p:cBhvr>
-                                        <p:cTn id="54" dur="500"/>
-                                        <p:tgtEl>
-                                          <p:spTgt spid="4">
-                                            <p:txEl>
-                                              <p:pRg st="6" end="6"/>
-                                            </p:txEl>
-                                          </p:spTgt>
-                                        </p:tgtEl>
-                                      </p:cBhvr>
-                                    </p:animEffect>
-                                  </p:childTnLst>
-                                </p:cTn>
-                              </p:par>
-                              <p:par>
-                                <p:cTn id="55" presetID="4" presetClass="entr" presetSubtype="16" fill="hold" nodeType="withEffect">
-                                  <p:stCondLst>
-                                    <p:cond delay="0"/>
-                                  </p:stCondLst>
-                                  <p:childTnLst>
-                                    <p:set>
-                                      <p:cBhvr>
-                                        <p:cTn id="56" dur="1" fill="hold">
-                                          <p:stCondLst>
-                                            <p:cond delay="0"/>
-                                          </p:stCondLst>
-                                        </p:cTn>
-                                        <p:tgtEl>
-                                          <p:spTgt spid="4">
-                                            <p:txEl>
-                                              <p:pRg st="7" end="7"/>
-                                            </p:txEl>
-                                          </p:spTgt>
-                                        </p:tgtEl>
-                                        <p:attrNameLst>
-                                          <p:attrName>style.visibility</p:attrName>
-                                        </p:attrNameLst>
-                                      </p:cBhvr>
-                                      <p:to>
-                                        <p:strVal val="visible"/>
-                                      </p:to>
-                                    </p:set>
-                                    <p:animEffect transition="in" filter="box(in)">
-                                      <p:cBhvr>
-                                        <p:cTn id="57" dur="500"/>
-                                        <p:tgtEl>
-                                          <p:spTgt spid="4">
-                                            <p:txEl>
-                                              <p:pRg st="7" end="7"/>
-                                            </p:txEl>
-                                          </p:spTgt>
-                                        </p:tgtEl>
-                                      </p:cBhvr>
-                                    </p:animEffect>
-                                  </p:childTnLst>
-                                </p:cTn>
-                              </p:par>
-                              <p:par>
-                                <p:cTn id="58" presetID="4" presetClass="entr" presetSubtype="16" fill="hold" nodeType="withEffect">
-                                  <p:stCondLst>
-                                    <p:cond delay="0"/>
-                                  </p:stCondLst>
-                                  <p:childTnLst>
-                                    <p:set>
-                                      <p:cBhvr>
-                                        <p:cTn id="59" dur="1" fill="hold">
-                                          <p:stCondLst>
-                                            <p:cond delay="0"/>
-                                          </p:stCondLst>
-                                        </p:cTn>
-                                        <p:tgtEl>
-                                          <p:spTgt spid="4">
-                                            <p:txEl>
-                                              <p:pRg st="8" end="8"/>
-                                            </p:txEl>
-                                          </p:spTgt>
-                                        </p:tgtEl>
-                                        <p:attrNameLst>
-                                          <p:attrName>style.visibility</p:attrName>
-                                        </p:attrNameLst>
-                                      </p:cBhvr>
-                                      <p:to>
-                                        <p:strVal val="visible"/>
-                                      </p:to>
-                                    </p:set>
-                                    <p:animEffect transition="in" filter="box(in)">
-                                      <p:cBhvr>
-                                        <p:cTn id="60" dur="500"/>
-                                        <p:tgtEl>
-                                          <p:spTgt spid="4">
-                                            <p:txEl>
-                                              <p:pRg st="8" end="8"/>
                                             </p:txEl>
                                           </p:spTgt>
                                         </p:tgtEl>
@@ -8961,7 +8334,7 @@
           <a:blip r:embed="rId2" cstate="print">
             <a:extLst>
               <a:ext uri="{28A0092B-C50C-407E-A947-70E740481C1C}">
-                <a14:useLocalDpi xmlns:a14="http://schemas.microsoft.com/office/drawing/2010/main" xmlns="" val="0"/>
+                <a14:useLocalDpi xmlns:a14="http://schemas.microsoft.com/office/drawing/2010/main" val="0"/>
               </a:ext>
             </a:extLst>
           </a:blip>
@@ -8981,7 +8354,7 @@
           <a:noFill/>
           <a:extLst>
             <a:ext uri="{909E8E84-426E-40DD-AFC4-6F175D3DCCD1}">
-              <a14:hiddenFill xmlns:a14="http://schemas.microsoft.com/office/drawing/2010/main" xmlns="">
+              <a14:hiddenFill xmlns:a14="http://schemas.microsoft.com/office/drawing/2010/main">
                 <a:solidFill>
                   <a:srgbClr val="FFFFFF"/>
                 </a:solidFill>
@@ -9067,18 +8440,18 @@
     </p:spTree>
     <p:extLst>
       <p:ext uri="{BB962C8B-B14F-4D97-AF65-F5344CB8AC3E}">
-        <p14:creationId xmlns:p14="http://schemas.microsoft.com/office/powerpoint/2010/main" xmlns="" val="1715050486"/>
+        <p14:creationId xmlns:p14="http://schemas.microsoft.com/office/powerpoint/2010/main" val="1715050486"/>
       </p:ext>
     </p:extLst>
   </p:cSld>
   <p:clrMapOvr>
     <a:masterClrMapping/>
   </p:clrMapOvr>
-  <mc:AlternateContent xmlns:mc="http://schemas.openxmlformats.org/markup-compatibility/2006">
-    <mc:Choice xmlns:p14="http://schemas.microsoft.com/office/powerpoint/2010/main" xmlns="" Requires="p14">
+  <mc:AlternateContent xmlns:mc="http://schemas.openxmlformats.org/markup-compatibility/2006" xmlns:p14="http://schemas.microsoft.com/office/powerpoint/2010/main">
+    <mc:Choice Requires="p14">
       <p:transition spd="slow" p14:dur="2000"/>
     </mc:Choice>
-    <mc:Fallback>
+    <mc:Fallback xmlns="">
       <p:transition spd="slow"/>
     </mc:Fallback>
   </mc:AlternateContent>
@@ -9093,7 +8466,7 @@
 </file>
 
 <file path=ppt/slides/slide6.xml><?xml version="1.0" encoding="utf-8"?>
-<p:sld xmlns:a="http://schemas.openxmlformats.org/drawingml/2006/main" xmlns:r="http://schemas.openxmlformats.org/officeDocument/2006/relationships" xmlns:p="http://schemas.openxmlformats.org/presentationml/2006/main">
+<p:sld xmlns:a="http://schemas.openxmlformats.org/drawingml/2006/main" xmlns:r="http://schemas.openxmlformats.org/officeDocument/2006/relationships" xmlns:p="http://schemas.openxmlformats.org/presentationml/2006/main" show="0">
   <p:cSld>
     <p:spTree>
       <p:nvGrpSpPr>
@@ -11692,7 +11065,7 @@
     </p:spTree>
     <p:extLst>
       <p:ext uri="{BB962C8B-B14F-4D97-AF65-F5344CB8AC3E}">
-        <p14:creationId xmlns="" xmlns:p14="http://schemas.microsoft.com/office/powerpoint/2010/main" val="639367041"/>
+        <p14:creationId xmlns:p14="http://schemas.microsoft.com/office/powerpoint/2010/main" val="639367041"/>
       </p:ext>
     </p:extLst>
   </p:cSld>

--- a/Paper Presentation/Presentation_part3.pptx
+++ b/Paper Presentation/Presentation_part3.pptx
@@ -369,7 +369,7 @@
     </p:spTree>
     <p:extLst>
       <p:ext uri="{BB962C8B-B14F-4D97-AF65-F5344CB8AC3E}">
-        <p14:creationId xmlns:p14="http://schemas.microsoft.com/office/powerpoint/2010/main" val="417909806"/>
+        <p14:creationId xmlns:p14="http://schemas.microsoft.com/office/powerpoint/2010/main" xmlns="" val="417909806"/>
       </p:ext>
     </p:extLst>
   </p:cSld>
@@ -5981,7 +5981,7 @@
     </p:spTree>
     <p:extLst>
       <p:ext uri="{BB962C8B-B14F-4D97-AF65-F5344CB8AC3E}">
-        <p14:creationId xmlns:p14="http://schemas.microsoft.com/office/powerpoint/2010/main" val="4171962860"/>
+        <p14:creationId xmlns:p14="http://schemas.microsoft.com/office/powerpoint/2010/main" xmlns="" val="4171962860"/>
       </p:ext>
     </p:extLst>
   </p:cSld>
@@ -6870,23 +6870,28 @@
         </p:spPr>
         <p:txBody>
           <a:bodyPr>
-            <a:normAutofit fontScale="90000"/>
+            <a:noAutofit/>
           </a:bodyPr>
           <a:lstStyle/>
           <a:p>
-            <a:r>
-              <a:rPr lang="en-US" dirty="0" smtClean="0"/>
-              <a:t>Approach to the </a:t>
-            </a:r>
-            <a:r>
-              <a:rPr lang="en-US" dirty="0"/>
-              <a:t>CAP </a:t>
-            </a:r>
-            <a:r>
-              <a:rPr lang="en-US" dirty="0" smtClean="0"/>
-              <a:t>Theorem</a:t>
-            </a:r>
-            <a:endParaRPr lang="en-US" dirty="0"/>
+            <a:pPr algn="l"/>
+            <a:r>
+              <a:rPr lang="en-US" sz="3600" dirty="0" smtClean="0"/>
+              <a:t>Approach to </a:t>
+            </a:r>
+            <a:r>
+              <a:rPr lang="en-US" sz="3600" dirty="0" smtClean="0"/>
+              <a:t>C</a:t>
+            </a:r>
+            <a:r>
+              <a:rPr lang="en-US" sz="3600" dirty="0" smtClean="0"/>
+              <a:t>onsistency</a:t>
+            </a:r>
+            <a:r>
+              <a:rPr lang="en-US" altLang="zh-CN" sz="3600" dirty="0" smtClean="0"/>
+              <a:t>, Availability&amp; Partition tolerance</a:t>
+            </a:r>
+            <a:endParaRPr lang="en-US" sz="3600" dirty="0"/>
           </a:p>
         </p:txBody>
       </p:sp>
@@ -6914,11 +6919,7 @@
           <a:p>
             <a:r>
               <a:rPr lang="en-US" sz="2400" dirty="0" smtClean="0"/>
-              <a:t>Layering and co-design </a:t>
-            </a:r>
-            <a:r>
-              <a:rPr lang="en-US" sz="2400" dirty="0" smtClean="0"/>
-              <a:t>provides CAP for WAS</a:t>
+              <a:t>Layering and co-design provides CAP for WAS</a:t>
             </a:r>
             <a:endParaRPr lang="en-US" sz="2400" dirty="0"/>
           </a:p>
@@ -7009,20 +7010,15 @@
             </a:r>
             <a:r>
               <a:rPr lang="en-US" dirty="0" smtClean="0"/>
-              <a:t> can be served by any partition server and are moved to available servers if a partition server </a:t>
-            </a:r>
-            <a:r>
-              <a:rPr lang="en-US" dirty="0" smtClean="0"/>
-              <a:t>fails</a:t>
-            </a:r>
-            <a:endParaRPr lang="en-US" dirty="0" smtClean="0"/>
+              <a:t> can be served by any partition server and are moved to available servers if a partition server fails</a:t>
+            </a:r>
           </a:p>
         </p:txBody>
       </p:sp>
     </p:spTree>
     <p:extLst>
       <p:ext uri="{BB962C8B-B14F-4D97-AF65-F5344CB8AC3E}">
-        <p14:creationId xmlns:p14="http://schemas.microsoft.com/office/powerpoint/2010/main" val="2807808241"/>
+        <p14:creationId xmlns:p14="http://schemas.microsoft.com/office/powerpoint/2010/main" xmlns="" val="2807808241"/>
       </p:ext>
     </p:extLst>
   </p:cSld>
@@ -7350,11 +7346,7 @@
             </a:pPr>
             <a:r>
               <a:rPr lang="en-US" altLang="zh-CN" sz="2000" b="1" dirty="0" smtClean="0"/>
-              <a:t>Erasure </a:t>
-            </a:r>
-            <a:r>
-              <a:rPr lang="en-US" altLang="zh-CN" sz="2000" b="1" dirty="0" smtClean="0"/>
-              <a:t>Coding for blobs</a:t>
+              <a:t>Erasure Coding for blobs</a:t>
             </a:r>
           </a:p>
           <a:p>
@@ -7432,7 +7424,7 @@
     </p:spTree>
     <p:extLst>
       <p:ext uri="{BB962C8B-B14F-4D97-AF65-F5344CB8AC3E}">
-        <p14:creationId xmlns:p14="http://schemas.microsoft.com/office/powerpoint/2010/main" val="2807808241"/>
+        <p14:creationId xmlns:p14="http://schemas.microsoft.com/office/powerpoint/2010/main" xmlns="" val="2807808241"/>
       </p:ext>
     </p:extLst>
   </p:cSld>
@@ -8093,7 +8085,7 @@
         <p:spPr/>
         <p:txBody>
           <a:bodyPr>
-            <a:normAutofit fontScale="85000" lnSpcReduction="20000"/>
+            <a:normAutofit fontScale="85000" lnSpcReduction="10000"/>
           </a:bodyPr>
           <a:lstStyle/>
           <a:p>
@@ -8113,33 +8105,11 @@
               </a:rPr>
               <a:t>Only windows centric applications are supported by Microsoft </a:t>
             </a:r>
-          </a:p>
-          <a:p>
-            <a:pPr lvl="1"/>
-            <a:r>
-              <a:rPr lang="en-US" dirty="0" smtClean="0">
-                <a:solidFill>
-                  <a:srgbClr val="FF0000"/>
-                </a:solidFill>
-              </a:rPr>
-              <a:t>have </a:t>
-            </a:r>
-            <a:r>
-              <a:rPr lang="en-US" dirty="0">
-                <a:solidFill>
-                  <a:srgbClr val="FF0000"/>
-                </a:solidFill>
-              </a:rPr>
-              <a:t>to use C</a:t>
-            </a:r>
-            <a:r>
-              <a:rPr lang="en-US" dirty="0" smtClean="0">
-                <a:solidFill>
-                  <a:srgbClr val="FF0000"/>
-                </a:solidFill>
-              </a:rPr>
-              <a:t>#</a:t>
-            </a:r>
+            <a:endParaRPr lang="en-US" dirty="0" smtClean="0">
+              <a:solidFill>
+                <a:srgbClr val="FF0000"/>
+              </a:solidFill>
+            </a:endParaRPr>
           </a:p>
           <a:p>
             <a:pPr lvl="1"/>
@@ -8334,7 +8304,7 @@
           <a:blip r:embed="rId2" cstate="print">
             <a:extLst>
               <a:ext uri="{28A0092B-C50C-407E-A947-70E740481C1C}">
-                <a14:useLocalDpi xmlns:a14="http://schemas.microsoft.com/office/drawing/2010/main" val="0"/>
+                <a14:useLocalDpi xmlns:a14="http://schemas.microsoft.com/office/drawing/2010/main" xmlns="" val="0"/>
               </a:ext>
             </a:extLst>
           </a:blip>
@@ -8354,7 +8324,7 @@
           <a:noFill/>
           <a:extLst>
             <a:ext uri="{909E8E84-426E-40DD-AFC4-6F175D3DCCD1}">
-              <a14:hiddenFill xmlns:a14="http://schemas.microsoft.com/office/drawing/2010/main">
+              <a14:hiddenFill xmlns:a14="http://schemas.microsoft.com/office/drawing/2010/main" xmlns="">
                 <a:solidFill>
                   <a:srgbClr val="FFFFFF"/>
                 </a:solidFill>
@@ -8440,18 +8410,18 @@
     </p:spTree>
     <p:extLst>
       <p:ext uri="{BB962C8B-B14F-4D97-AF65-F5344CB8AC3E}">
-        <p14:creationId xmlns:p14="http://schemas.microsoft.com/office/powerpoint/2010/main" val="1715050486"/>
+        <p14:creationId xmlns:p14="http://schemas.microsoft.com/office/powerpoint/2010/main" xmlns="" val="1715050486"/>
       </p:ext>
     </p:extLst>
   </p:cSld>
   <p:clrMapOvr>
     <a:masterClrMapping/>
   </p:clrMapOvr>
-  <mc:AlternateContent xmlns:mc="http://schemas.openxmlformats.org/markup-compatibility/2006" xmlns:p14="http://schemas.microsoft.com/office/powerpoint/2010/main">
-    <mc:Choice Requires="p14">
+  <mc:AlternateContent xmlns:mc="http://schemas.openxmlformats.org/markup-compatibility/2006">
+    <mc:Choice xmlns:p14="http://schemas.microsoft.com/office/powerpoint/2010/main" xmlns="" Requires="p14">
       <p:transition spd="slow" p14:dur="2000"/>
     </mc:Choice>
-    <mc:Fallback xmlns="">
+    <mc:Fallback>
       <p:transition spd="slow"/>
     </mc:Fallback>
   </mc:AlternateContent>
@@ -11065,7 +11035,7 @@
     </p:spTree>
     <p:extLst>
       <p:ext uri="{BB962C8B-B14F-4D97-AF65-F5344CB8AC3E}">
-        <p14:creationId xmlns:p14="http://schemas.microsoft.com/office/powerpoint/2010/main" val="639367041"/>
+        <p14:creationId xmlns:p14="http://schemas.microsoft.com/office/powerpoint/2010/main" xmlns="" val="639367041"/>
       </p:ext>
     </p:extLst>
   </p:cSld>

--- a/Paper Presentation/Presentation_part3.pptx
+++ b/Paper Presentation/Presentation_part3.pptx
@@ -198,7 +198,7 @@
             <a:fld id="{403515F8-3232-4F59-8F75-02B487CB84C0}" type="datetimeFigureOut">
               <a:rPr lang="en-US" smtClean="0"/>
               <a:pPr/>
-              <a:t>10/22/2012</a:t>
+              <a:t>10/23/2012</a:t>
             </a:fld>
             <a:endParaRPr lang="en-US"/>
           </a:p>
@@ -369,7 +369,7 @@
     </p:spTree>
     <p:extLst>
       <p:ext uri="{BB962C8B-B14F-4D97-AF65-F5344CB8AC3E}">
-        <p14:creationId xmlns:p14="http://schemas.microsoft.com/office/powerpoint/2010/main" xmlns="" val="417909806"/>
+        <p14:creationId xmlns="" xmlns:p14="http://schemas.microsoft.com/office/powerpoint/2010/main" val="417909806"/>
       </p:ext>
     </p:extLst>
   </p:cSld>
@@ -979,7 +979,7 @@
             <a:fld id="{A117B477-4D9D-4940-9A96-52ECF542B817}" type="datetimeFigureOut">
               <a:rPr lang="en-US" smtClean="0"/>
               <a:pPr/>
-              <a:t>10/22/2012</a:t>
+              <a:t>10/23/2012</a:t>
             </a:fld>
             <a:endParaRPr lang="en-US"/>
           </a:p>
@@ -1146,7 +1146,7 @@
             <a:fld id="{A117B477-4D9D-4940-9A96-52ECF542B817}" type="datetimeFigureOut">
               <a:rPr lang="en-US" smtClean="0"/>
               <a:pPr/>
-              <a:t>10/22/2012</a:t>
+              <a:t>10/23/2012</a:t>
             </a:fld>
             <a:endParaRPr lang="en-US"/>
           </a:p>
@@ -1323,7 +1323,7 @@
             <a:fld id="{A117B477-4D9D-4940-9A96-52ECF542B817}" type="datetimeFigureOut">
               <a:rPr lang="en-US" smtClean="0"/>
               <a:pPr/>
-              <a:t>10/22/2012</a:t>
+              <a:t>10/23/2012</a:t>
             </a:fld>
             <a:endParaRPr lang="en-US"/>
           </a:p>
@@ -1490,7 +1490,7 @@
             <a:fld id="{A117B477-4D9D-4940-9A96-52ECF542B817}" type="datetimeFigureOut">
               <a:rPr lang="en-US" smtClean="0"/>
               <a:pPr/>
-              <a:t>10/22/2012</a:t>
+              <a:t>10/23/2012</a:t>
             </a:fld>
             <a:endParaRPr lang="en-US"/>
           </a:p>
@@ -1733,7 +1733,7 @@
             <a:fld id="{A117B477-4D9D-4940-9A96-52ECF542B817}" type="datetimeFigureOut">
               <a:rPr lang="en-US" smtClean="0"/>
               <a:pPr/>
-              <a:t>10/22/2012</a:t>
+              <a:t>10/23/2012</a:t>
             </a:fld>
             <a:endParaRPr lang="en-US"/>
           </a:p>
@@ -2018,7 +2018,7 @@
             <a:fld id="{A117B477-4D9D-4940-9A96-52ECF542B817}" type="datetimeFigureOut">
               <a:rPr lang="en-US" smtClean="0"/>
               <a:pPr/>
-              <a:t>10/22/2012</a:t>
+              <a:t>10/23/2012</a:t>
             </a:fld>
             <a:endParaRPr lang="en-US"/>
           </a:p>
@@ -2437,7 +2437,7 @@
             <a:fld id="{A117B477-4D9D-4940-9A96-52ECF542B817}" type="datetimeFigureOut">
               <a:rPr lang="en-US" smtClean="0"/>
               <a:pPr/>
-              <a:t>10/22/2012</a:t>
+              <a:t>10/23/2012</a:t>
             </a:fld>
             <a:endParaRPr lang="en-US"/>
           </a:p>
@@ -2552,7 +2552,7 @@
             <a:fld id="{A117B477-4D9D-4940-9A96-52ECF542B817}" type="datetimeFigureOut">
               <a:rPr lang="en-US" smtClean="0"/>
               <a:pPr/>
-              <a:t>10/22/2012</a:t>
+              <a:t>10/23/2012</a:t>
             </a:fld>
             <a:endParaRPr lang="en-US"/>
           </a:p>
@@ -2644,7 +2644,7 @@
             <a:fld id="{A117B477-4D9D-4940-9A96-52ECF542B817}" type="datetimeFigureOut">
               <a:rPr lang="en-US" smtClean="0"/>
               <a:pPr/>
-              <a:t>10/22/2012</a:t>
+              <a:t>10/23/2012</a:t>
             </a:fld>
             <a:endParaRPr lang="en-US"/>
           </a:p>
@@ -2918,7 +2918,7 @@
             <a:fld id="{A117B477-4D9D-4940-9A96-52ECF542B817}" type="datetimeFigureOut">
               <a:rPr lang="en-US" smtClean="0"/>
               <a:pPr/>
-              <a:t>10/22/2012</a:t>
+              <a:t>10/23/2012</a:t>
             </a:fld>
             <a:endParaRPr lang="en-US"/>
           </a:p>
@@ -3168,7 +3168,7 @@
             <a:fld id="{A117B477-4D9D-4940-9A96-52ECF542B817}" type="datetimeFigureOut">
               <a:rPr lang="en-US" smtClean="0"/>
               <a:pPr/>
-              <a:t>10/22/2012</a:t>
+              <a:t>10/23/2012</a:t>
             </a:fld>
             <a:endParaRPr lang="en-US"/>
           </a:p>
@@ -3378,7 +3378,7 @@
             <a:fld id="{A117B477-4D9D-4940-9A96-52ECF542B817}" type="datetimeFigureOut">
               <a:rPr lang="en-US" smtClean="0"/>
               <a:pPr/>
-              <a:t>10/22/2012</a:t>
+              <a:t>10/23/2012</a:t>
             </a:fld>
             <a:endParaRPr lang="en-US"/>
           </a:p>
@@ -5981,7 +5981,7 @@
     </p:spTree>
     <p:extLst>
       <p:ext uri="{BB962C8B-B14F-4D97-AF65-F5344CB8AC3E}">
-        <p14:creationId xmlns:p14="http://schemas.microsoft.com/office/powerpoint/2010/main" xmlns="" val="4171962860"/>
+        <p14:creationId xmlns="" xmlns:p14="http://schemas.microsoft.com/office/powerpoint/2010/main" val="4171962860"/>
       </p:ext>
     </p:extLst>
   </p:cSld>
@@ -6877,15 +6877,7 @@
             <a:pPr algn="l"/>
             <a:r>
               <a:rPr lang="en-US" sz="3600" dirty="0" smtClean="0"/>
-              <a:t>Approach to </a:t>
-            </a:r>
-            <a:r>
-              <a:rPr lang="en-US" sz="3600" dirty="0" smtClean="0"/>
-              <a:t>C</a:t>
-            </a:r>
-            <a:r>
-              <a:rPr lang="en-US" sz="3600" dirty="0" smtClean="0"/>
-              <a:t>onsistency</a:t>
+              <a:t>Approach to Consistency</a:t>
             </a:r>
             <a:r>
               <a:rPr lang="en-US" altLang="zh-CN" sz="3600" dirty="0" smtClean="0"/>
@@ -7018,7 +7010,7 @@
     </p:spTree>
     <p:extLst>
       <p:ext uri="{BB962C8B-B14F-4D97-AF65-F5344CB8AC3E}">
-        <p14:creationId xmlns:p14="http://schemas.microsoft.com/office/powerpoint/2010/main" xmlns="" val="2807808241"/>
+        <p14:creationId xmlns="" xmlns:p14="http://schemas.microsoft.com/office/powerpoint/2010/main" val="2807808241"/>
       </p:ext>
     </p:extLst>
   </p:cSld>
@@ -7105,14 +7097,14 @@
           <a:lstStyle/>
           <a:p>
             <a:r>
-              <a:rPr lang="en-US" sz="1800" b="1" dirty="0" smtClean="0"/>
+              <a:rPr lang="en-US" sz="2000" b="1" dirty="0" smtClean="0"/>
               <a:t>Append-only System</a:t>
             </a:r>
           </a:p>
           <a:p>
             <a:pPr lvl="1"/>
             <a:r>
-              <a:rPr lang="en-US" sz="1800" dirty="0" smtClean="0">
+              <a:rPr lang="en-US" sz="2000" dirty="0" smtClean="0">
                 <a:solidFill>
                   <a:schemeClr val="accent1">
                     <a:lumMod val="75000"/>
@@ -7122,7 +7114,7 @@
               <a:t>Greatly simplifies replication protocol</a:t>
             </a:r>
             <a:r>
-              <a:rPr lang="en-US" altLang="zh-CN" sz="1800" dirty="0" smtClean="0">
+              <a:rPr lang="en-US" altLang="zh-CN" sz="2000" dirty="0" smtClean="0">
                 <a:solidFill>
                   <a:schemeClr val="accent1">
                     <a:lumMod val="75000"/>
@@ -7132,7 +7124,7 @@
               <a:t>, </a:t>
             </a:r>
             <a:r>
-              <a:rPr lang="en-US" sz="1800" dirty="0" smtClean="0">
+              <a:rPr lang="en-US" sz="2000" dirty="0" smtClean="0">
                 <a:solidFill>
                   <a:schemeClr val="accent1">
                     <a:lumMod val="75000"/>
@@ -7142,7 +7134,7 @@
               <a:t>failure handling</a:t>
             </a:r>
             <a:r>
-              <a:rPr lang="en-US" altLang="zh-CN" sz="1800" dirty="0" smtClean="0">
+              <a:rPr lang="en-US" altLang="zh-CN" sz="2000" dirty="0" smtClean="0">
                 <a:solidFill>
                   <a:schemeClr val="accent1">
                     <a:lumMod val="75000"/>
@@ -7155,18 +7147,18 @@
           <a:p>
             <a:pPr lvl="1"/>
             <a:r>
-              <a:rPr lang="en-US" sz="1800" dirty="0" smtClean="0">
+              <a:rPr lang="en-US" sz="2000" dirty="0" smtClean="0">
                 <a:solidFill>
                   <a:srgbClr val="C00000"/>
                 </a:solidFill>
               </a:rPr>
               <a:t>Tradeoff: GC overhead</a:t>
             </a:r>
-            <a:endParaRPr lang="en-US" sz="1800" dirty="0" smtClean="0"/>
-          </a:p>
-          <a:p>
-            <a:r>
-              <a:rPr lang="en-US" sz="1800" b="1" dirty="0" smtClean="0">
+            <a:endParaRPr lang="en-US" sz="2000" dirty="0" smtClean="0"/>
+          </a:p>
+          <a:p>
+            <a:r>
+              <a:rPr lang="en-US" sz="2000" b="1" dirty="0" smtClean="0">
                 <a:solidFill>
                   <a:schemeClr val="tx1"/>
                 </a:solidFill>
@@ -7174,7 +7166,7 @@
               <a:t>Multi</a:t>
             </a:r>
             <a:r>
-              <a:rPr lang="en-US" altLang="zh-CN" sz="1800" b="1" dirty="0" smtClean="0">
+              <a:rPr lang="en-US" altLang="zh-CN" sz="2000" b="1" dirty="0" smtClean="0">
                 <a:solidFill>
                   <a:schemeClr val="tx1"/>
                 </a:solidFill>
@@ -7182,15 +7174,15 @@
               <a:t>-Data </a:t>
             </a:r>
             <a:r>
-              <a:rPr lang="en-US" altLang="zh-CN" sz="1800" b="1" dirty="0" smtClean="0"/>
+              <a:rPr lang="en-US" altLang="zh-CN" sz="2000" b="1" dirty="0" smtClean="0"/>
               <a:t>abstraction from single stack</a:t>
             </a:r>
-            <a:endParaRPr lang="en-US" altLang="zh-CN" sz="1800" b="1" dirty="0"/>
+            <a:endParaRPr lang="en-US" altLang="zh-CN" sz="2000" b="1" dirty="0"/>
           </a:p>
           <a:p>
             <a:pPr lvl="1"/>
             <a:r>
-              <a:rPr lang="en-US" sz="1800" dirty="0" smtClean="0">
+              <a:rPr lang="en-US" sz="2000" dirty="0" smtClean="0">
                 <a:solidFill>
                   <a:schemeClr val="accent1">
                     <a:lumMod val="75000"/>
@@ -7203,7 +7195,7 @@
           <a:p>
             <a:pPr lvl="1"/>
             <a:r>
-              <a:rPr lang="en-US" sz="1800" dirty="0" smtClean="0">
+              <a:rPr lang="en-US" sz="2000" dirty="0" smtClean="0">
                 <a:solidFill>
                   <a:srgbClr val="C00000"/>
                 </a:solidFill>
@@ -7424,7 +7416,7 @@
     </p:spTree>
     <p:extLst>
       <p:ext uri="{BB962C8B-B14F-4D97-AF65-F5344CB8AC3E}">
-        <p14:creationId xmlns:p14="http://schemas.microsoft.com/office/powerpoint/2010/main" xmlns="" val="2807808241"/>
+        <p14:creationId xmlns="" xmlns:p14="http://schemas.microsoft.com/office/powerpoint/2010/main" val="2807808241"/>
       </p:ext>
     </p:extLst>
   </p:cSld>
@@ -8085,7 +8077,7 @@
         <p:spPr/>
         <p:txBody>
           <a:bodyPr>
-            <a:normAutofit fontScale="85000" lnSpcReduction="10000"/>
+            <a:normAutofit fontScale="92500" lnSpcReduction="20000"/>
           </a:bodyPr>
           <a:lstStyle/>
           <a:p>
@@ -8105,11 +8097,6 @@
               </a:rPr>
               <a:t>Only windows centric applications are supported by Microsoft </a:t>
             </a:r>
-            <a:endParaRPr lang="en-US" dirty="0" smtClean="0">
-              <a:solidFill>
-                <a:srgbClr val="FF0000"/>
-              </a:solidFill>
-            </a:endParaRPr>
           </a:p>
           <a:p>
             <a:pPr lvl="1"/>
@@ -8122,11 +8109,15 @@
           <a:p>
             <a:r>
               <a:rPr lang="en-US" dirty="0" smtClean="0"/>
-              <a:t>Many middleware for serious computation that requires HPC</a:t>
+              <a:t>Many middleware </a:t>
             </a:r>
             <a:r>
               <a:rPr lang="en-US" altLang="zh-CN" dirty="0" smtClean="0"/>
-              <a:t>/cloud written in </a:t>
+              <a:t>written </a:t>
+            </a:r>
+            <a:r>
+              <a:rPr lang="en-US" altLang="zh-CN" dirty="0" smtClean="0"/>
+              <a:t>in </a:t>
             </a:r>
             <a:r>
               <a:rPr lang="en-US" altLang="zh-CN" dirty="0" err="1" smtClean="0"/>
@@ -8146,8 +8137,13 @@
             </a:r>
             <a:r>
               <a:rPr lang="en-US" dirty="0" smtClean="0"/>
-              <a:t> unsupported</a:t>
-            </a:r>
+              <a:t> </a:t>
+            </a:r>
+            <a:r>
+              <a:rPr lang="en-US" dirty="0" smtClean="0"/>
+              <a:t>not supported</a:t>
+            </a:r>
+            <a:endParaRPr lang="en-US" dirty="0" smtClean="0"/>
           </a:p>
           <a:p>
             <a:pPr lvl="1"/>
@@ -8304,7 +8300,7 @@
           <a:blip r:embed="rId2" cstate="print">
             <a:extLst>
               <a:ext uri="{28A0092B-C50C-407E-A947-70E740481C1C}">
-                <a14:useLocalDpi xmlns:a14="http://schemas.microsoft.com/office/drawing/2010/main" xmlns="" val="0"/>
+                <a14:useLocalDpi xmlns="" xmlns:a14="http://schemas.microsoft.com/office/drawing/2010/main" val="0"/>
               </a:ext>
             </a:extLst>
           </a:blip>
@@ -8324,7 +8320,7 @@
           <a:noFill/>
           <a:extLst>
             <a:ext uri="{909E8E84-426E-40DD-AFC4-6F175D3DCCD1}">
-              <a14:hiddenFill xmlns:a14="http://schemas.microsoft.com/office/drawing/2010/main" xmlns="">
+              <a14:hiddenFill xmlns="" xmlns:a14="http://schemas.microsoft.com/office/drawing/2010/main">
                 <a:solidFill>
                   <a:srgbClr val="FFFFFF"/>
                 </a:solidFill>
@@ -8410,7 +8406,7 @@
     </p:spTree>
     <p:extLst>
       <p:ext uri="{BB962C8B-B14F-4D97-AF65-F5344CB8AC3E}">
-        <p14:creationId xmlns:p14="http://schemas.microsoft.com/office/powerpoint/2010/main" xmlns="" val="1715050486"/>
+        <p14:creationId xmlns="" xmlns:p14="http://schemas.microsoft.com/office/powerpoint/2010/main" val="1715050486"/>
       </p:ext>
     </p:extLst>
   </p:cSld>
@@ -8418,7 +8414,7 @@
     <a:masterClrMapping/>
   </p:clrMapOvr>
   <mc:AlternateContent xmlns:mc="http://schemas.openxmlformats.org/markup-compatibility/2006">
-    <mc:Choice xmlns:p14="http://schemas.microsoft.com/office/powerpoint/2010/main" xmlns="" Requires="p14">
+    <mc:Choice xmlns="" xmlns:p14="http://schemas.microsoft.com/office/powerpoint/2010/main" Requires="p14">
       <p:transition spd="slow" p14:dur="2000"/>
     </mc:Choice>
     <mc:Fallback>
@@ -11035,7 +11031,7 @@
     </p:spTree>
     <p:extLst>
       <p:ext uri="{BB962C8B-B14F-4D97-AF65-F5344CB8AC3E}">
-        <p14:creationId xmlns:p14="http://schemas.microsoft.com/office/powerpoint/2010/main" xmlns="" val="639367041"/>
+        <p14:creationId xmlns="" xmlns:p14="http://schemas.microsoft.com/office/powerpoint/2010/main" val="639367041"/>
       </p:ext>
     </p:extLst>
   </p:cSld>

--- a/Paper Presentation/Presentation_part3.pptx
+++ b/Paper Presentation/Presentation_part3.pptx
@@ -369,7 +369,7 @@
     </p:spTree>
     <p:extLst>
       <p:ext uri="{BB962C8B-B14F-4D97-AF65-F5344CB8AC3E}">
-        <p14:creationId xmlns="" xmlns:p14="http://schemas.microsoft.com/office/powerpoint/2010/main" val="417909806"/>
+        <p14:creationId xmlns:p14="http://schemas.microsoft.com/office/powerpoint/2010/main" xmlns="" val="417909806"/>
       </p:ext>
     </p:extLst>
   </p:cSld>
@@ -5478,21 +5478,6 @@
             </a:r>
           </a:p>
           <a:p>
-            <a:pPr lvl="1"/>
-            <a:r>
-              <a:rPr lang="en-US" sz="1600" b="1" u="sng" dirty="0" smtClean="0">
-                <a:solidFill>
-                  <a:schemeClr val="accent1">
-                    <a:lumMod val="75000"/>
-                  </a:schemeClr>
-                </a:solidFill>
-                <a:ea typeface="Segoe UI" pitchFamily="34" charset="0"/>
-                <a:cs typeface="Segoe UI" pitchFamily="34" charset="0"/>
-              </a:rPr>
-              <a:t>Row and Blob Data Streams</a:t>
-            </a:r>
-          </a:p>
-          <a:p>
             <a:r>
               <a:rPr lang="en-US" sz="1600" b="1" dirty="0" smtClean="0">
                 <a:solidFill>
@@ -5503,7 +5488,19 @@
                 <a:ea typeface="Segoe UI" pitchFamily="34" charset="0"/>
                 <a:cs typeface="Segoe UI" pitchFamily="34" charset="0"/>
               </a:rPr>
-              <a:t>Offset valid on any replica</a:t>
+              <a:t>Offset </a:t>
+            </a:r>
+            <a:r>
+              <a:rPr lang="en-US" sz="1600" b="1" dirty="0" smtClean="0">
+                <a:solidFill>
+                  <a:schemeClr val="accent1">
+                    <a:lumMod val="75000"/>
+                  </a:schemeClr>
+                </a:solidFill>
+                <a:ea typeface="Segoe UI" pitchFamily="34" charset="0"/>
+                <a:cs typeface="Segoe UI" pitchFamily="34" charset="0"/>
+              </a:rPr>
+              <a:t>valid on any replica</a:t>
             </a:r>
           </a:p>
         </p:txBody>
@@ -5981,7 +5978,7 @@
     </p:spTree>
     <p:extLst>
       <p:ext uri="{BB962C8B-B14F-4D97-AF65-F5344CB8AC3E}">
-        <p14:creationId xmlns="" xmlns:p14="http://schemas.microsoft.com/office/powerpoint/2010/main" val="4171962860"/>
+        <p14:creationId xmlns:p14="http://schemas.microsoft.com/office/powerpoint/2010/main" xmlns="" val="4171962860"/>
       </p:ext>
     </p:extLst>
   </p:cSld>
@@ -6486,49 +6483,6 @@
                                   </p:childTnLst>
                                 </p:cTn>
                               </p:par>
-                              <p:par>
-                                <p:cTn id="42" presetID="10" presetClass="entr" presetSubtype="0" fill="hold" grpId="0" nodeType="withEffect">
-                                  <p:stCondLst>
-                                    <p:cond delay="0"/>
-                                  </p:stCondLst>
-                                  <p:childTnLst>
-                                    <p:set>
-                                      <p:cBhvr>
-                                        <p:cTn id="43" dur="1" fill="hold">
-                                          <p:stCondLst>
-                                            <p:cond delay="0"/>
-                                          </p:stCondLst>
-                                        </p:cTn>
-                                        <p:tgtEl>
-                                          <p:spTgt spid="52">
-                                            <p:txEl>
-                                              <p:pRg st="2" end="2"/>
-                                            </p:txEl>
-                                          </p:spTgt>
-                                        </p:tgtEl>
-                                        <p:attrNameLst>
-                                          <p:attrName>style.visibility</p:attrName>
-                                        </p:attrNameLst>
-                                      </p:cBhvr>
-                                      <p:to>
-                                        <p:strVal val="visible"/>
-                                      </p:to>
-                                    </p:set>
-                                    <p:animEffect transition="in" filter="fade">
-                                      <p:cBhvr>
-                                        <p:cTn id="44" dur="500"/>
-                                        <p:tgtEl>
-                                          <p:spTgt spid="52">
-                                            <p:txEl>
-                                              <p:pRg st="2" end="2"/>
-                                            </p:txEl>
-                                          </p:spTgt>
-                                        </p:tgtEl>
-                                      </p:cBhvr>
-                                    </p:animEffect>
-                                  </p:childTnLst>
-                                </p:cTn>
-                              </p:par>
                             </p:childTnLst>
                           </p:cTn>
                         </p:par>
@@ -6536,26 +6490,26 @@
                     </p:cTn>
                   </p:par>
                   <p:par>
-                    <p:cTn id="45" fill="hold">
+                    <p:cTn id="42" fill="hold">
                       <p:stCondLst>
                         <p:cond delay="indefinite"/>
                       </p:stCondLst>
                       <p:childTnLst>
                         <p:par>
-                          <p:cTn id="46" fill="hold">
+                          <p:cTn id="43" fill="hold">
                             <p:stCondLst>
                               <p:cond delay="0"/>
                             </p:stCondLst>
                             <p:childTnLst>
                               <p:par>
-                                <p:cTn id="47" presetID="10" presetClass="entr" presetSubtype="0" fill="hold" grpId="0" nodeType="clickEffect">
+                                <p:cTn id="44" presetID="10" presetClass="entr" presetSubtype="0" fill="hold" grpId="0" nodeType="clickEffect">
                                   <p:stCondLst>
                                     <p:cond delay="0"/>
                                   </p:stCondLst>
                                   <p:childTnLst>
                                     <p:set>
                                       <p:cBhvr>
-                                        <p:cTn id="48" dur="1" fill="hold">
+                                        <p:cTn id="45" dur="1" fill="hold">
                                           <p:stCondLst>
                                             <p:cond delay="0"/>
                                           </p:stCondLst>
@@ -6563,7 +6517,7 @@
                                         <p:tgtEl>
                                           <p:spTgt spid="52">
                                             <p:txEl>
-                                              <p:pRg st="3" end="3"/>
+                                              <p:pRg st="2" end="2"/>
                                             </p:txEl>
                                           </p:spTgt>
                                         </p:tgtEl>
@@ -6577,11 +6531,11 @@
                                     </p:set>
                                     <p:animEffect transition="in" filter="fade">
                                       <p:cBhvr>
-                                        <p:cTn id="49" dur="500"/>
+                                        <p:cTn id="46" dur="500"/>
                                         <p:tgtEl>
                                           <p:spTgt spid="52">
                                             <p:txEl>
-                                              <p:pRg st="3" end="3"/>
+                                              <p:pRg st="2" end="2"/>
                                             </p:txEl>
                                           </p:spTgt>
                                         </p:tgtEl>
@@ -6594,13 +6548,48 @@
                           </p:cTn>
                         </p:par>
                         <p:par>
-                          <p:cTn id="50" fill="hold">
+                          <p:cTn id="47" fill="hold">
                             <p:stCondLst>
                               <p:cond delay="500"/>
                             </p:stCondLst>
                             <p:childTnLst>
                               <p:par>
-                                <p:cTn id="51" presetID="21" presetClass="entr" presetSubtype="1" fill="hold" grpId="0" nodeType="afterEffect">
+                                <p:cTn id="48" presetID="21" presetClass="entr" presetSubtype="1" fill="hold" grpId="0" nodeType="afterEffect">
+                                  <p:stCondLst>
+                                    <p:cond delay="0"/>
+                                  </p:stCondLst>
+                                  <p:childTnLst>
+                                    <p:set>
+                                      <p:cBhvr>
+                                        <p:cTn id="49" dur="1" fill="hold">
+                                          <p:stCondLst>
+                                            <p:cond delay="0"/>
+                                          </p:stCondLst>
+                                        </p:cTn>
+                                        <p:tgtEl>
+                                          <p:spTgt spid="53"/>
+                                        </p:tgtEl>
+                                        <p:attrNameLst>
+                                          <p:attrName>style.visibility</p:attrName>
+                                        </p:attrNameLst>
+                                      </p:cBhvr>
+                                      <p:to>
+                                        <p:strVal val="visible"/>
+                                      </p:to>
+                                    </p:set>
+                                    <p:animEffect transition="in" filter="wheel(1)">
+                                      <p:cBhvr>
+                                        <p:cTn id="50" dur="1000"/>
+                                        <p:tgtEl>
+                                          <p:spTgt spid="53"/>
+                                        </p:tgtEl>
+                                      </p:cBhvr>
+                                    </p:animEffect>
+                                  </p:childTnLst>
+                                </p:cTn>
+                              </p:par>
+                              <p:par>
+                                <p:cTn id="51" presetID="21" presetClass="entr" presetSubtype="1" fill="hold" grpId="0" nodeType="withEffect">
                                   <p:stCondLst>
                                     <p:cond delay="0"/>
                                   </p:stCondLst>
@@ -6613,7 +6602,7 @@
                                           </p:stCondLst>
                                         </p:cTn>
                                         <p:tgtEl>
-                                          <p:spTgt spid="53"/>
+                                          <p:spTgt spid="54"/>
                                         </p:tgtEl>
                                         <p:attrNameLst>
                                           <p:attrName>style.visibility</p:attrName>
@@ -6627,7 +6616,7 @@
                                       <p:cBhvr>
                                         <p:cTn id="53" dur="1000"/>
                                         <p:tgtEl>
-                                          <p:spTgt spid="53"/>
+                                          <p:spTgt spid="54"/>
                                         </p:tgtEl>
                                       </p:cBhvr>
                                     </p:animEffect>
@@ -6648,7 +6637,7 @@
                                           </p:stCondLst>
                                         </p:cTn>
                                         <p:tgtEl>
-                                          <p:spTgt spid="54"/>
+                                          <p:spTgt spid="55"/>
                                         </p:tgtEl>
                                         <p:attrNameLst>
                                           <p:attrName>style.visibility</p:attrName>
@@ -6661,41 +6650,6 @@
                                     <p:animEffect transition="in" filter="wheel(1)">
                                       <p:cBhvr>
                                         <p:cTn id="56" dur="1000"/>
-                                        <p:tgtEl>
-                                          <p:spTgt spid="54"/>
-                                        </p:tgtEl>
-                                      </p:cBhvr>
-                                    </p:animEffect>
-                                  </p:childTnLst>
-                                </p:cTn>
-                              </p:par>
-                              <p:par>
-                                <p:cTn id="57" presetID="21" presetClass="entr" presetSubtype="1" fill="hold" grpId="0" nodeType="withEffect">
-                                  <p:stCondLst>
-                                    <p:cond delay="0"/>
-                                  </p:stCondLst>
-                                  <p:childTnLst>
-                                    <p:set>
-                                      <p:cBhvr>
-                                        <p:cTn id="58" dur="1" fill="hold">
-                                          <p:stCondLst>
-                                            <p:cond delay="0"/>
-                                          </p:stCondLst>
-                                        </p:cTn>
-                                        <p:tgtEl>
-                                          <p:spTgt spid="55"/>
-                                        </p:tgtEl>
-                                        <p:attrNameLst>
-                                          <p:attrName>style.visibility</p:attrName>
-                                        </p:attrNameLst>
-                                      </p:cBhvr>
-                                      <p:to>
-                                        <p:strVal val="visible"/>
-                                      </p:to>
-                                    </p:set>
-                                    <p:animEffect transition="in" filter="wheel(1)">
-                                      <p:cBhvr>
-                                        <p:cTn id="59" dur="1000"/>
                                         <p:tgtEl>
                                           <p:spTgt spid="55"/>
                                         </p:tgtEl>
@@ -6708,20 +6662,20 @@
                           </p:cTn>
                         </p:par>
                         <p:par>
-                          <p:cTn id="60" fill="hold">
+                          <p:cTn id="57" fill="hold">
                             <p:stCondLst>
                               <p:cond delay="1500"/>
                             </p:stCondLst>
                             <p:childTnLst>
                               <p:par>
-                                <p:cTn id="61" presetID="53" presetClass="entr" presetSubtype="16" fill="hold" grpId="0" nodeType="afterEffect">
+                                <p:cTn id="58" presetID="53" presetClass="entr" presetSubtype="16" fill="hold" grpId="0" nodeType="afterEffect">
                                   <p:stCondLst>
                                     <p:cond delay="0"/>
                                   </p:stCondLst>
                                   <p:childTnLst>
                                     <p:set>
                                       <p:cBhvr>
-                                        <p:cTn id="62" dur="1" fill="hold">
+                                        <p:cTn id="59" dur="1" fill="hold">
                                           <p:stCondLst>
                                             <p:cond delay="0"/>
                                           </p:stCondLst>
@@ -6739,7 +6693,7 @@
                                     </p:set>
                                     <p:anim calcmode="lin" valueType="num">
                                       <p:cBhvr>
-                                        <p:cTn id="63" dur="500" fill="hold"/>
+                                        <p:cTn id="60" dur="500" fill="hold"/>
                                         <p:tgtEl>
                                           <p:spTgt spid="58"/>
                                         </p:tgtEl>
@@ -6762,7 +6716,7 @@
                                     </p:anim>
                                     <p:anim calcmode="lin" valueType="num">
                                       <p:cBhvr>
-                                        <p:cTn id="64" dur="500" fill="hold"/>
+                                        <p:cTn id="61" dur="500" fill="hold"/>
                                         <p:tgtEl>
                                           <p:spTgt spid="58"/>
                                         </p:tgtEl>
@@ -6785,7 +6739,7 @@
                                     </p:anim>
                                     <p:animEffect transition="in" filter="fade">
                                       <p:cBhvr>
-                                        <p:cTn id="65" dur="500"/>
+                                        <p:cTn id="62" dur="500"/>
                                         <p:tgtEl>
                                           <p:spTgt spid="58"/>
                                         </p:tgtEl>
@@ -7010,7 +6964,7 @@
     </p:spTree>
     <p:extLst>
       <p:ext uri="{BB962C8B-B14F-4D97-AF65-F5344CB8AC3E}">
-        <p14:creationId xmlns="" xmlns:p14="http://schemas.microsoft.com/office/powerpoint/2010/main" val="2807808241"/>
+        <p14:creationId xmlns:p14="http://schemas.microsoft.com/office/powerpoint/2010/main" xmlns="" val="2807808241"/>
       </p:ext>
     </p:extLst>
   </p:cSld>
@@ -7416,7 +7370,7 @@
     </p:spTree>
     <p:extLst>
       <p:ext uri="{BB962C8B-B14F-4D97-AF65-F5344CB8AC3E}">
-        <p14:creationId xmlns="" xmlns:p14="http://schemas.microsoft.com/office/powerpoint/2010/main" val="2807808241"/>
+        <p14:creationId xmlns:p14="http://schemas.microsoft.com/office/powerpoint/2010/main" xmlns="" val="2807808241"/>
       </p:ext>
     </p:extLst>
   </p:cSld>
@@ -8113,11 +8067,7 @@
             </a:r>
             <a:r>
               <a:rPr lang="en-US" altLang="zh-CN" dirty="0" smtClean="0"/>
-              <a:t>written </a:t>
-            </a:r>
-            <a:r>
-              <a:rPr lang="en-US" altLang="zh-CN" dirty="0" smtClean="0"/>
-              <a:t>in </a:t>
+              <a:t>written in </a:t>
             </a:r>
             <a:r>
               <a:rPr lang="en-US" altLang="zh-CN" dirty="0" err="1" smtClean="0"/>
@@ -8137,13 +8087,8 @@
             </a:r>
             <a:r>
               <a:rPr lang="en-US" dirty="0" smtClean="0"/>
-              <a:t> </a:t>
-            </a:r>
-            <a:r>
-              <a:rPr lang="en-US" dirty="0" smtClean="0"/>
-              <a:t>not supported</a:t>
-            </a:r>
-            <a:endParaRPr lang="en-US" dirty="0" smtClean="0"/>
+              <a:t> not supported</a:t>
+            </a:r>
           </a:p>
           <a:p>
             <a:pPr lvl="1"/>
@@ -8300,7 +8245,7 @@
           <a:blip r:embed="rId2" cstate="print">
             <a:extLst>
               <a:ext uri="{28A0092B-C50C-407E-A947-70E740481C1C}">
-                <a14:useLocalDpi xmlns="" xmlns:a14="http://schemas.microsoft.com/office/drawing/2010/main" val="0"/>
+                <a14:useLocalDpi xmlns:a14="http://schemas.microsoft.com/office/drawing/2010/main" xmlns="" val="0"/>
               </a:ext>
             </a:extLst>
           </a:blip>
@@ -8320,7 +8265,7 @@
           <a:noFill/>
           <a:extLst>
             <a:ext uri="{909E8E84-426E-40DD-AFC4-6F175D3DCCD1}">
-              <a14:hiddenFill xmlns="" xmlns:a14="http://schemas.microsoft.com/office/drawing/2010/main">
+              <a14:hiddenFill xmlns:a14="http://schemas.microsoft.com/office/drawing/2010/main" xmlns="">
                 <a:solidFill>
                   <a:srgbClr val="FFFFFF"/>
                 </a:solidFill>
@@ -8406,7 +8351,7 @@
     </p:spTree>
     <p:extLst>
       <p:ext uri="{BB962C8B-B14F-4D97-AF65-F5344CB8AC3E}">
-        <p14:creationId xmlns="" xmlns:p14="http://schemas.microsoft.com/office/powerpoint/2010/main" val="1715050486"/>
+        <p14:creationId xmlns:p14="http://schemas.microsoft.com/office/powerpoint/2010/main" xmlns="" val="1715050486"/>
       </p:ext>
     </p:extLst>
   </p:cSld>
@@ -8414,7 +8359,7 @@
     <a:masterClrMapping/>
   </p:clrMapOvr>
   <mc:AlternateContent xmlns:mc="http://schemas.openxmlformats.org/markup-compatibility/2006">
-    <mc:Choice xmlns="" xmlns:p14="http://schemas.microsoft.com/office/powerpoint/2010/main" Requires="p14">
+    <mc:Choice xmlns:p14="http://schemas.microsoft.com/office/powerpoint/2010/main" xmlns="" Requires="p14">
       <p:transition spd="slow" p14:dur="2000"/>
     </mc:Choice>
     <mc:Fallback>
@@ -11031,7 +10976,7 @@
     </p:spTree>
     <p:extLst>
       <p:ext uri="{BB962C8B-B14F-4D97-AF65-F5344CB8AC3E}">
-        <p14:creationId xmlns="" xmlns:p14="http://schemas.microsoft.com/office/powerpoint/2010/main" val="639367041"/>
+        <p14:creationId xmlns:p14="http://schemas.microsoft.com/office/powerpoint/2010/main" xmlns="" val="639367041"/>
       </p:ext>
     </p:extLst>
   </p:cSld>

--- a/Paper Presentation/Presentation_part3.pptx
+++ b/Paper Presentation/Presentation_part3.pptx
@@ -369,7 +369,7 @@
     </p:spTree>
     <p:extLst>
       <p:ext uri="{BB962C8B-B14F-4D97-AF65-F5344CB8AC3E}">
-        <p14:creationId xmlns:p14="http://schemas.microsoft.com/office/powerpoint/2010/main" xmlns="" val="417909806"/>
+        <p14:creationId xmlns="" xmlns:p14="http://schemas.microsoft.com/office/powerpoint/2010/main" val="417909806"/>
       </p:ext>
     </p:extLst>
   </p:cSld>
@@ -5488,19 +5488,7 @@
                 <a:ea typeface="Segoe UI" pitchFamily="34" charset="0"/>
                 <a:cs typeface="Segoe UI" pitchFamily="34" charset="0"/>
               </a:rPr>
-              <a:t>Offset </a:t>
-            </a:r>
-            <a:r>
-              <a:rPr lang="en-US" sz="1600" b="1" dirty="0" smtClean="0">
-                <a:solidFill>
-                  <a:schemeClr val="accent1">
-                    <a:lumMod val="75000"/>
-                  </a:schemeClr>
-                </a:solidFill>
-                <a:ea typeface="Segoe UI" pitchFamily="34" charset="0"/>
-                <a:cs typeface="Segoe UI" pitchFamily="34" charset="0"/>
-              </a:rPr>
-              <a:t>valid on any replica</a:t>
+              <a:t>Offset valid on any replica</a:t>
             </a:r>
           </a:p>
         </p:txBody>
@@ -5978,7 +5966,7 @@
     </p:spTree>
     <p:extLst>
       <p:ext uri="{BB962C8B-B14F-4D97-AF65-F5344CB8AC3E}">
-        <p14:creationId xmlns:p14="http://schemas.microsoft.com/office/powerpoint/2010/main" xmlns="" val="4171962860"/>
+        <p14:creationId xmlns="" xmlns:p14="http://schemas.microsoft.com/office/powerpoint/2010/main" val="4171962860"/>
       </p:ext>
     </p:extLst>
   </p:cSld>
@@ -6865,7 +6853,11 @@
           <a:p>
             <a:r>
               <a:rPr lang="en-US" sz="2400" dirty="0" smtClean="0"/>
-              <a:t>Layering and co-design provides CAP for WAS</a:t>
+              <a:t>Layering and co-design provides CAP for </a:t>
+            </a:r>
+            <a:r>
+              <a:rPr lang="en-US" sz="2400" dirty="0" smtClean="0"/>
+              <a:t>Windows Azure Storage</a:t>
             </a:r>
             <a:endParaRPr lang="en-US" sz="2400" dirty="0"/>
           </a:p>
@@ -6964,7 +6956,7 @@
     </p:spTree>
     <p:extLst>
       <p:ext uri="{BB962C8B-B14F-4D97-AF65-F5344CB8AC3E}">
-        <p14:creationId xmlns:p14="http://schemas.microsoft.com/office/powerpoint/2010/main" xmlns="" val="2807808241"/>
+        <p14:creationId xmlns="" xmlns:p14="http://schemas.microsoft.com/office/powerpoint/2010/main" val="2807808241"/>
       </p:ext>
     </p:extLst>
   </p:cSld>
@@ -7370,7 +7362,7 @@
     </p:spTree>
     <p:extLst>
       <p:ext uri="{BB962C8B-B14F-4D97-AF65-F5344CB8AC3E}">
-        <p14:creationId xmlns:p14="http://schemas.microsoft.com/office/powerpoint/2010/main" xmlns="" val="2807808241"/>
+        <p14:creationId xmlns="" xmlns:p14="http://schemas.microsoft.com/office/powerpoint/2010/main" val="2807808241"/>
       </p:ext>
     </p:extLst>
   </p:cSld>
@@ -8007,12 +7999,18 @@
         </p:nvSpPr>
         <p:spPr/>
         <p:txBody>
-          <a:bodyPr/>
+          <a:bodyPr>
+            <a:normAutofit fontScale="90000"/>
+          </a:bodyPr>
           <a:lstStyle/>
           <a:p>
             <a:r>
               <a:rPr lang="en-US" dirty="0" smtClean="0"/>
-              <a:t>Disadvantages of WAS</a:t>
+              <a:t>Disadvantages of </a:t>
+            </a:r>
+            <a:r>
+              <a:rPr lang="en-US" dirty="0" smtClean="0"/>
+              <a:t>Windows Azure Storage</a:t>
             </a:r>
             <a:endParaRPr lang="en-US" dirty="0"/>
           </a:p>
@@ -8031,7 +8029,7 @@
         <p:spPr/>
         <p:txBody>
           <a:bodyPr>
-            <a:normAutofit fontScale="92500" lnSpcReduction="20000"/>
+            <a:normAutofit fontScale="85000" lnSpcReduction="10000"/>
           </a:bodyPr>
           <a:lstStyle/>
           <a:p>
@@ -8098,8 +8096,21 @@
                   <a:srgbClr val="FF0000"/>
                 </a:solidFill>
               </a:rPr>
-              <a:t>Difficult to port them to run on WAS</a:t>
-            </a:r>
+              <a:t>Difficult to port them to run on </a:t>
+            </a:r>
+            <a:r>
+              <a:rPr lang="en-US" dirty="0" smtClean="0">
+                <a:solidFill>
+                  <a:srgbClr val="FF0000"/>
+                </a:solidFill>
+              </a:rPr>
+              <a:t>Windows Azure Storage</a:t>
+            </a:r>
+            <a:endParaRPr lang="en-US" dirty="0" smtClean="0">
+              <a:solidFill>
+                <a:srgbClr val="FF0000"/>
+              </a:solidFill>
+            </a:endParaRPr>
           </a:p>
           <a:p>
             <a:pPr lvl="1"/>
@@ -8245,7 +8256,7 @@
           <a:blip r:embed="rId2" cstate="print">
             <a:extLst>
               <a:ext uri="{28A0092B-C50C-407E-A947-70E740481C1C}">
-                <a14:useLocalDpi xmlns:a14="http://schemas.microsoft.com/office/drawing/2010/main" xmlns="" val="0"/>
+                <a14:useLocalDpi xmlns="" xmlns:a14="http://schemas.microsoft.com/office/drawing/2010/main" val="0"/>
               </a:ext>
             </a:extLst>
           </a:blip>
@@ -8265,7 +8276,7 @@
           <a:noFill/>
           <a:extLst>
             <a:ext uri="{909E8E84-426E-40DD-AFC4-6F175D3DCCD1}">
-              <a14:hiddenFill xmlns:a14="http://schemas.microsoft.com/office/drawing/2010/main" xmlns="">
+              <a14:hiddenFill xmlns="" xmlns:a14="http://schemas.microsoft.com/office/drawing/2010/main">
                 <a:solidFill>
                   <a:srgbClr val="FFFFFF"/>
                 </a:solidFill>
@@ -8351,7 +8362,7 @@
     </p:spTree>
     <p:extLst>
       <p:ext uri="{BB962C8B-B14F-4D97-AF65-F5344CB8AC3E}">
-        <p14:creationId xmlns:p14="http://schemas.microsoft.com/office/powerpoint/2010/main" xmlns="" val="1715050486"/>
+        <p14:creationId xmlns="" xmlns:p14="http://schemas.microsoft.com/office/powerpoint/2010/main" val="1715050486"/>
       </p:ext>
     </p:extLst>
   </p:cSld>
@@ -8359,7 +8370,7 @@
     <a:masterClrMapping/>
   </p:clrMapOvr>
   <mc:AlternateContent xmlns:mc="http://schemas.openxmlformats.org/markup-compatibility/2006">
-    <mc:Choice xmlns:p14="http://schemas.microsoft.com/office/powerpoint/2010/main" xmlns="" Requires="p14">
+    <mc:Choice xmlns="" xmlns:p14="http://schemas.microsoft.com/office/powerpoint/2010/main" Requires="p14">
       <p:transition spd="slow" p14:dur="2000"/>
     </mc:Choice>
     <mc:Fallback>
@@ -10976,7 +10987,7 @@
     </p:spTree>
     <p:extLst>
       <p:ext uri="{BB962C8B-B14F-4D97-AF65-F5344CB8AC3E}">
-        <p14:creationId xmlns:p14="http://schemas.microsoft.com/office/powerpoint/2010/main" xmlns="" val="639367041"/>
+        <p14:creationId xmlns="" xmlns:p14="http://schemas.microsoft.com/office/powerpoint/2010/main" val="639367041"/>
       </p:ext>
     </p:extLst>
   </p:cSld>

--- a/Paper Presentation/Presentation_part3.pptx
+++ b/Paper Presentation/Presentation_part3.pptx
@@ -4760,9 +4760,7 @@
             <a:avLst/>
           </a:prstGeom>
           <a:solidFill>
-            <a:schemeClr val="accent3">
-              <a:lumMod val="75000"/>
-            </a:schemeClr>
+            <a:srgbClr val="C00000"/>
           </a:solidFill>
           <a:ln w="25400">
             <a:solidFill>
@@ -4910,9 +4908,7 @@
             <a:avLst/>
           </a:prstGeom>
           <a:solidFill>
-            <a:schemeClr val="accent3">
-              <a:lumMod val="75000"/>
-            </a:schemeClr>
+            <a:srgbClr val="C00000"/>
           </a:solidFill>
           <a:ln w="25400">
             <a:solidFill>
@@ -5829,8 +5825,8 @@
         </p:nvSpPr>
         <p:spPr bwMode="auto">
           <a:xfrm>
-            <a:off x="884105" y="4957595"/>
-            <a:ext cx="246127" cy="1112279"/>
+            <a:off x="883025" y="4953000"/>
+            <a:ext cx="228600" cy="1112279"/>
           </a:xfrm>
           <a:prstGeom prst="rect">
             <a:avLst/>
@@ -5896,7 +5892,7 @@
         </p:nvSpPr>
         <p:spPr bwMode="auto">
           <a:xfrm>
-            <a:off x="3041780" y="4914126"/>
+            <a:off x="3048000" y="4912660"/>
             <a:ext cx="246127" cy="1112279"/>
           </a:xfrm>
           <a:prstGeom prst="rect">
